--- a/Presentation/Mancala Presentation.pptx
+++ b/Presentation/Mancala Presentation.pptx
@@ -1,48 +1,29 @@
 
 <file path=ppt/presentation.xml><?xml version="1.0" encoding="utf-8"?>
-<p:presentation xmlns:a="http://schemas.openxmlformats.org/drawingml/2006/main" xmlns:r="http://schemas.openxmlformats.org/officeDocument/2006/relationships" xmlns:mc="http://schemas.openxmlformats.org/markup-compatibility/2006" xmlns:mv="urn:schemas-microsoft-com:mac:vml" xmlns:p="http://schemas.openxmlformats.org/presentationml/2006/main" xmlns:c="http://schemas.openxmlformats.org/drawingml/2006/chart" xmlns:dgm="http://schemas.openxmlformats.org/drawingml/2006/diagram" xmlns:o="urn:schemas-microsoft-com:office:office" xmlns:v="urn:schemas-microsoft-com:vml" xmlns:pvml="urn:schemas-microsoft-com:office:powerpoint" xmlns:com="http://schemas.openxmlformats.org/drawingml/2006/compatibility" xmlns:p14="http://schemas.microsoft.com/office/powerpoint/2010/main" autoCompressPictures="0" embedTrueTypeFonts="1" strictFirstAndLastChars="0" saveSubsetFonts="1">
+<p:presentation xmlns:a="http://schemas.openxmlformats.org/drawingml/2006/main" xmlns:r="http://schemas.openxmlformats.org/officeDocument/2006/relationships" xmlns:p="http://schemas.openxmlformats.org/presentationml/2006/main" strictFirstAndLastChars="0" saveSubsetFonts="1" autoCompressPictures="0">
   <p:sldMasterIdLst>
-    <p:sldMasterId id="2147483659" r:id="rId3"/>
+    <p:sldMasterId id="2147483659" r:id="rId1"/>
   </p:sldMasterIdLst>
   <p:notesMasterIdLst>
-    <p:notesMasterId r:id="rId4"/>
+    <p:notesMasterId r:id="rId13"/>
   </p:notesMasterIdLst>
   <p:sldIdLst>
-    <p:sldId id="256" r:id="rId5"/>
-    <p:sldId id="257" r:id="rId6"/>
-    <p:sldId id="258" r:id="rId7"/>
-    <p:sldId id="259" r:id="rId8"/>
-    <p:sldId id="260" r:id="rId9"/>
-    <p:sldId id="261" r:id="rId10"/>
-    <p:sldId id="262" r:id="rId11"/>
-    <p:sldId id="263" r:id="rId12"/>
-    <p:sldId id="264" r:id="rId13"/>
-    <p:sldId id="265" r:id="rId14"/>
-    <p:sldId id="266" r:id="rId15"/>
+    <p:sldId id="256" r:id="rId2"/>
+    <p:sldId id="257" r:id="rId3"/>
+    <p:sldId id="258" r:id="rId4"/>
+    <p:sldId id="259" r:id="rId5"/>
+    <p:sldId id="260" r:id="rId6"/>
+    <p:sldId id="261" r:id="rId7"/>
+    <p:sldId id="262" r:id="rId8"/>
+    <p:sldId id="263" r:id="rId9"/>
+    <p:sldId id="264" r:id="rId10"/>
+    <p:sldId id="265" r:id="rId11"/>
+    <p:sldId id="266" r:id="rId12"/>
   </p:sldIdLst>
-  <p:sldSz cy="5143500" cx="9144000"/>
+  <p:sldSz cx="9144000" cy="5143500" type="screen16x9"/>
   <p:notesSz cx="6858000" cy="9144000"/>
-  <p:embeddedFontLst>
-    <p:embeddedFont>
-      <p:font typeface="Playfair Display"/>
-      <p:regular r:id="rId16"/>
-      <p:bold r:id="rId17"/>
-      <p:italic r:id="rId18"/>
-      <p:boldItalic r:id="rId19"/>
-    </p:embeddedFont>
-    <p:embeddedFont>
-      <p:font typeface="Montserrat"/>
-      <p:regular r:id="rId20"/>
-      <p:bold r:id="rId21"/>
-    </p:embeddedFont>
-    <p:embeddedFont>
-      <p:font typeface="Oswald"/>
-      <p:regular r:id="rId22"/>
-      <p:bold r:id="rId23"/>
-    </p:embeddedFont>
-  </p:embeddedFontLst>
   <p:defaultTextStyle>
-    <a:defPPr lvl="0" marR="0" rtl="0" algn="l">
+    <a:defPPr marR="0" lvl="0" algn="l" rtl="0">
       <a:lnSpc>
         <a:spcPct val="100000"/>
       </a:lnSpc>
@@ -53,7 +34,7 @@
         <a:spcPts val="0"/>
       </a:spcAft>
     </a:defPPr>
-    <a:lvl1pPr lvl="0" marR="0" rtl="0" algn="l">
+    <a:lvl1pPr marR="0" lvl="0" algn="l" rtl="0">
       <a:lnSpc>
         <a:spcPct val="100000"/>
       </a:lnSpc>
@@ -64,7 +45,7 @@
         <a:spcPts val="0"/>
       </a:spcAft>
       <a:buNone/>
-      <a:defRPr b="0" i="0" sz="1400" u="none" cap="none" strike="noStrike">
+      <a:defRPr sz="1400" b="0" i="0" u="none" strike="noStrike" cap="none">
         <a:solidFill>
           <a:srgbClr val="000000"/>
         </a:solidFill>
@@ -74,7 +55,7 @@
         <a:sym typeface="Arial"/>
       </a:defRPr>
     </a:lvl1pPr>
-    <a:lvl2pPr lvl="1" marR="0" rtl="0" algn="l">
+    <a:lvl2pPr marR="0" lvl="1" algn="l" rtl="0">
       <a:lnSpc>
         <a:spcPct val="100000"/>
       </a:lnSpc>
@@ -85,7 +66,7 @@
         <a:spcPts val="0"/>
       </a:spcAft>
       <a:buNone/>
-      <a:defRPr b="0" i="0" sz="1400" u="none" cap="none" strike="noStrike">
+      <a:defRPr sz="1400" b="0" i="0" u="none" strike="noStrike" cap="none">
         <a:solidFill>
           <a:srgbClr val="000000"/>
         </a:solidFill>
@@ -95,7 +76,7 @@
         <a:sym typeface="Arial"/>
       </a:defRPr>
     </a:lvl2pPr>
-    <a:lvl3pPr lvl="2" marR="0" rtl="0" algn="l">
+    <a:lvl3pPr marR="0" lvl="2" algn="l" rtl="0">
       <a:lnSpc>
         <a:spcPct val="100000"/>
       </a:lnSpc>
@@ -106,7 +87,7 @@
         <a:spcPts val="0"/>
       </a:spcAft>
       <a:buNone/>
-      <a:defRPr b="0" i="0" sz="1400" u="none" cap="none" strike="noStrike">
+      <a:defRPr sz="1400" b="0" i="0" u="none" strike="noStrike" cap="none">
         <a:solidFill>
           <a:srgbClr val="000000"/>
         </a:solidFill>
@@ -116,7 +97,7 @@
         <a:sym typeface="Arial"/>
       </a:defRPr>
     </a:lvl3pPr>
-    <a:lvl4pPr lvl="3" marR="0" rtl="0" algn="l">
+    <a:lvl4pPr marR="0" lvl="3" algn="l" rtl="0">
       <a:lnSpc>
         <a:spcPct val="100000"/>
       </a:lnSpc>
@@ -127,7 +108,7 @@
         <a:spcPts val="0"/>
       </a:spcAft>
       <a:buNone/>
-      <a:defRPr b="0" i="0" sz="1400" u="none" cap="none" strike="noStrike">
+      <a:defRPr sz="1400" b="0" i="0" u="none" strike="noStrike" cap="none">
         <a:solidFill>
           <a:srgbClr val="000000"/>
         </a:solidFill>
@@ -137,7 +118,7 @@
         <a:sym typeface="Arial"/>
       </a:defRPr>
     </a:lvl4pPr>
-    <a:lvl5pPr lvl="4" marR="0" rtl="0" algn="l">
+    <a:lvl5pPr marR="0" lvl="4" algn="l" rtl="0">
       <a:lnSpc>
         <a:spcPct val="100000"/>
       </a:lnSpc>
@@ -148,7 +129,7 @@
         <a:spcPts val="0"/>
       </a:spcAft>
       <a:buNone/>
-      <a:defRPr b="0" i="0" sz="1400" u="none" cap="none" strike="noStrike">
+      <a:defRPr sz="1400" b="0" i="0" u="none" strike="noStrike" cap="none">
         <a:solidFill>
           <a:srgbClr val="000000"/>
         </a:solidFill>
@@ -158,7 +139,7 @@
         <a:sym typeface="Arial"/>
       </a:defRPr>
     </a:lvl5pPr>
-    <a:lvl6pPr lvl="5" marR="0" rtl="0" algn="l">
+    <a:lvl6pPr marR="0" lvl="5" algn="l" rtl="0">
       <a:lnSpc>
         <a:spcPct val="100000"/>
       </a:lnSpc>
@@ -169,7 +150,7 @@
         <a:spcPts val="0"/>
       </a:spcAft>
       <a:buNone/>
-      <a:defRPr b="0" i="0" sz="1400" u="none" cap="none" strike="noStrike">
+      <a:defRPr sz="1400" b="0" i="0" u="none" strike="noStrike" cap="none">
         <a:solidFill>
           <a:srgbClr val="000000"/>
         </a:solidFill>
@@ -179,7 +160,7 @@
         <a:sym typeface="Arial"/>
       </a:defRPr>
     </a:lvl6pPr>
-    <a:lvl7pPr lvl="6" marR="0" rtl="0" algn="l">
+    <a:lvl7pPr marR="0" lvl="6" algn="l" rtl="0">
       <a:lnSpc>
         <a:spcPct val="100000"/>
       </a:lnSpc>
@@ -190,7 +171,7 @@
         <a:spcPts val="0"/>
       </a:spcAft>
       <a:buNone/>
-      <a:defRPr b="0" i="0" sz="1400" u="none" cap="none" strike="noStrike">
+      <a:defRPr sz="1400" b="0" i="0" u="none" strike="noStrike" cap="none">
         <a:solidFill>
           <a:srgbClr val="000000"/>
         </a:solidFill>
@@ -200,7 +181,7 @@
         <a:sym typeface="Arial"/>
       </a:defRPr>
     </a:lvl7pPr>
-    <a:lvl8pPr lvl="7" marR="0" rtl="0" algn="l">
+    <a:lvl8pPr marR="0" lvl="7" algn="l" rtl="0">
       <a:lnSpc>
         <a:spcPct val="100000"/>
       </a:lnSpc>
@@ -211,7 +192,7 @@
         <a:spcPts val="0"/>
       </a:spcAft>
       <a:buNone/>
-      <a:defRPr b="0" i="0" sz="1400" u="none" cap="none" strike="noStrike">
+      <a:defRPr sz="1400" b="0" i="0" u="none" strike="noStrike" cap="none">
         <a:solidFill>
           <a:srgbClr val="000000"/>
         </a:solidFill>
@@ -221,7 +202,7 @@
         <a:sym typeface="Arial"/>
       </a:defRPr>
     </a:lvl8pPr>
-    <a:lvl9pPr lvl="8" marR="0" rtl="0" algn="l">
+    <a:lvl9pPr marR="0" lvl="8" algn="l" rtl="0">
       <a:lnSpc>
         <a:spcPct val="100000"/>
       </a:lnSpc>
@@ -232,7 +213,7 @@
         <a:spcPts val="0"/>
       </a:spcAft>
       <a:buNone/>
-      <a:defRPr b="0" i="0" sz="1400" u="none" cap="none" strike="noStrike">
+      <a:defRPr sz="1400" b="0" i="0" u="none" strike="noStrike" cap="none">
         <a:solidFill>
           <a:srgbClr val="000000"/>
         </a:solidFill>
@@ -243,15 +224,36 @@
       </a:defRPr>
     </a:lvl9pPr>
   </p:defaultTextStyle>
+  <p:extLst>
+    <p:ext uri="{EFAFB233-063F-42B5-8137-9DF3F51BA10A}">
+      <p15:sldGuideLst xmlns:p15="http://schemas.microsoft.com/office/powerpoint/2012/main">
+        <p15:guide id="1" orient="horz" pos="1620" userDrawn="1">
+          <p15:clr>
+            <a:srgbClr val="A4A3A4"/>
+          </p15:clr>
+        </p15:guide>
+        <p15:guide id="2" pos="2880" userDrawn="1">
+          <p15:clr>
+            <a:srgbClr val="A4A3A4"/>
+          </p15:clr>
+        </p15:guide>
+      </p15:sldGuideLst>
+    </p:ext>
+  </p:extLst>
 </p:presentation>
 </file>
 
 <file path=ppt/notesMasters/notesMaster1.xml><?xml version="1.0" encoding="utf-8"?>
-<p:notesMaster xmlns:a="http://schemas.openxmlformats.org/drawingml/2006/main" xmlns:r="http://schemas.openxmlformats.org/officeDocument/2006/relationships" xmlns:mc="http://schemas.openxmlformats.org/markup-compatibility/2006" xmlns:mv="urn:schemas-microsoft-com:mac:vml" xmlns:p="http://schemas.openxmlformats.org/presentationml/2006/main" xmlns:c="http://schemas.openxmlformats.org/drawingml/2006/chart" xmlns:dgm="http://schemas.openxmlformats.org/drawingml/2006/diagram" xmlns:o="urn:schemas-microsoft-com:office:office" xmlns:v="urn:schemas-microsoft-com:vml" xmlns:pvml="urn:schemas-microsoft-com:office:powerpoint" xmlns:com="http://schemas.openxmlformats.org/drawingml/2006/compatibility" xmlns:p14="http://schemas.microsoft.com/office/powerpoint/2010/main">
+<p:notesMaster xmlns:a="http://schemas.openxmlformats.org/drawingml/2006/main" xmlns:r="http://schemas.openxmlformats.org/officeDocument/2006/relationships" xmlns:p="http://schemas.openxmlformats.org/presentationml/2006/main">
   <p:cSld>
+    <p:bg>
+      <p:bgRef idx="1001">
+        <a:schemeClr val="bg1"/>
+      </p:bgRef>
+    </p:bg>
     <p:spTree>
       <p:nvGrpSpPr>
-        <p:cNvPr id="2" name="Shape 2"/>
+        <p:cNvPr id="1" name="Shape 2"/>
         <p:cNvGrpSpPr/>
         <p:nvPr/>
       </p:nvGrpSpPr>
@@ -266,9 +268,11 @@
       <p:sp>
         <p:nvSpPr>
           <p:cNvPr id="3" name="Shape 3"/>
-          <p:cNvSpPr/>
+          <p:cNvSpPr>
+            <a:spLocks noGrp="1" noRot="1" noChangeAspect="1"/>
+          </p:cNvSpPr>
           <p:nvPr>
-            <p:ph idx="2" type="sldImg"/>
+            <p:ph type="sldImg" idx="2"/>
           </p:nvPr>
         </p:nvSpPr>
         <p:spPr>
@@ -277,8 +281,13 @@
             <a:ext cx="6096075" cy="3429000"/>
           </a:xfrm>
           <a:custGeom>
+            <a:avLst/>
+            <a:gdLst/>
+            <a:ahLst/>
+            <a:cxnLst/>
+            <a:rect l="0" t="0" r="0" b="0"/>
             <a:pathLst>
-              <a:path extrusionOk="0" h="120000" w="120000">
+              <a:path w="120000" h="120000" extrusionOk="0">
                 <a:moveTo>
                   <a:pt x="0" y="0"/>
                 </a:moveTo>
@@ -296,23 +305,25 @@
             </a:pathLst>
           </a:custGeom>
           <a:noFill/>
-          <a:ln cap="flat" cmpd="sng" w="9525">
+          <a:ln w="9525" cap="flat" cmpd="sng">
             <a:solidFill>
               <a:srgbClr val="000000"/>
             </a:solidFill>
             <a:prstDash val="solid"/>
             <a:round/>
-            <a:headEnd len="med" w="med" type="none"/>
-            <a:tailEnd len="med" w="med" type="none"/>
+            <a:headEnd type="none" w="med" len="med"/>
+            <a:tailEnd type="none" w="med" len="med"/>
           </a:ln>
         </p:spPr>
       </p:sp>
       <p:sp>
         <p:nvSpPr>
           <p:cNvPr id="4" name="Shape 4"/>
-          <p:cNvSpPr txBox="1"/>
+          <p:cNvSpPr txBox="1">
+            <a:spLocks noGrp="1"/>
+          </p:cNvSpPr>
           <p:nvPr>
-            <p:ph idx="1" type="body"/>
+            <p:ph type="body" idx="1"/>
           </p:nvPr>
         </p:nvSpPr>
         <p:spPr>
@@ -329,7 +340,7 @@
           </a:ln>
         </p:spPr>
         <p:txBody>
-          <a:bodyPr anchorCtr="0" anchor="t" bIns="91425" lIns="91425" rIns="91425" tIns="91425"/>
+          <a:bodyPr lIns="91425" tIns="91425" rIns="91425" bIns="91425" anchor="t" anchorCtr="0"/>
           <a:lstStyle>
             <a:lvl1pPr lvl="0">
               <a:spcBef>
@@ -386,21 +397,115 @@
               <a:defRPr sz="1100"/>
             </a:lvl9pPr>
           </a:lstStyle>
-          <a:p/>
+          <a:p>
+            <a:endParaRPr/>
+          </a:p>
         </p:txBody>
       </p:sp>
     </p:spTree>
   </p:cSld>
-  <p:clrMap accent1="accent1" accent2="accent2" accent3="accent3" accent4="accent4" accent5="accent5" accent6="accent6" bg1="lt1" bg2="dk2" tx1="dk1" tx2="lt2" folHlink="folHlink" hlink="hlink"/>
+  <p:clrMap bg1="lt1" tx1="dk1" bg2="dk2" tx2="lt2" accent1="accent1" accent2="accent2" accent3="accent3" accent4="accent4" accent5="accent5" accent6="accent6" hlink="hlink" folHlink="folHlink"/>
+  <p:notesStyle>
+    <a:lvl1pPr marL="0" algn="l" defTabSz="914400" rtl="0" eaLnBrk="1" latinLnBrk="0" hangingPunct="1">
+      <a:defRPr sz="1200" kern="1200">
+        <a:solidFill>
+          <a:schemeClr val="tx1"/>
+        </a:solidFill>
+        <a:latin typeface="+mn-lt"/>
+        <a:ea typeface="+mn-ea"/>
+        <a:cs typeface="+mn-cs"/>
+      </a:defRPr>
+    </a:lvl1pPr>
+    <a:lvl2pPr marL="457200" algn="l" defTabSz="914400" rtl="0" eaLnBrk="1" latinLnBrk="0" hangingPunct="1">
+      <a:defRPr sz="1200" kern="1200">
+        <a:solidFill>
+          <a:schemeClr val="tx1"/>
+        </a:solidFill>
+        <a:latin typeface="+mn-lt"/>
+        <a:ea typeface="+mn-ea"/>
+        <a:cs typeface="+mn-cs"/>
+      </a:defRPr>
+    </a:lvl2pPr>
+    <a:lvl3pPr marL="914400" algn="l" defTabSz="914400" rtl="0" eaLnBrk="1" latinLnBrk="0" hangingPunct="1">
+      <a:defRPr sz="1200" kern="1200">
+        <a:solidFill>
+          <a:schemeClr val="tx1"/>
+        </a:solidFill>
+        <a:latin typeface="+mn-lt"/>
+        <a:ea typeface="+mn-ea"/>
+        <a:cs typeface="+mn-cs"/>
+      </a:defRPr>
+    </a:lvl3pPr>
+    <a:lvl4pPr marL="1371600" algn="l" defTabSz="914400" rtl="0" eaLnBrk="1" latinLnBrk="0" hangingPunct="1">
+      <a:defRPr sz="1200" kern="1200">
+        <a:solidFill>
+          <a:schemeClr val="tx1"/>
+        </a:solidFill>
+        <a:latin typeface="+mn-lt"/>
+        <a:ea typeface="+mn-ea"/>
+        <a:cs typeface="+mn-cs"/>
+      </a:defRPr>
+    </a:lvl4pPr>
+    <a:lvl5pPr marL="1828800" algn="l" defTabSz="914400" rtl="0" eaLnBrk="1" latinLnBrk="0" hangingPunct="1">
+      <a:defRPr sz="1200" kern="1200">
+        <a:solidFill>
+          <a:schemeClr val="tx1"/>
+        </a:solidFill>
+        <a:latin typeface="+mn-lt"/>
+        <a:ea typeface="+mn-ea"/>
+        <a:cs typeface="+mn-cs"/>
+      </a:defRPr>
+    </a:lvl5pPr>
+    <a:lvl6pPr marL="2286000" algn="l" defTabSz="914400" rtl="0" eaLnBrk="1" latinLnBrk="0" hangingPunct="1">
+      <a:defRPr sz="1200" kern="1200">
+        <a:solidFill>
+          <a:schemeClr val="tx1"/>
+        </a:solidFill>
+        <a:latin typeface="+mn-lt"/>
+        <a:ea typeface="+mn-ea"/>
+        <a:cs typeface="+mn-cs"/>
+      </a:defRPr>
+    </a:lvl6pPr>
+    <a:lvl7pPr marL="2743200" algn="l" defTabSz="914400" rtl="0" eaLnBrk="1" latinLnBrk="0" hangingPunct="1">
+      <a:defRPr sz="1200" kern="1200">
+        <a:solidFill>
+          <a:schemeClr val="tx1"/>
+        </a:solidFill>
+        <a:latin typeface="+mn-lt"/>
+        <a:ea typeface="+mn-ea"/>
+        <a:cs typeface="+mn-cs"/>
+      </a:defRPr>
+    </a:lvl7pPr>
+    <a:lvl8pPr marL="3200400" algn="l" defTabSz="914400" rtl="0" eaLnBrk="1" latinLnBrk="0" hangingPunct="1">
+      <a:defRPr sz="1200" kern="1200">
+        <a:solidFill>
+          <a:schemeClr val="tx1"/>
+        </a:solidFill>
+        <a:latin typeface="+mn-lt"/>
+        <a:ea typeface="+mn-ea"/>
+        <a:cs typeface="+mn-cs"/>
+      </a:defRPr>
+    </a:lvl8pPr>
+    <a:lvl9pPr marL="3657600" algn="l" defTabSz="914400" rtl="0" eaLnBrk="1" latinLnBrk="0" hangingPunct="1">
+      <a:defRPr sz="1200" kern="1200">
+        <a:solidFill>
+          <a:schemeClr val="tx1"/>
+        </a:solidFill>
+        <a:latin typeface="+mn-lt"/>
+        <a:ea typeface="+mn-ea"/>
+        <a:cs typeface="+mn-cs"/>
+      </a:defRPr>
+    </a:lvl9pPr>
+  </p:notesStyle>
 </p:notesMaster>
 </file>
 
 <file path=ppt/notesSlides/notesSlide1.xml><?xml version="1.0" encoding="utf-8"?>
-<p:notes xmlns:a="http://schemas.openxmlformats.org/drawingml/2006/main" xmlns:r="http://schemas.openxmlformats.org/officeDocument/2006/relationships" xmlns:mc="http://schemas.openxmlformats.org/markup-compatibility/2006" xmlns:mv="urn:schemas-microsoft-com:mac:vml" xmlns:p="http://schemas.openxmlformats.org/presentationml/2006/main" xmlns:c="http://schemas.openxmlformats.org/drawingml/2006/chart" xmlns:dgm="http://schemas.openxmlformats.org/drawingml/2006/diagram" xmlns:o="urn:schemas-microsoft-com:office:office" xmlns:v="urn:schemas-microsoft-com:vml" xmlns:pvml="urn:schemas-microsoft-com:office:powerpoint" xmlns:com="http://schemas.openxmlformats.org/drawingml/2006/compatibility" xmlns:p14="http://schemas.microsoft.com/office/powerpoint/2010/main" showMasterPhAnim="0" showMasterSp="0">
+<p:notes xmlns:a="http://schemas.openxmlformats.org/drawingml/2006/main" xmlns:r="http://schemas.openxmlformats.org/officeDocument/2006/relationships" xmlns:p="http://schemas.openxmlformats.org/presentationml/2006/main" showMasterSp="0" showMasterPhAnim="0">
   <p:cSld>
     <p:spTree>
       <p:nvGrpSpPr>
-        <p:cNvPr id="54" name="Shape 54"/>
+        <p:cNvPr id="1" name="Shape 54"/>
         <p:cNvGrpSpPr/>
         <p:nvPr/>
       </p:nvGrpSpPr>
@@ -415,19 +520,26 @@
       <p:sp>
         <p:nvSpPr>
           <p:cNvPr id="55" name="Shape 55"/>
-          <p:cNvSpPr/>
+          <p:cNvSpPr>
+            <a:spLocks noGrp="1" noRot="1" noChangeAspect="1"/>
+          </p:cNvSpPr>
           <p:nvPr>
-            <p:ph idx="2" type="sldImg"/>
+            <p:ph type="sldImg" idx="2"/>
           </p:nvPr>
         </p:nvSpPr>
         <p:spPr>
           <a:xfrm>
-            <a:off x="381300" y="685800"/>
-            <a:ext cx="6096075" cy="3429000"/>
+            <a:off x="381000" y="685800"/>
+            <a:ext cx="6096000" cy="3429000"/>
           </a:xfrm>
           <a:custGeom>
+            <a:avLst/>
+            <a:gdLst/>
+            <a:ahLst/>
+            <a:cxnLst/>
+            <a:rect l="0" t="0" r="0" b="0"/>
             <a:pathLst>
-              <a:path extrusionOk="0" h="120000" w="120000">
+              <a:path w="120000" h="120000" extrusionOk="0">
                 <a:moveTo>
                   <a:pt x="0" y="0"/>
                 </a:moveTo>
@@ -449,9 +561,11 @@
       <p:sp>
         <p:nvSpPr>
           <p:cNvPr id="56" name="Shape 56"/>
-          <p:cNvSpPr txBox="1"/>
+          <p:cNvSpPr txBox="1">
+            <a:spLocks noGrp="1"/>
+          </p:cNvSpPr>
           <p:nvPr>
-            <p:ph idx="1" type="body"/>
+            <p:ph type="body" idx="1"/>
           </p:nvPr>
         </p:nvSpPr>
         <p:spPr>
@@ -464,7 +578,7 @@
           </a:prstGeom>
         </p:spPr>
         <p:txBody>
-          <a:bodyPr anchorCtr="0" anchor="t" bIns="91425" lIns="91425" rIns="91425" tIns="91425">
+          <a:bodyPr lIns="91425" tIns="91425" rIns="91425" bIns="91425" anchor="t" anchorCtr="0">
             <a:noAutofit/>
           </a:bodyPr>
           <a:lstStyle/>
@@ -475,9 +589,6 @@
               </a:spcBef>
               <a:buNone/>
             </a:pPr>
-            <a:r>
-              <a:t/>
-            </a:r>
             <a:endParaRPr/>
           </a:p>
         </p:txBody>
@@ -491,11 +602,11 @@
 </file>
 
 <file path=ppt/notesSlides/notesSlide10.xml><?xml version="1.0" encoding="utf-8"?>
-<p:notes xmlns:a="http://schemas.openxmlformats.org/drawingml/2006/main" xmlns:r="http://schemas.openxmlformats.org/officeDocument/2006/relationships" xmlns:mc="http://schemas.openxmlformats.org/markup-compatibility/2006" xmlns:mv="urn:schemas-microsoft-com:mac:vml" xmlns:p="http://schemas.openxmlformats.org/presentationml/2006/main" xmlns:c="http://schemas.openxmlformats.org/drawingml/2006/chart" xmlns:dgm="http://schemas.openxmlformats.org/drawingml/2006/diagram" xmlns:o="urn:schemas-microsoft-com:office:office" xmlns:v="urn:schemas-microsoft-com:vml" xmlns:pvml="urn:schemas-microsoft-com:office:powerpoint" xmlns:com="http://schemas.openxmlformats.org/drawingml/2006/compatibility" xmlns:p14="http://schemas.microsoft.com/office/powerpoint/2010/main" showMasterPhAnim="0" showMasterSp="0">
+<p:notes xmlns:a="http://schemas.openxmlformats.org/drawingml/2006/main" xmlns:r="http://schemas.openxmlformats.org/officeDocument/2006/relationships" xmlns:p="http://schemas.openxmlformats.org/presentationml/2006/main" showMasterSp="0" showMasterPhAnim="0">
   <p:cSld>
     <p:spTree>
       <p:nvGrpSpPr>
-        <p:cNvPr id="108" name="Shape 108"/>
+        <p:cNvPr id="1" name="Shape 108"/>
         <p:cNvGrpSpPr/>
         <p:nvPr/>
       </p:nvGrpSpPr>
@@ -510,19 +621,26 @@
       <p:sp>
         <p:nvSpPr>
           <p:cNvPr id="109" name="Shape 109"/>
-          <p:cNvSpPr/>
+          <p:cNvSpPr>
+            <a:spLocks noGrp="1" noRot="1" noChangeAspect="1"/>
+          </p:cNvSpPr>
           <p:nvPr>
-            <p:ph idx="2" type="sldImg"/>
+            <p:ph type="sldImg" idx="2"/>
           </p:nvPr>
         </p:nvSpPr>
         <p:spPr>
           <a:xfrm>
-            <a:off x="381300" y="685800"/>
+            <a:off x="381000" y="685800"/>
             <a:ext cx="6096000" cy="3429000"/>
           </a:xfrm>
           <a:custGeom>
+            <a:avLst/>
+            <a:gdLst/>
+            <a:ahLst/>
+            <a:cxnLst/>
+            <a:rect l="0" t="0" r="0" b="0"/>
             <a:pathLst>
-              <a:path extrusionOk="0" h="120000" w="120000">
+              <a:path w="120000" h="120000" extrusionOk="0">
                 <a:moveTo>
                   <a:pt x="0" y="0"/>
                 </a:moveTo>
@@ -544,9 +662,11 @@
       <p:sp>
         <p:nvSpPr>
           <p:cNvPr id="110" name="Shape 110"/>
-          <p:cNvSpPr txBox="1"/>
+          <p:cNvSpPr txBox="1">
+            <a:spLocks noGrp="1"/>
+          </p:cNvSpPr>
           <p:nvPr>
-            <p:ph idx="1" type="body"/>
+            <p:ph type="body" idx="1"/>
           </p:nvPr>
         </p:nvSpPr>
         <p:spPr>
@@ -559,7 +679,7 @@
           </a:prstGeom>
         </p:spPr>
         <p:txBody>
-          <a:bodyPr anchorCtr="0" anchor="t" bIns="91425" lIns="91425" rIns="91425" tIns="91425">
+          <a:bodyPr lIns="91425" tIns="91425" rIns="91425" bIns="91425" anchor="t" anchorCtr="0">
             <a:noAutofit/>
           </a:bodyPr>
           <a:lstStyle/>
@@ -570,9 +690,6 @@
               </a:spcBef>
               <a:buNone/>
             </a:pPr>
-            <a:r>
-              <a:t/>
-            </a:r>
             <a:endParaRPr/>
           </a:p>
         </p:txBody>
@@ -586,11 +703,11 @@
 </file>
 
 <file path=ppt/notesSlides/notesSlide11.xml><?xml version="1.0" encoding="utf-8"?>
-<p:notes xmlns:a="http://schemas.openxmlformats.org/drawingml/2006/main" xmlns:r="http://schemas.openxmlformats.org/officeDocument/2006/relationships" xmlns:mc="http://schemas.openxmlformats.org/markup-compatibility/2006" xmlns:mv="urn:schemas-microsoft-com:mac:vml" xmlns:p="http://schemas.openxmlformats.org/presentationml/2006/main" xmlns:c="http://schemas.openxmlformats.org/drawingml/2006/chart" xmlns:dgm="http://schemas.openxmlformats.org/drawingml/2006/diagram" xmlns:o="urn:schemas-microsoft-com:office:office" xmlns:v="urn:schemas-microsoft-com:vml" xmlns:pvml="urn:schemas-microsoft-com:office:powerpoint" xmlns:com="http://schemas.openxmlformats.org/drawingml/2006/compatibility" xmlns:p14="http://schemas.microsoft.com/office/powerpoint/2010/main" showMasterPhAnim="0" showMasterSp="0">
+<p:notes xmlns:a="http://schemas.openxmlformats.org/drawingml/2006/main" xmlns:r="http://schemas.openxmlformats.org/officeDocument/2006/relationships" xmlns:p="http://schemas.openxmlformats.org/presentationml/2006/main" showMasterSp="0" showMasterPhAnim="0">
   <p:cSld>
     <p:spTree>
       <p:nvGrpSpPr>
-        <p:cNvPr id="114" name="Shape 114"/>
+        <p:cNvPr id="1" name="Shape 114"/>
         <p:cNvGrpSpPr/>
         <p:nvPr/>
       </p:nvGrpSpPr>
@@ -605,19 +722,26 @@
       <p:sp>
         <p:nvSpPr>
           <p:cNvPr id="115" name="Shape 115"/>
-          <p:cNvSpPr/>
+          <p:cNvSpPr>
+            <a:spLocks noGrp="1" noRot="1" noChangeAspect="1"/>
+          </p:cNvSpPr>
           <p:nvPr>
-            <p:ph idx="2" type="sldImg"/>
+            <p:ph type="sldImg" idx="2"/>
           </p:nvPr>
         </p:nvSpPr>
         <p:spPr>
           <a:xfrm>
-            <a:off x="381300" y="685800"/>
+            <a:off x="381000" y="685800"/>
             <a:ext cx="6096000" cy="3429000"/>
           </a:xfrm>
           <a:custGeom>
+            <a:avLst/>
+            <a:gdLst/>
+            <a:ahLst/>
+            <a:cxnLst/>
+            <a:rect l="0" t="0" r="0" b="0"/>
             <a:pathLst>
-              <a:path extrusionOk="0" h="120000" w="120000">
+              <a:path w="120000" h="120000" extrusionOk="0">
                 <a:moveTo>
                   <a:pt x="0" y="0"/>
                 </a:moveTo>
@@ -639,9 +763,11 @@
       <p:sp>
         <p:nvSpPr>
           <p:cNvPr id="116" name="Shape 116"/>
-          <p:cNvSpPr txBox="1"/>
+          <p:cNvSpPr txBox="1">
+            <a:spLocks noGrp="1"/>
+          </p:cNvSpPr>
           <p:nvPr>
-            <p:ph idx="1" type="body"/>
+            <p:ph type="body" idx="1"/>
           </p:nvPr>
         </p:nvSpPr>
         <p:spPr>
@@ -654,7 +780,7 @@
           </a:prstGeom>
         </p:spPr>
         <p:txBody>
-          <a:bodyPr anchorCtr="0" anchor="t" bIns="91425" lIns="91425" rIns="91425" tIns="91425">
+          <a:bodyPr lIns="91425" tIns="91425" rIns="91425" bIns="91425" anchor="t" anchorCtr="0">
             <a:noAutofit/>
           </a:bodyPr>
           <a:lstStyle/>
@@ -665,9 +791,6 @@
               </a:spcBef>
               <a:buNone/>
             </a:pPr>
-            <a:r>
-              <a:t/>
-            </a:r>
             <a:endParaRPr/>
           </a:p>
         </p:txBody>
@@ -681,11 +804,11 @@
 </file>
 
 <file path=ppt/notesSlides/notesSlide2.xml><?xml version="1.0" encoding="utf-8"?>
-<p:notes xmlns:a="http://schemas.openxmlformats.org/drawingml/2006/main" xmlns:r="http://schemas.openxmlformats.org/officeDocument/2006/relationships" xmlns:mc="http://schemas.openxmlformats.org/markup-compatibility/2006" xmlns:mv="urn:schemas-microsoft-com:mac:vml" xmlns:p="http://schemas.openxmlformats.org/presentationml/2006/main" xmlns:c="http://schemas.openxmlformats.org/drawingml/2006/chart" xmlns:dgm="http://schemas.openxmlformats.org/drawingml/2006/diagram" xmlns:o="urn:schemas-microsoft-com:office:office" xmlns:v="urn:schemas-microsoft-com:vml" xmlns:pvml="urn:schemas-microsoft-com:office:powerpoint" xmlns:com="http://schemas.openxmlformats.org/drawingml/2006/compatibility" xmlns:p14="http://schemas.microsoft.com/office/powerpoint/2010/main" showMasterPhAnim="0" showMasterSp="0">
+<p:notes xmlns:a="http://schemas.openxmlformats.org/drawingml/2006/main" xmlns:r="http://schemas.openxmlformats.org/officeDocument/2006/relationships" xmlns:p="http://schemas.openxmlformats.org/presentationml/2006/main" showMasterSp="0" showMasterPhAnim="0">
   <p:cSld>
     <p:spTree>
       <p:nvGrpSpPr>
-        <p:cNvPr id="60" name="Shape 60"/>
+        <p:cNvPr id="1" name="Shape 60"/>
         <p:cNvGrpSpPr/>
         <p:nvPr/>
       </p:nvGrpSpPr>
@@ -700,19 +823,26 @@
       <p:sp>
         <p:nvSpPr>
           <p:cNvPr id="61" name="Shape 61"/>
-          <p:cNvSpPr/>
+          <p:cNvSpPr>
+            <a:spLocks noGrp="1" noRot="1" noChangeAspect="1"/>
+          </p:cNvSpPr>
           <p:nvPr>
-            <p:ph idx="2" type="sldImg"/>
+            <p:ph type="sldImg" idx="2"/>
           </p:nvPr>
         </p:nvSpPr>
         <p:spPr>
           <a:xfrm>
-            <a:off x="381300" y="685800"/>
+            <a:off x="381000" y="685800"/>
             <a:ext cx="6096000" cy="3429000"/>
           </a:xfrm>
           <a:custGeom>
+            <a:avLst/>
+            <a:gdLst/>
+            <a:ahLst/>
+            <a:cxnLst/>
+            <a:rect l="0" t="0" r="0" b="0"/>
             <a:pathLst>
-              <a:path extrusionOk="0" h="120000" w="120000">
+              <a:path w="120000" h="120000" extrusionOk="0">
                 <a:moveTo>
                   <a:pt x="0" y="0"/>
                 </a:moveTo>
@@ -734,9 +864,11 @@
       <p:sp>
         <p:nvSpPr>
           <p:cNvPr id="62" name="Shape 62"/>
-          <p:cNvSpPr txBox="1"/>
+          <p:cNvSpPr txBox="1">
+            <a:spLocks noGrp="1"/>
+          </p:cNvSpPr>
           <p:nvPr>
-            <p:ph idx="1" type="body"/>
+            <p:ph type="body" idx="1"/>
           </p:nvPr>
         </p:nvSpPr>
         <p:spPr>
@@ -749,7 +881,7 @@
           </a:prstGeom>
         </p:spPr>
         <p:txBody>
-          <a:bodyPr anchorCtr="0" anchor="t" bIns="91425" lIns="91425" rIns="91425" tIns="91425">
+          <a:bodyPr lIns="91425" tIns="91425" rIns="91425" bIns="91425" anchor="t" anchorCtr="0">
             <a:noAutofit/>
           </a:bodyPr>
           <a:lstStyle/>
@@ -760,9 +892,6 @@
               </a:spcBef>
               <a:buNone/>
             </a:pPr>
-            <a:r>
-              <a:t/>
-            </a:r>
             <a:endParaRPr/>
           </a:p>
         </p:txBody>
@@ -776,11 +905,11 @@
 </file>
 
 <file path=ppt/notesSlides/notesSlide3.xml><?xml version="1.0" encoding="utf-8"?>
-<p:notes xmlns:a="http://schemas.openxmlformats.org/drawingml/2006/main" xmlns:r="http://schemas.openxmlformats.org/officeDocument/2006/relationships" xmlns:mc="http://schemas.openxmlformats.org/markup-compatibility/2006" xmlns:mv="urn:schemas-microsoft-com:mac:vml" xmlns:p="http://schemas.openxmlformats.org/presentationml/2006/main" xmlns:c="http://schemas.openxmlformats.org/drawingml/2006/chart" xmlns:dgm="http://schemas.openxmlformats.org/drawingml/2006/diagram" xmlns:o="urn:schemas-microsoft-com:office:office" xmlns:v="urn:schemas-microsoft-com:vml" xmlns:pvml="urn:schemas-microsoft-com:office:powerpoint" xmlns:com="http://schemas.openxmlformats.org/drawingml/2006/compatibility" xmlns:p14="http://schemas.microsoft.com/office/powerpoint/2010/main" showMasterPhAnim="0" showMasterSp="0">
+<p:notes xmlns:a="http://schemas.openxmlformats.org/drawingml/2006/main" xmlns:r="http://schemas.openxmlformats.org/officeDocument/2006/relationships" xmlns:p="http://schemas.openxmlformats.org/presentationml/2006/main" showMasterSp="0" showMasterPhAnim="0">
   <p:cSld>
     <p:spTree>
       <p:nvGrpSpPr>
-        <p:cNvPr id="67" name="Shape 67"/>
+        <p:cNvPr id="1" name="Shape 67"/>
         <p:cNvGrpSpPr/>
         <p:nvPr/>
       </p:nvGrpSpPr>
@@ -795,19 +924,26 @@
       <p:sp>
         <p:nvSpPr>
           <p:cNvPr id="68" name="Shape 68"/>
-          <p:cNvSpPr/>
+          <p:cNvSpPr>
+            <a:spLocks noGrp="1" noRot="1" noChangeAspect="1"/>
+          </p:cNvSpPr>
           <p:nvPr>
-            <p:ph idx="2" type="sldImg"/>
+            <p:ph type="sldImg" idx="2"/>
           </p:nvPr>
         </p:nvSpPr>
         <p:spPr>
           <a:xfrm>
-            <a:off x="381300" y="685800"/>
+            <a:off x="381000" y="685800"/>
             <a:ext cx="6096000" cy="3429000"/>
           </a:xfrm>
           <a:custGeom>
+            <a:avLst/>
+            <a:gdLst/>
+            <a:ahLst/>
+            <a:cxnLst/>
+            <a:rect l="0" t="0" r="0" b="0"/>
             <a:pathLst>
-              <a:path extrusionOk="0" h="120000" w="120000">
+              <a:path w="120000" h="120000" extrusionOk="0">
                 <a:moveTo>
                   <a:pt x="0" y="0"/>
                 </a:moveTo>
@@ -829,9 +965,11 @@
       <p:sp>
         <p:nvSpPr>
           <p:cNvPr id="69" name="Shape 69"/>
-          <p:cNvSpPr txBox="1"/>
+          <p:cNvSpPr txBox="1">
+            <a:spLocks noGrp="1"/>
+          </p:cNvSpPr>
           <p:nvPr>
-            <p:ph idx="1" type="body"/>
+            <p:ph type="body" idx="1"/>
           </p:nvPr>
         </p:nvSpPr>
         <p:spPr>
@@ -844,7 +982,7 @@
           </a:prstGeom>
         </p:spPr>
         <p:txBody>
-          <a:bodyPr anchorCtr="0" anchor="t" bIns="91425" lIns="91425" rIns="91425" tIns="91425">
+          <a:bodyPr lIns="91425" tIns="91425" rIns="91425" bIns="91425" anchor="t" anchorCtr="0">
             <a:noAutofit/>
           </a:bodyPr>
           <a:lstStyle/>
@@ -855,9 +993,6 @@
               </a:spcBef>
               <a:buNone/>
             </a:pPr>
-            <a:r>
-              <a:t/>
-            </a:r>
             <a:endParaRPr/>
           </a:p>
         </p:txBody>
@@ -871,11 +1006,11 @@
 </file>
 
 <file path=ppt/notesSlides/notesSlide4.xml><?xml version="1.0" encoding="utf-8"?>
-<p:notes xmlns:a="http://schemas.openxmlformats.org/drawingml/2006/main" xmlns:r="http://schemas.openxmlformats.org/officeDocument/2006/relationships" xmlns:mc="http://schemas.openxmlformats.org/markup-compatibility/2006" xmlns:mv="urn:schemas-microsoft-com:mac:vml" xmlns:p="http://schemas.openxmlformats.org/presentationml/2006/main" xmlns:c="http://schemas.openxmlformats.org/drawingml/2006/chart" xmlns:dgm="http://schemas.openxmlformats.org/drawingml/2006/diagram" xmlns:o="urn:schemas-microsoft-com:office:office" xmlns:v="urn:schemas-microsoft-com:vml" xmlns:pvml="urn:schemas-microsoft-com:office:powerpoint" xmlns:com="http://schemas.openxmlformats.org/drawingml/2006/compatibility" xmlns:p14="http://schemas.microsoft.com/office/powerpoint/2010/main" showMasterPhAnim="0" showMasterSp="0">
+<p:notes xmlns:a="http://schemas.openxmlformats.org/drawingml/2006/main" xmlns:r="http://schemas.openxmlformats.org/officeDocument/2006/relationships" xmlns:p="http://schemas.openxmlformats.org/presentationml/2006/main" showMasterSp="0" showMasterPhAnim="0">
   <p:cSld>
     <p:spTree>
       <p:nvGrpSpPr>
-        <p:cNvPr id="73" name="Shape 73"/>
+        <p:cNvPr id="1" name="Shape 73"/>
         <p:cNvGrpSpPr/>
         <p:nvPr/>
       </p:nvGrpSpPr>
@@ -890,19 +1025,26 @@
       <p:sp>
         <p:nvSpPr>
           <p:cNvPr id="74" name="Shape 74"/>
-          <p:cNvSpPr/>
+          <p:cNvSpPr>
+            <a:spLocks noGrp="1" noRot="1" noChangeAspect="1"/>
+          </p:cNvSpPr>
           <p:nvPr>
-            <p:ph idx="2" type="sldImg"/>
+            <p:ph type="sldImg" idx="2"/>
           </p:nvPr>
         </p:nvSpPr>
         <p:spPr>
           <a:xfrm>
-            <a:off x="381300" y="685800"/>
+            <a:off x="381000" y="685800"/>
             <a:ext cx="6096000" cy="3429000"/>
           </a:xfrm>
           <a:custGeom>
+            <a:avLst/>
+            <a:gdLst/>
+            <a:ahLst/>
+            <a:cxnLst/>
+            <a:rect l="0" t="0" r="0" b="0"/>
             <a:pathLst>
-              <a:path extrusionOk="0" h="120000" w="120000">
+              <a:path w="120000" h="120000" extrusionOk="0">
                 <a:moveTo>
                   <a:pt x="0" y="0"/>
                 </a:moveTo>
@@ -924,9 +1066,11 @@
       <p:sp>
         <p:nvSpPr>
           <p:cNvPr id="75" name="Shape 75"/>
-          <p:cNvSpPr txBox="1"/>
+          <p:cNvSpPr txBox="1">
+            <a:spLocks noGrp="1"/>
+          </p:cNvSpPr>
           <p:nvPr>
-            <p:ph idx="1" type="body"/>
+            <p:ph type="body" idx="1"/>
           </p:nvPr>
         </p:nvSpPr>
         <p:spPr>
@@ -939,7 +1083,7 @@
           </a:prstGeom>
         </p:spPr>
         <p:txBody>
-          <a:bodyPr anchorCtr="0" anchor="t" bIns="91425" lIns="91425" rIns="91425" tIns="91425">
+          <a:bodyPr lIns="91425" tIns="91425" rIns="91425" bIns="91425" anchor="t" anchorCtr="0">
             <a:noAutofit/>
           </a:bodyPr>
           <a:lstStyle/>
@@ -950,9 +1094,6 @@
               </a:spcBef>
               <a:buNone/>
             </a:pPr>
-            <a:r>
-              <a:t/>
-            </a:r>
             <a:endParaRPr/>
           </a:p>
         </p:txBody>
@@ -966,11 +1107,11 @@
 </file>
 
 <file path=ppt/notesSlides/notesSlide5.xml><?xml version="1.0" encoding="utf-8"?>
-<p:notes xmlns:a="http://schemas.openxmlformats.org/drawingml/2006/main" xmlns:r="http://schemas.openxmlformats.org/officeDocument/2006/relationships" xmlns:mc="http://schemas.openxmlformats.org/markup-compatibility/2006" xmlns:mv="urn:schemas-microsoft-com:mac:vml" xmlns:p="http://schemas.openxmlformats.org/presentationml/2006/main" xmlns:c="http://schemas.openxmlformats.org/drawingml/2006/chart" xmlns:dgm="http://schemas.openxmlformats.org/drawingml/2006/diagram" xmlns:o="urn:schemas-microsoft-com:office:office" xmlns:v="urn:schemas-microsoft-com:vml" xmlns:pvml="urn:schemas-microsoft-com:office:powerpoint" xmlns:com="http://schemas.openxmlformats.org/drawingml/2006/compatibility" xmlns:p14="http://schemas.microsoft.com/office/powerpoint/2010/main" showMasterPhAnim="0" showMasterSp="0">
+<p:notes xmlns:a="http://schemas.openxmlformats.org/drawingml/2006/main" xmlns:r="http://schemas.openxmlformats.org/officeDocument/2006/relationships" xmlns:p="http://schemas.openxmlformats.org/presentationml/2006/main" showMasterSp="0" showMasterPhAnim="0">
   <p:cSld>
     <p:spTree>
       <p:nvGrpSpPr>
-        <p:cNvPr id="79" name="Shape 79"/>
+        <p:cNvPr id="1" name="Shape 79"/>
         <p:cNvGrpSpPr/>
         <p:nvPr/>
       </p:nvGrpSpPr>
@@ -985,19 +1126,26 @@
       <p:sp>
         <p:nvSpPr>
           <p:cNvPr id="80" name="Shape 80"/>
-          <p:cNvSpPr/>
+          <p:cNvSpPr>
+            <a:spLocks noGrp="1" noRot="1" noChangeAspect="1"/>
+          </p:cNvSpPr>
           <p:nvPr>
-            <p:ph idx="2" type="sldImg"/>
+            <p:ph type="sldImg" idx="2"/>
           </p:nvPr>
         </p:nvSpPr>
         <p:spPr>
           <a:xfrm>
-            <a:off x="381300" y="685800"/>
+            <a:off x="381000" y="685800"/>
             <a:ext cx="6096000" cy="3429000"/>
           </a:xfrm>
           <a:custGeom>
+            <a:avLst/>
+            <a:gdLst/>
+            <a:ahLst/>
+            <a:cxnLst/>
+            <a:rect l="0" t="0" r="0" b="0"/>
             <a:pathLst>
-              <a:path extrusionOk="0" h="120000" w="120000">
+              <a:path w="120000" h="120000" extrusionOk="0">
                 <a:moveTo>
                   <a:pt x="0" y="0"/>
                 </a:moveTo>
@@ -1019,9 +1167,11 @@
       <p:sp>
         <p:nvSpPr>
           <p:cNvPr id="81" name="Shape 81"/>
-          <p:cNvSpPr txBox="1"/>
+          <p:cNvSpPr txBox="1">
+            <a:spLocks noGrp="1"/>
+          </p:cNvSpPr>
           <p:nvPr>
-            <p:ph idx="1" type="body"/>
+            <p:ph type="body" idx="1"/>
           </p:nvPr>
         </p:nvSpPr>
         <p:spPr>
@@ -1034,7 +1184,7 @@
           </a:prstGeom>
         </p:spPr>
         <p:txBody>
-          <a:bodyPr anchorCtr="0" anchor="t" bIns="91425" lIns="91425" rIns="91425" tIns="91425">
+          <a:bodyPr lIns="91425" tIns="91425" rIns="91425" bIns="91425" anchor="t" anchorCtr="0">
             <a:noAutofit/>
           </a:bodyPr>
           <a:lstStyle/>
@@ -1045,9 +1195,6 @@
               </a:spcBef>
               <a:buNone/>
             </a:pPr>
-            <a:r>
-              <a:t/>
-            </a:r>
             <a:endParaRPr/>
           </a:p>
         </p:txBody>
@@ -1061,11 +1208,11 @@
 </file>
 
 <file path=ppt/notesSlides/notesSlide6.xml><?xml version="1.0" encoding="utf-8"?>
-<p:notes xmlns:a="http://schemas.openxmlformats.org/drawingml/2006/main" xmlns:r="http://schemas.openxmlformats.org/officeDocument/2006/relationships" xmlns:mc="http://schemas.openxmlformats.org/markup-compatibility/2006" xmlns:mv="urn:schemas-microsoft-com:mac:vml" xmlns:p="http://schemas.openxmlformats.org/presentationml/2006/main" xmlns:c="http://schemas.openxmlformats.org/drawingml/2006/chart" xmlns:dgm="http://schemas.openxmlformats.org/drawingml/2006/diagram" xmlns:o="urn:schemas-microsoft-com:office:office" xmlns:v="urn:schemas-microsoft-com:vml" xmlns:pvml="urn:schemas-microsoft-com:office:powerpoint" xmlns:com="http://schemas.openxmlformats.org/drawingml/2006/compatibility" xmlns:p14="http://schemas.microsoft.com/office/powerpoint/2010/main" showMasterPhAnim="0" showMasterSp="0">
+<p:notes xmlns:a="http://schemas.openxmlformats.org/drawingml/2006/main" xmlns:r="http://schemas.openxmlformats.org/officeDocument/2006/relationships" xmlns:p="http://schemas.openxmlformats.org/presentationml/2006/main" showMasterSp="0" showMasterPhAnim="0">
   <p:cSld>
     <p:spTree>
       <p:nvGrpSpPr>
-        <p:cNvPr id="85" name="Shape 85"/>
+        <p:cNvPr id="1" name="Shape 85"/>
         <p:cNvGrpSpPr/>
         <p:nvPr/>
       </p:nvGrpSpPr>
@@ -1080,19 +1227,26 @@
       <p:sp>
         <p:nvSpPr>
           <p:cNvPr id="86" name="Shape 86"/>
-          <p:cNvSpPr/>
+          <p:cNvSpPr>
+            <a:spLocks noGrp="1" noRot="1" noChangeAspect="1"/>
+          </p:cNvSpPr>
           <p:nvPr>
-            <p:ph idx="2" type="sldImg"/>
+            <p:ph type="sldImg" idx="2"/>
           </p:nvPr>
         </p:nvSpPr>
         <p:spPr>
           <a:xfrm>
-            <a:off x="381300" y="685800"/>
+            <a:off x="381000" y="685800"/>
             <a:ext cx="6096000" cy="3429000"/>
           </a:xfrm>
           <a:custGeom>
+            <a:avLst/>
+            <a:gdLst/>
+            <a:ahLst/>
+            <a:cxnLst/>
+            <a:rect l="0" t="0" r="0" b="0"/>
             <a:pathLst>
-              <a:path extrusionOk="0" h="120000" w="120000">
+              <a:path w="120000" h="120000" extrusionOk="0">
                 <a:moveTo>
                   <a:pt x="0" y="0"/>
                 </a:moveTo>
@@ -1114,9 +1268,11 @@
       <p:sp>
         <p:nvSpPr>
           <p:cNvPr id="87" name="Shape 87"/>
-          <p:cNvSpPr txBox="1"/>
+          <p:cNvSpPr txBox="1">
+            <a:spLocks noGrp="1"/>
+          </p:cNvSpPr>
           <p:nvPr>
-            <p:ph idx="1" type="body"/>
+            <p:ph type="body" idx="1"/>
           </p:nvPr>
         </p:nvSpPr>
         <p:spPr>
@@ -1129,7 +1285,7 @@
           </a:prstGeom>
         </p:spPr>
         <p:txBody>
-          <a:bodyPr anchorCtr="0" anchor="t" bIns="91425" lIns="91425" rIns="91425" tIns="91425">
+          <a:bodyPr lIns="91425" tIns="91425" rIns="91425" bIns="91425" anchor="t" anchorCtr="0">
             <a:noAutofit/>
           </a:bodyPr>
           <a:lstStyle/>
@@ -1140,9 +1296,6 @@
               </a:spcBef>
               <a:buNone/>
             </a:pPr>
-            <a:r>
-              <a:t/>
-            </a:r>
             <a:endParaRPr/>
           </a:p>
         </p:txBody>
@@ -1156,11 +1309,11 @@
 </file>
 
 <file path=ppt/notesSlides/notesSlide7.xml><?xml version="1.0" encoding="utf-8"?>
-<p:notes xmlns:a="http://schemas.openxmlformats.org/drawingml/2006/main" xmlns:r="http://schemas.openxmlformats.org/officeDocument/2006/relationships" xmlns:mc="http://schemas.openxmlformats.org/markup-compatibility/2006" xmlns:mv="urn:schemas-microsoft-com:mac:vml" xmlns:p="http://schemas.openxmlformats.org/presentationml/2006/main" xmlns:c="http://schemas.openxmlformats.org/drawingml/2006/chart" xmlns:dgm="http://schemas.openxmlformats.org/drawingml/2006/diagram" xmlns:o="urn:schemas-microsoft-com:office:office" xmlns:v="urn:schemas-microsoft-com:vml" xmlns:pvml="urn:schemas-microsoft-com:office:powerpoint" xmlns:com="http://schemas.openxmlformats.org/drawingml/2006/compatibility" xmlns:p14="http://schemas.microsoft.com/office/powerpoint/2010/main" showMasterPhAnim="0" showMasterSp="0">
+<p:notes xmlns:a="http://schemas.openxmlformats.org/drawingml/2006/main" xmlns:r="http://schemas.openxmlformats.org/officeDocument/2006/relationships" xmlns:p="http://schemas.openxmlformats.org/presentationml/2006/main" showMasterSp="0" showMasterPhAnim="0">
   <p:cSld>
     <p:spTree>
       <p:nvGrpSpPr>
-        <p:cNvPr id="91" name="Shape 91"/>
+        <p:cNvPr id="1" name="Shape 91"/>
         <p:cNvGrpSpPr/>
         <p:nvPr/>
       </p:nvGrpSpPr>
@@ -1175,19 +1328,26 @@
       <p:sp>
         <p:nvSpPr>
           <p:cNvPr id="92" name="Shape 92"/>
-          <p:cNvSpPr/>
+          <p:cNvSpPr>
+            <a:spLocks noGrp="1" noRot="1" noChangeAspect="1"/>
+          </p:cNvSpPr>
           <p:nvPr>
-            <p:ph idx="2" type="sldImg"/>
+            <p:ph type="sldImg" idx="2"/>
           </p:nvPr>
         </p:nvSpPr>
         <p:spPr>
           <a:xfrm>
-            <a:off x="381300" y="685800"/>
+            <a:off x="381000" y="685800"/>
             <a:ext cx="6096000" cy="3429000"/>
           </a:xfrm>
           <a:custGeom>
+            <a:avLst/>
+            <a:gdLst/>
+            <a:ahLst/>
+            <a:cxnLst/>
+            <a:rect l="0" t="0" r="0" b="0"/>
             <a:pathLst>
-              <a:path extrusionOk="0" h="120000" w="120000">
+              <a:path w="120000" h="120000" extrusionOk="0">
                 <a:moveTo>
                   <a:pt x="0" y="0"/>
                 </a:moveTo>
@@ -1209,9 +1369,11 @@
       <p:sp>
         <p:nvSpPr>
           <p:cNvPr id="93" name="Shape 93"/>
-          <p:cNvSpPr txBox="1"/>
+          <p:cNvSpPr txBox="1">
+            <a:spLocks noGrp="1"/>
+          </p:cNvSpPr>
           <p:nvPr>
-            <p:ph idx="1" type="body"/>
+            <p:ph type="body" idx="1"/>
           </p:nvPr>
         </p:nvSpPr>
         <p:spPr>
@@ -1224,7 +1386,7 @@
           </a:prstGeom>
         </p:spPr>
         <p:txBody>
-          <a:bodyPr anchorCtr="0" anchor="t" bIns="91425" lIns="91425" rIns="91425" tIns="91425">
+          <a:bodyPr lIns="91425" tIns="91425" rIns="91425" bIns="91425" anchor="t" anchorCtr="0">
             <a:noAutofit/>
           </a:bodyPr>
           <a:lstStyle/>
@@ -1235,9 +1397,6 @@
               </a:spcBef>
               <a:buNone/>
             </a:pPr>
-            <a:r>
-              <a:t/>
-            </a:r>
             <a:endParaRPr/>
           </a:p>
         </p:txBody>
@@ -1251,11 +1410,11 @@
 </file>
 
 <file path=ppt/notesSlides/notesSlide8.xml><?xml version="1.0" encoding="utf-8"?>
-<p:notes xmlns:a="http://schemas.openxmlformats.org/drawingml/2006/main" xmlns:r="http://schemas.openxmlformats.org/officeDocument/2006/relationships" xmlns:mc="http://schemas.openxmlformats.org/markup-compatibility/2006" xmlns:mv="urn:schemas-microsoft-com:mac:vml" xmlns:p="http://schemas.openxmlformats.org/presentationml/2006/main" xmlns:c="http://schemas.openxmlformats.org/drawingml/2006/chart" xmlns:dgm="http://schemas.openxmlformats.org/drawingml/2006/diagram" xmlns:o="urn:schemas-microsoft-com:office:office" xmlns:v="urn:schemas-microsoft-com:vml" xmlns:pvml="urn:schemas-microsoft-com:office:powerpoint" xmlns:com="http://schemas.openxmlformats.org/drawingml/2006/compatibility" xmlns:p14="http://schemas.microsoft.com/office/powerpoint/2010/main" showMasterPhAnim="0" showMasterSp="0">
+<p:notes xmlns:a="http://schemas.openxmlformats.org/drawingml/2006/main" xmlns:r="http://schemas.openxmlformats.org/officeDocument/2006/relationships" xmlns:p="http://schemas.openxmlformats.org/presentationml/2006/main" showMasterSp="0" showMasterPhAnim="0">
   <p:cSld>
     <p:spTree>
       <p:nvGrpSpPr>
-        <p:cNvPr id="96" name="Shape 96"/>
+        <p:cNvPr id="1" name="Shape 96"/>
         <p:cNvGrpSpPr/>
         <p:nvPr/>
       </p:nvGrpSpPr>
@@ -1270,19 +1429,26 @@
       <p:sp>
         <p:nvSpPr>
           <p:cNvPr id="97" name="Shape 97"/>
-          <p:cNvSpPr/>
+          <p:cNvSpPr>
+            <a:spLocks noGrp="1" noRot="1" noChangeAspect="1"/>
+          </p:cNvSpPr>
           <p:nvPr>
-            <p:ph idx="2" type="sldImg"/>
+            <p:ph type="sldImg" idx="2"/>
           </p:nvPr>
         </p:nvSpPr>
         <p:spPr>
           <a:xfrm>
-            <a:off x="381300" y="685800"/>
+            <a:off x="381000" y="685800"/>
             <a:ext cx="6096000" cy="3429000"/>
           </a:xfrm>
           <a:custGeom>
+            <a:avLst/>
+            <a:gdLst/>
+            <a:ahLst/>
+            <a:cxnLst/>
+            <a:rect l="0" t="0" r="0" b="0"/>
             <a:pathLst>
-              <a:path extrusionOk="0" h="120000" w="120000">
+              <a:path w="120000" h="120000" extrusionOk="0">
                 <a:moveTo>
                   <a:pt x="0" y="0"/>
                 </a:moveTo>
@@ -1304,9 +1470,11 @@
       <p:sp>
         <p:nvSpPr>
           <p:cNvPr id="98" name="Shape 98"/>
-          <p:cNvSpPr txBox="1"/>
+          <p:cNvSpPr txBox="1">
+            <a:spLocks noGrp="1"/>
+          </p:cNvSpPr>
           <p:nvPr>
-            <p:ph idx="1" type="body"/>
+            <p:ph type="body" idx="1"/>
           </p:nvPr>
         </p:nvSpPr>
         <p:spPr>
@@ -1319,7 +1487,7 @@
           </a:prstGeom>
         </p:spPr>
         <p:txBody>
-          <a:bodyPr anchorCtr="0" anchor="t" bIns="91425" lIns="91425" rIns="91425" tIns="91425">
+          <a:bodyPr lIns="91425" tIns="91425" rIns="91425" bIns="91425" anchor="t" anchorCtr="0">
             <a:noAutofit/>
           </a:bodyPr>
           <a:lstStyle/>
@@ -1330,9 +1498,6 @@
               </a:spcBef>
               <a:buNone/>
             </a:pPr>
-            <a:r>
-              <a:t/>
-            </a:r>
             <a:endParaRPr/>
           </a:p>
         </p:txBody>
@@ -1346,11 +1511,11 @@
 </file>
 
 <file path=ppt/notesSlides/notesSlide9.xml><?xml version="1.0" encoding="utf-8"?>
-<p:notes xmlns:a="http://schemas.openxmlformats.org/drawingml/2006/main" xmlns:r="http://schemas.openxmlformats.org/officeDocument/2006/relationships" xmlns:mc="http://schemas.openxmlformats.org/markup-compatibility/2006" xmlns:mv="urn:schemas-microsoft-com:mac:vml" xmlns:p="http://schemas.openxmlformats.org/presentationml/2006/main" xmlns:c="http://schemas.openxmlformats.org/drawingml/2006/chart" xmlns:dgm="http://schemas.openxmlformats.org/drawingml/2006/diagram" xmlns:o="urn:schemas-microsoft-com:office:office" xmlns:v="urn:schemas-microsoft-com:vml" xmlns:pvml="urn:schemas-microsoft-com:office:powerpoint" xmlns:com="http://schemas.openxmlformats.org/drawingml/2006/compatibility" xmlns:p14="http://schemas.microsoft.com/office/powerpoint/2010/main" showMasterPhAnim="0" showMasterSp="0">
+<p:notes xmlns:a="http://schemas.openxmlformats.org/drawingml/2006/main" xmlns:r="http://schemas.openxmlformats.org/officeDocument/2006/relationships" xmlns:p="http://schemas.openxmlformats.org/presentationml/2006/main" showMasterSp="0" showMasterPhAnim="0">
   <p:cSld>
     <p:spTree>
       <p:nvGrpSpPr>
-        <p:cNvPr id="102" name="Shape 102"/>
+        <p:cNvPr id="1" name="Shape 102"/>
         <p:cNvGrpSpPr/>
         <p:nvPr/>
       </p:nvGrpSpPr>
@@ -1365,19 +1530,26 @@
       <p:sp>
         <p:nvSpPr>
           <p:cNvPr id="103" name="Shape 103"/>
-          <p:cNvSpPr/>
+          <p:cNvSpPr>
+            <a:spLocks noGrp="1" noRot="1" noChangeAspect="1"/>
+          </p:cNvSpPr>
           <p:nvPr>
-            <p:ph idx="2" type="sldImg"/>
+            <p:ph type="sldImg" idx="2"/>
           </p:nvPr>
         </p:nvSpPr>
         <p:spPr>
           <a:xfrm>
-            <a:off x="381300" y="685800"/>
+            <a:off x="381000" y="685800"/>
             <a:ext cx="6096000" cy="3429000"/>
           </a:xfrm>
           <a:custGeom>
+            <a:avLst/>
+            <a:gdLst/>
+            <a:ahLst/>
+            <a:cxnLst/>
+            <a:rect l="0" t="0" r="0" b="0"/>
             <a:pathLst>
-              <a:path extrusionOk="0" h="120000" w="120000">
+              <a:path w="120000" h="120000" extrusionOk="0">
                 <a:moveTo>
                   <a:pt x="0" y="0"/>
                 </a:moveTo>
@@ -1399,9 +1571,11 @@
       <p:sp>
         <p:nvSpPr>
           <p:cNvPr id="104" name="Shape 104"/>
-          <p:cNvSpPr txBox="1"/>
+          <p:cNvSpPr txBox="1">
+            <a:spLocks noGrp="1"/>
+          </p:cNvSpPr>
           <p:nvPr>
-            <p:ph idx="1" type="body"/>
+            <p:ph type="body" idx="1"/>
           </p:nvPr>
         </p:nvSpPr>
         <p:spPr>
@@ -1414,7 +1588,7 @@
           </a:prstGeom>
         </p:spPr>
         <p:txBody>
-          <a:bodyPr anchorCtr="0" anchor="t" bIns="91425" lIns="91425" rIns="91425" tIns="91425">
+          <a:bodyPr lIns="91425" tIns="91425" rIns="91425" bIns="91425" anchor="t" anchorCtr="0">
             <a:noAutofit/>
           </a:bodyPr>
           <a:lstStyle/>
@@ -1425,9 +1599,6 @@
               </a:spcBef>
               <a:buNone/>
             </a:pPr>
-            <a:r>
-              <a:t/>
-            </a:r>
             <a:endParaRPr/>
           </a:p>
         </p:txBody>
@@ -1441,18 +1612,19 @@
 </file>
 
 <file path=ppt/slideLayouts/slideLayout1.xml><?xml version="1.0" encoding="utf-8"?>
-<p:sldLayout xmlns:a="http://schemas.openxmlformats.org/drawingml/2006/main" xmlns:r="http://schemas.openxmlformats.org/officeDocument/2006/relationships" xmlns:mc="http://schemas.openxmlformats.org/markup-compatibility/2006" xmlns:mv="urn:schemas-microsoft-com:mac:vml" xmlns:p="http://schemas.openxmlformats.org/presentationml/2006/main" xmlns:c="http://schemas.openxmlformats.org/drawingml/2006/chart" xmlns:dgm="http://schemas.openxmlformats.org/drawingml/2006/diagram" xmlns:o="urn:schemas-microsoft-com:office:office" xmlns:v="urn:schemas-microsoft-com:vml" xmlns:pvml="urn:schemas-microsoft-com:office:powerpoint" xmlns:com="http://schemas.openxmlformats.org/drawingml/2006/compatibility" xmlns:p14="http://schemas.microsoft.com/office/powerpoint/2010/main" type="title">
+<p:sldLayout xmlns:a="http://schemas.openxmlformats.org/drawingml/2006/main" xmlns:r="http://schemas.openxmlformats.org/officeDocument/2006/relationships" xmlns:p="http://schemas.openxmlformats.org/presentationml/2006/main" type="title">
   <p:cSld name="Title slide">
     <p:bg>
       <p:bgPr>
         <a:solidFill>
           <a:schemeClr val="dk1"/>
         </a:solidFill>
+        <a:effectLst/>
       </p:bgPr>
     </p:bg>
     <p:spTree>
       <p:nvGrpSpPr>
-        <p:cNvPr id="9" name="Shape 9"/>
+        <p:cNvPr id="1" name="Shape 9"/>
         <p:cNvGrpSpPr/>
         <p:nvPr/>
       </p:nvGrpSpPr>
@@ -1486,7 +1658,7 @@
           </a:ln>
         </p:spPr>
         <p:txBody>
-          <a:bodyPr anchorCtr="0" anchor="ctr" bIns="91425" lIns="91425" rIns="91425" tIns="91425">
+          <a:bodyPr lIns="91425" tIns="91425" rIns="91425" bIns="91425" anchor="ctr" anchorCtr="0">
             <a:noAutofit/>
           </a:bodyPr>
           <a:lstStyle/>
@@ -1497,9 +1669,6 @@
               </a:spcBef>
               <a:buNone/>
             </a:pPr>
-            <a:r>
-              <a:t/>
-            </a:r>
             <a:endParaRPr/>
           </a:p>
         </p:txBody>
@@ -1526,7 +1695,7 @@
           </a:ln>
         </p:spPr>
         <p:txBody>
-          <a:bodyPr anchorCtr="0" anchor="ctr" bIns="91425" lIns="91425" rIns="91425" tIns="91425">
+          <a:bodyPr lIns="91425" tIns="91425" rIns="91425" bIns="91425" anchor="ctr" anchorCtr="0">
             <a:noAutofit/>
           </a:bodyPr>
           <a:lstStyle/>
@@ -1537,9 +1706,6 @@
               </a:spcBef>
               <a:buNone/>
             </a:pPr>
-            <a:r>
-              <a:t/>
-            </a:r>
             <a:endParaRPr/>
           </a:p>
         </p:txBody>
@@ -1547,7 +1713,9 @@
       <p:sp>
         <p:nvSpPr>
           <p:cNvPr id="12" name="Shape 12"/>
-          <p:cNvSpPr txBox="1"/>
+          <p:cNvSpPr txBox="1">
+            <a:spLocks noGrp="1"/>
+          </p:cNvSpPr>
           <p:nvPr>
             <p:ph type="ctrTitle"/>
           </p:nvPr>
@@ -1565,7 +1733,7 @@
           </a:solidFill>
         </p:spPr>
         <p:txBody>
-          <a:bodyPr anchorCtr="0" anchor="ctr" bIns="91425" lIns="91425" rIns="91425" tIns="91425"/>
+          <a:bodyPr lIns="91425" tIns="91425" rIns="91425" bIns="91425" anchor="ctr" anchorCtr="0"/>
           <a:lstStyle>
             <a:lvl1pPr lvl="0" algn="ctr">
               <a:spcBef>
@@ -1573,7 +1741,7 @@
               </a:spcBef>
               <a:buSzPct val="100000"/>
               <a:buFont typeface="Playfair Display"/>
-              <a:defRPr b="1" sz="6800">
+              <a:defRPr sz="6800" b="1">
                 <a:latin typeface="Playfair Display"/>
                 <a:ea typeface="Playfair Display"/>
                 <a:cs typeface="Playfair Display"/>
@@ -1586,7 +1754,7 @@
               </a:spcBef>
               <a:buSzPct val="100000"/>
               <a:buFont typeface="Playfair Display"/>
-              <a:defRPr b="1" sz="6800">
+              <a:defRPr sz="6800" b="1">
                 <a:latin typeface="Playfair Display"/>
                 <a:ea typeface="Playfair Display"/>
                 <a:cs typeface="Playfair Display"/>
@@ -1599,7 +1767,7 @@
               </a:spcBef>
               <a:buSzPct val="100000"/>
               <a:buFont typeface="Playfair Display"/>
-              <a:defRPr b="1" sz="6800">
+              <a:defRPr sz="6800" b="1">
                 <a:latin typeface="Playfair Display"/>
                 <a:ea typeface="Playfair Display"/>
                 <a:cs typeface="Playfair Display"/>
@@ -1612,7 +1780,7 @@
               </a:spcBef>
               <a:buSzPct val="100000"/>
               <a:buFont typeface="Playfair Display"/>
-              <a:defRPr b="1" sz="6800">
+              <a:defRPr sz="6800" b="1">
                 <a:latin typeface="Playfair Display"/>
                 <a:ea typeface="Playfair Display"/>
                 <a:cs typeface="Playfair Display"/>
@@ -1625,7 +1793,7 @@
               </a:spcBef>
               <a:buSzPct val="100000"/>
               <a:buFont typeface="Playfair Display"/>
-              <a:defRPr b="1" sz="6800">
+              <a:defRPr sz="6800" b="1">
                 <a:latin typeface="Playfair Display"/>
                 <a:ea typeface="Playfair Display"/>
                 <a:cs typeface="Playfair Display"/>
@@ -1638,7 +1806,7 @@
               </a:spcBef>
               <a:buSzPct val="100000"/>
               <a:buFont typeface="Playfair Display"/>
-              <a:defRPr b="1" sz="6800">
+              <a:defRPr sz="6800" b="1">
                 <a:latin typeface="Playfair Display"/>
                 <a:ea typeface="Playfair Display"/>
                 <a:cs typeface="Playfair Display"/>
@@ -1651,7 +1819,7 @@
               </a:spcBef>
               <a:buSzPct val="100000"/>
               <a:buFont typeface="Playfair Display"/>
-              <a:defRPr b="1" sz="6800">
+              <a:defRPr sz="6800" b="1">
                 <a:latin typeface="Playfair Display"/>
                 <a:ea typeface="Playfair Display"/>
                 <a:cs typeface="Playfair Display"/>
@@ -1664,7 +1832,7 @@
               </a:spcBef>
               <a:buSzPct val="100000"/>
               <a:buFont typeface="Playfair Display"/>
-              <a:defRPr b="1" sz="6800">
+              <a:defRPr sz="6800" b="1">
                 <a:latin typeface="Playfair Display"/>
                 <a:ea typeface="Playfair Display"/>
                 <a:cs typeface="Playfair Display"/>
@@ -1677,7 +1845,7 @@
               </a:spcBef>
               <a:buSzPct val="100000"/>
               <a:buFont typeface="Playfair Display"/>
-              <a:defRPr b="1" sz="6800">
+              <a:defRPr sz="6800" b="1">
                 <a:latin typeface="Playfair Display"/>
                 <a:ea typeface="Playfair Display"/>
                 <a:cs typeface="Playfair Display"/>
@@ -1685,15 +1853,19 @@
               </a:defRPr>
             </a:lvl9pPr>
           </a:lstStyle>
-          <a:p/>
+          <a:p>
+            <a:endParaRPr/>
+          </a:p>
         </p:txBody>
       </p:sp>
       <p:sp>
         <p:nvSpPr>
           <p:cNvPr id="13" name="Shape 13"/>
-          <p:cNvSpPr txBox="1"/>
+          <p:cNvSpPr txBox="1">
+            <a:spLocks noGrp="1"/>
+          </p:cNvSpPr>
           <p:nvPr>
-            <p:ph idx="1" type="subTitle"/>
+            <p:ph type="subTitle" idx="1"/>
           </p:nvPr>
         </p:nvSpPr>
         <p:spPr>
@@ -1709,7 +1881,7 @@
           </a:solidFill>
         </p:spPr>
         <p:txBody>
-          <a:bodyPr anchorCtr="0" anchor="ctr" bIns="91425" lIns="91425" rIns="91425" tIns="91425"/>
+          <a:bodyPr lIns="91425" tIns="91425" rIns="91425" bIns="91425" anchor="ctr" anchorCtr="0"/>
           <a:lstStyle>
             <a:lvl1pPr lvl="0">
               <a:lnSpc>
@@ -1727,7 +1899,7 @@
               <a:buSzPct val="100000"/>
               <a:buFont typeface="Montserrat"/>
               <a:buNone/>
-              <a:defRPr b="1" sz="2400">
+              <a:defRPr sz="2400" b="1">
                 <a:solidFill>
                   <a:schemeClr val="lt1"/>
                 </a:solidFill>
@@ -1753,7 +1925,7 @@
               <a:buSzPct val="100000"/>
               <a:buFont typeface="Montserrat"/>
               <a:buNone/>
-              <a:defRPr b="1" sz="2400">
+              <a:defRPr sz="2400" b="1">
                 <a:solidFill>
                   <a:schemeClr val="lt1"/>
                 </a:solidFill>
@@ -1779,7 +1951,7 @@
               <a:buSzPct val="100000"/>
               <a:buFont typeface="Montserrat"/>
               <a:buNone/>
-              <a:defRPr b="1" sz="2400">
+              <a:defRPr sz="2400" b="1">
                 <a:solidFill>
                   <a:schemeClr val="lt1"/>
                 </a:solidFill>
@@ -1805,7 +1977,7 @@
               <a:buSzPct val="100000"/>
               <a:buFont typeface="Montserrat"/>
               <a:buNone/>
-              <a:defRPr b="1" sz="2400">
+              <a:defRPr sz="2400" b="1">
                 <a:solidFill>
                   <a:schemeClr val="lt1"/>
                 </a:solidFill>
@@ -1831,7 +2003,7 @@
               <a:buSzPct val="100000"/>
               <a:buFont typeface="Montserrat"/>
               <a:buNone/>
-              <a:defRPr b="1" sz="2400">
+              <a:defRPr sz="2400" b="1">
                 <a:solidFill>
                   <a:schemeClr val="lt1"/>
                 </a:solidFill>
@@ -1857,7 +2029,7 @@
               <a:buSzPct val="100000"/>
               <a:buFont typeface="Montserrat"/>
               <a:buNone/>
-              <a:defRPr b="1" sz="2400">
+              <a:defRPr sz="2400" b="1">
                 <a:solidFill>
                   <a:schemeClr val="lt1"/>
                 </a:solidFill>
@@ -1883,7 +2055,7 @@
               <a:buSzPct val="100000"/>
               <a:buFont typeface="Montserrat"/>
               <a:buNone/>
-              <a:defRPr b="1" sz="2400">
+              <a:defRPr sz="2400" b="1">
                 <a:solidFill>
                   <a:schemeClr val="lt1"/>
                 </a:solidFill>
@@ -1909,7 +2081,7 @@
               <a:buSzPct val="100000"/>
               <a:buFont typeface="Montserrat"/>
               <a:buNone/>
-              <a:defRPr b="1" sz="2400">
+              <a:defRPr sz="2400" b="1">
                 <a:solidFill>
                   <a:schemeClr val="lt1"/>
                 </a:solidFill>
@@ -1935,7 +2107,7 @@
               <a:buSzPct val="100000"/>
               <a:buFont typeface="Montserrat"/>
               <a:buNone/>
-              <a:defRPr b="1" sz="2400">
+              <a:defRPr sz="2400" b="1">
                 <a:solidFill>
                   <a:schemeClr val="lt1"/>
                 </a:solidFill>
@@ -1946,15 +2118,19 @@
               </a:defRPr>
             </a:lvl9pPr>
           </a:lstStyle>
-          <a:p/>
+          <a:p>
+            <a:endParaRPr/>
+          </a:p>
         </p:txBody>
       </p:sp>
       <p:sp>
         <p:nvSpPr>
           <p:cNvPr id="14" name="Shape 14"/>
-          <p:cNvSpPr txBox="1"/>
+          <p:cNvSpPr txBox="1">
+            <a:spLocks noGrp="1"/>
+          </p:cNvSpPr>
           <p:nvPr>
-            <p:ph idx="12" type="sldNum"/>
+            <p:ph type="sldNum" idx="12"/>
           </p:nvPr>
         </p:nvSpPr>
         <p:spPr>
@@ -1967,7 +2143,7 @@
           </a:prstGeom>
         </p:spPr>
         <p:txBody>
-          <a:bodyPr anchorCtr="0" anchor="ctr" bIns="91425" lIns="91425" rIns="91425" tIns="91425">
+          <a:bodyPr lIns="91425" tIns="91425" rIns="91425" bIns="91425" anchor="ctr" anchorCtr="0">
             <a:noAutofit/>
           </a:bodyPr>
           <a:lstStyle/>
@@ -1982,6 +2158,7 @@
               <a:rPr lang="en"/>
               <a:t>‹#›</a:t>
             </a:fld>
+            <a:endParaRPr lang="en"/>
           </a:p>
         </p:txBody>
       </p:sp>
@@ -1994,11 +2171,11 @@
 </file>
 
 <file path=ppt/slideLayouts/slideLayout10.xml><?xml version="1.0" encoding="utf-8"?>
-<p:sldLayout xmlns:a="http://schemas.openxmlformats.org/drawingml/2006/main" xmlns:r="http://schemas.openxmlformats.org/officeDocument/2006/relationships" xmlns:mc="http://schemas.openxmlformats.org/markup-compatibility/2006" xmlns:mv="urn:schemas-microsoft-com:mac:vml" xmlns:p="http://schemas.openxmlformats.org/presentationml/2006/main" xmlns:c="http://schemas.openxmlformats.org/drawingml/2006/chart" xmlns:dgm="http://schemas.openxmlformats.org/drawingml/2006/diagram" xmlns:o="urn:schemas-microsoft-com:office:office" xmlns:v="urn:schemas-microsoft-com:vml" xmlns:pvml="urn:schemas-microsoft-com:office:powerpoint" xmlns:com="http://schemas.openxmlformats.org/drawingml/2006/compatibility" xmlns:p14="http://schemas.microsoft.com/office/powerpoint/2010/main">
+<p:sldLayout xmlns:a="http://schemas.openxmlformats.org/drawingml/2006/main" xmlns:r="http://schemas.openxmlformats.org/officeDocument/2006/relationships" xmlns:p="http://schemas.openxmlformats.org/presentationml/2006/main">
   <p:cSld name="Big number">
     <p:spTree>
       <p:nvGrpSpPr>
-        <p:cNvPr id="48" name="Shape 48"/>
+        <p:cNvPr id="1" name="Shape 48"/>
         <p:cNvGrpSpPr/>
         <p:nvPr/>
       </p:nvGrpSpPr>
@@ -2013,7 +2190,9 @@
       <p:sp>
         <p:nvSpPr>
           <p:cNvPr id="49" name="Shape 49"/>
-          <p:cNvSpPr txBox="1"/>
+          <p:cNvSpPr txBox="1">
+            <a:spLocks noGrp="1"/>
+          </p:cNvSpPr>
           <p:nvPr>
             <p:ph type="title"/>
           </p:nvPr>
@@ -2028,7 +2207,7 @@
           </a:prstGeom>
         </p:spPr>
         <p:txBody>
-          <a:bodyPr anchorCtr="0" anchor="b" bIns="91425" lIns="91425" rIns="91425" tIns="91425"/>
+          <a:bodyPr lIns="91425" tIns="91425" rIns="91425" bIns="91425" anchor="b" anchorCtr="0"/>
           <a:lstStyle>
             <a:lvl1pPr lvl="0" algn="ctr">
               <a:spcBef>
@@ -2148,15 +2327,19 @@
               </a:defRPr>
             </a:lvl9pPr>
           </a:lstStyle>
-          <a:p/>
+          <a:p>
+            <a:endParaRPr/>
+          </a:p>
         </p:txBody>
       </p:sp>
       <p:sp>
         <p:nvSpPr>
           <p:cNvPr id="50" name="Shape 50"/>
-          <p:cNvSpPr txBox="1"/>
+          <p:cNvSpPr txBox="1">
+            <a:spLocks noGrp="1"/>
+          </p:cNvSpPr>
           <p:nvPr>
-            <p:ph idx="1" type="body"/>
+            <p:ph type="body" idx="1"/>
           </p:nvPr>
         </p:nvSpPr>
         <p:spPr>
@@ -2169,7 +2352,7 @@
           </a:prstGeom>
         </p:spPr>
         <p:txBody>
-          <a:bodyPr anchorCtr="0" anchor="t" bIns="91425" lIns="91425" rIns="91425" tIns="91425"/>
+          <a:bodyPr lIns="91425" tIns="91425" rIns="91425" bIns="91425" anchor="t" anchorCtr="0"/>
           <a:lstStyle>
             <a:lvl1pPr lvl="0" algn="ctr">
               <a:spcBef>
@@ -2226,15 +2409,19 @@
               <a:defRPr/>
             </a:lvl9pPr>
           </a:lstStyle>
-          <a:p/>
+          <a:p>
+            <a:endParaRPr/>
+          </a:p>
         </p:txBody>
       </p:sp>
       <p:sp>
         <p:nvSpPr>
           <p:cNvPr id="51" name="Shape 51"/>
-          <p:cNvSpPr txBox="1"/>
+          <p:cNvSpPr txBox="1">
+            <a:spLocks noGrp="1"/>
+          </p:cNvSpPr>
           <p:nvPr>
-            <p:ph idx="12" type="sldNum"/>
+            <p:ph type="sldNum" idx="12"/>
           </p:nvPr>
         </p:nvSpPr>
         <p:spPr>
@@ -2247,7 +2434,7 @@
           </a:prstGeom>
         </p:spPr>
         <p:txBody>
-          <a:bodyPr anchorCtr="0" anchor="ctr" bIns="91425" lIns="91425" rIns="91425" tIns="91425">
+          <a:bodyPr lIns="91425" tIns="91425" rIns="91425" bIns="91425" anchor="ctr" anchorCtr="0">
             <a:noAutofit/>
           </a:bodyPr>
           <a:lstStyle/>
@@ -2262,6 +2449,7 @@
               <a:rPr lang="en"/>
               <a:t>‹#›</a:t>
             </a:fld>
+            <a:endParaRPr lang="en"/>
           </a:p>
         </p:txBody>
       </p:sp>
@@ -2274,11 +2462,11 @@
 </file>
 
 <file path=ppt/slideLayouts/slideLayout11.xml><?xml version="1.0" encoding="utf-8"?>
-<p:sldLayout xmlns:a="http://schemas.openxmlformats.org/drawingml/2006/main" xmlns:r="http://schemas.openxmlformats.org/officeDocument/2006/relationships" xmlns:mc="http://schemas.openxmlformats.org/markup-compatibility/2006" xmlns:mv="urn:schemas-microsoft-com:mac:vml" xmlns:p="http://schemas.openxmlformats.org/presentationml/2006/main" xmlns:c="http://schemas.openxmlformats.org/drawingml/2006/chart" xmlns:dgm="http://schemas.openxmlformats.org/drawingml/2006/diagram" xmlns:o="urn:schemas-microsoft-com:office:office" xmlns:v="urn:schemas-microsoft-com:vml" xmlns:pvml="urn:schemas-microsoft-com:office:powerpoint" xmlns:com="http://schemas.openxmlformats.org/drawingml/2006/compatibility" xmlns:p14="http://schemas.microsoft.com/office/powerpoint/2010/main" type="blank">
+<p:sldLayout xmlns:a="http://schemas.openxmlformats.org/drawingml/2006/main" xmlns:r="http://schemas.openxmlformats.org/officeDocument/2006/relationships" xmlns:p="http://schemas.openxmlformats.org/presentationml/2006/main" type="blank">
   <p:cSld name="Blank">
     <p:spTree>
       <p:nvGrpSpPr>
-        <p:cNvPr id="52" name="Shape 52"/>
+        <p:cNvPr id="1" name="Shape 52"/>
         <p:cNvGrpSpPr/>
         <p:nvPr/>
       </p:nvGrpSpPr>
@@ -2293,9 +2481,11 @@
       <p:sp>
         <p:nvSpPr>
           <p:cNvPr id="53" name="Shape 53"/>
-          <p:cNvSpPr txBox="1"/>
+          <p:cNvSpPr txBox="1">
+            <a:spLocks noGrp="1"/>
+          </p:cNvSpPr>
           <p:nvPr>
-            <p:ph idx="12" type="sldNum"/>
+            <p:ph type="sldNum" idx="12"/>
           </p:nvPr>
         </p:nvSpPr>
         <p:spPr>
@@ -2308,7 +2498,7 @@
           </a:prstGeom>
         </p:spPr>
         <p:txBody>
-          <a:bodyPr anchorCtr="0" anchor="ctr" bIns="91425" lIns="91425" rIns="91425" tIns="91425">
+          <a:bodyPr lIns="91425" tIns="91425" rIns="91425" bIns="91425" anchor="ctr" anchorCtr="0">
             <a:noAutofit/>
           </a:bodyPr>
           <a:lstStyle/>
@@ -2323,6 +2513,7 @@
               <a:rPr lang="en"/>
               <a:t>‹#›</a:t>
             </a:fld>
+            <a:endParaRPr lang="en"/>
           </a:p>
         </p:txBody>
       </p:sp>
@@ -2335,18 +2526,19 @@
 </file>
 
 <file path=ppt/slideLayouts/slideLayout2.xml><?xml version="1.0" encoding="utf-8"?>
-<p:sldLayout xmlns:a="http://schemas.openxmlformats.org/drawingml/2006/main" xmlns:r="http://schemas.openxmlformats.org/officeDocument/2006/relationships" xmlns:mc="http://schemas.openxmlformats.org/markup-compatibility/2006" xmlns:mv="urn:schemas-microsoft-com:mac:vml" xmlns:p="http://schemas.openxmlformats.org/presentationml/2006/main" xmlns:c="http://schemas.openxmlformats.org/drawingml/2006/chart" xmlns:dgm="http://schemas.openxmlformats.org/drawingml/2006/diagram" xmlns:o="urn:schemas-microsoft-com:office:office" xmlns:v="urn:schemas-microsoft-com:vml" xmlns:pvml="urn:schemas-microsoft-com:office:powerpoint" xmlns:com="http://schemas.openxmlformats.org/drawingml/2006/compatibility" xmlns:p14="http://schemas.microsoft.com/office/powerpoint/2010/main" type="secHead">
+<p:sldLayout xmlns:a="http://schemas.openxmlformats.org/drawingml/2006/main" xmlns:r="http://schemas.openxmlformats.org/officeDocument/2006/relationships" xmlns:p="http://schemas.openxmlformats.org/presentationml/2006/main" type="secHead">
   <p:cSld name="Section header">
     <p:bg>
       <p:bgPr>
         <a:solidFill>
           <a:schemeClr val="accent5"/>
         </a:solidFill>
+        <a:effectLst/>
       </p:bgPr>
     </p:bg>
     <p:spTree>
       <p:nvGrpSpPr>
-        <p:cNvPr id="15" name="Shape 15"/>
+        <p:cNvPr id="1" name="Shape 15"/>
         <p:cNvGrpSpPr/>
         <p:nvPr/>
       </p:nvGrpSpPr>
@@ -2380,7 +2572,7 @@
           </a:ln>
         </p:spPr>
         <p:txBody>
-          <a:bodyPr anchorCtr="0" anchor="ctr" bIns="91425" lIns="91425" rIns="91425" tIns="91425">
+          <a:bodyPr lIns="91425" tIns="91425" rIns="91425" bIns="91425" anchor="ctr" anchorCtr="0">
             <a:noAutofit/>
           </a:bodyPr>
           <a:lstStyle/>
@@ -2391,9 +2583,6 @@
               </a:spcBef>
               <a:buNone/>
             </a:pPr>
-            <a:r>
-              <a:t/>
-            </a:r>
             <a:endParaRPr/>
           </a:p>
         </p:txBody>
@@ -2401,7 +2590,9 @@
       <p:sp>
         <p:nvSpPr>
           <p:cNvPr id="17" name="Shape 17"/>
-          <p:cNvSpPr txBox="1"/>
+          <p:cNvSpPr txBox="1">
+            <a:spLocks noGrp="1"/>
+          </p:cNvSpPr>
           <p:nvPr>
             <p:ph type="title"/>
           </p:nvPr>
@@ -2419,7 +2610,7 @@
           </a:solidFill>
         </p:spPr>
         <p:txBody>
-          <a:bodyPr anchorCtr="0" anchor="ctr" bIns="91425" lIns="91425" rIns="91425" tIns="91425"/>
+          <a:bodyPr lIns="91425" tIns="91425" rIns="91425" bIns="91425" anchor="ctr" anchorCtr="0"/>
           <a:lstStyle>
             <a:lvl1pPr lvl="0" algn="ctr">
               <a:spcBef>
@@ -2427,7 +2618,7 @@
               </a:spcBef>
               <a:buSzPct val="100000"/>
               <a:buFont typeface="Playfair Display"/>
-              <a:defRPr b="1" sz="4800">
+              <a:defRPr sz="4800" b="1">
                 <a:latin typeface="Playfair Display"/>
                 <a:ea typeface="Playfair Display"/>
                 <a:cs typeface="Playfair Display"/>
@@ -2440,7 +2631,7 @@
               </a:spcBef>
               <a:buSzPct val="100000"/>
               <a:buFont typeface="Playfair Display"/>
-              <a:defRPr b="1" sz="4800">
+              <a:defRPr sz="4800" b="1">
                 <a:latin typeface="Playfair Display"/>
                 <a:ea typeface="Playfair Display"/>
                 <a:cs typeface="Playfair Display"/>
@@ -2453,7 +2644,7 @@
               </a:spcBef>
               <a:buSzPct val="100000"/>
               <a:buFont typeface="Playfair Display"/>
-              <a:defRPr b="1" sz="4800">
+              <a:defRPr sz="4800" b="1">
                 <a:latin typeface="Playfair Display"/>
                 <a:ea typeface="Playfair Display"/>
                 <a:cs typeface="Playfair Display"/>
@@ -2466,7 +2657,7 @@
               </a:spcBef>
               <a:buSzPct val="100000"/>
               <a:buFont typeface="Playfair Display"/>
-              <a:defRPr b="1" sz="4800">
+              <a:defRPr sz="4800" b="1">
                 <a:latin typeface="Playfair Display"/>
                 <a:ea typeface="Playfair Display"/>
                 <a:cs typeface="Playfair Display"/>
@@ -2479,7 +2670,7 @@
               </a:spcBef>
               <a:buSzPct val="100000"/>
               <a:buFont typeface="Playfair Display"/>
-              <a:defRPr b="1" sz="4800">
+              <a:defRPr sz="4800" b="1">
                 <a:latin typeface="Playfair Display"/>
                 <a:ea typeface="Playfair Display"/>
                 <a:cs typeface="Playfair Display"/>
@@ -2492,7 +2683,7 @@
               </a:spcBef>
               <a:buSzPct val="100000"/>
               <a:buFont typeface="Playfair Display"/>
-              <a:defRPr b="1" sz="4800">
+              <a:defRPr sz="4800" b="1">
                 <a:latin typeface="Playfair Display"/>
                 <a:ea typeface="Playfair Display"/>
                 <a:cs typeface="Playfair Display"/>
@@ -2505,7 +2696,7 @@
               </a:spcBef>
               <a:buSzPct val="100000"/>
               <a:buFont typeface="Playfair Display"/>
-              <a:defRPr b="1" sz="4800">
+              <a:defRPr sz="4800" b="1">
                 <a:latin typeface="Playfair Display"/>
                 <a:ea typeface="Playfair Display"/>
                 <a:cs typeface="Playfair Display"/>
@@ -2518,7 +2709,7 @@
               </a:spcBef>
               <a:buSzPct val="100000"/>
               <a:buFont typeface="Playfair Display"/>
-              <a:defRPr b="1" sz="4800">
+              <a:defRPr sz="4800" b="1">
                 <a:latin typeface="Playfair Display"/>
                 <a:ea typeface="Playfair Display"/>
                 <a:cs typeface="Playfair Display"/>
@@ -2531,7 +2722,7 @@
               </a:spcBef>
               <a:buSzPct val="100000"/>
               <a:buFont typeface="Playfair Display"/>
-              <a:defRPr b="1" sz="4800">
+              <a:defRPr sz="4800" b="1">
                 <a:latin typeface="Playfair Display"/>
                 <a:ea typeface="Playfair Display"/>
                 <a:cs typeface="Playfair Display"/>
@@ -2539,15 +2730,19 @@
               </a:defRPr>
             </a:lvl9pPr>
           </a:lstStyle>
-          <a:p/>
+          <a:p>
+            <a:endParaRPr/>
+          </a:p>
         </p:txBody>
       </p:sp>
       <p:sp>
         <p:nvSpPr>
           <p:cNvPr id="18" name="Shape 18"/>
-          <p:cNvSpPr txBox="1"/>
+          <p:cNvSpPr txBox="1">
+            <a:spLocks noGrp="1"/>
+          </p:cNvSpPr>
           <p:nvPr>
-            <p:ph idx="12" type="sldNum"/>
+            <p:ph type="sldNum" idx="12"/>
           </p:nvPr>
         </p:nvSpPr>
         <p:spPr>
@@ -2560,7 +2755,7 @@
           </a:prstGeom>
         </p:spPr>
         <p:txBody>
-          <a:bodyPr anchorCtr="0" anchor="ctr" bIns="91425" lIns="91425" rIns="91425" tIns="91425">
+          <a:bodyPr lIns="91425" tIns="91425" rIns="91425" bIns="91425" anchor="ctr" anchorCtr="0">
             <a:noAutofit/>
           </a:bodyPr>
           <a:lstStyle/>
@@ -2579,6 +2774,11 @@
               </a:rPr>
               <a:t>‹#›</a:t>
             </a:fld>
+            <a:endParaRPr lang="en">
+              <a:solidFill>
+                <a:schemeClr val="lt1"/>
+              </a:solidFill>
+            </a:endParaRPr>
           </a:p>
         </p:txBody>
       </p:sp>
@@ -2591,11 +2791,11 @@
 </file>
 
 <file path=ppt/slideLayouts/slideLayout3.xml><?xml version="1.0" encoding="utf-8"?>
-<p:sldLayout xmlns:a="http://schemas.openxmlformats.org/drawingml/2006/main" xmlns:r="http://schemas.openxmlformats.org/officeDocument/2006/relationships" xmlns:mc="http://schemas.openxmlformats.org/markup-compatibility/2006" xmlns:mv="urn:schemas-microsoft-com:mac:vml" xmlns:p="http://schemas.openxmlformats.org/presentationml/2006/main" xmlns:c="http://schemas.openxmlformats.org/drawingml/2006/chart" xmlns:dgm="http://schemas.openxmlformats.org/drawingml/2006/diagram" xmlns:o="urn:schemas-microsoft-com:office:office" xmlns:v="urn:schemas-microsoft-com:vml" xmlns:pvml="urn:schemas-microsoft-com:office:powerpoint" xmlns:com="http://schemas.openxmlformats.org/drawingml/2006/compatibility" xmlns:p14="http://schemas.microsoft.com/office/powerpoint/2010/main" type="tx">
+<p:sldLayout xmlns:a="http://schemas.openxmlformats.org/drawingml/2006/main" xmlns:r="http://schemas.openxmlformats.org/officeDocument/2006/relationships" xmlns:p="http://schemas.openxmlformats.org/presentationml/2006/main" type="tx">
   <p:cSld name="Title and body">
     <p:spTree>
       <p:nvGrpSpPr>
-        <p:cNvPr id="19" name="Shape 19"/>
+        <p:cNvPr id="1" name="Shape 19"/>
         <p:cNvGrpSpPr/>
         <p:nvPr/>
       </p:nvGrpSpPr>
@@ -2610,7 +2810,9 @@
       <p:sp>
         <p:nvSpPr>
           <p:cNvPr id="20" name="Shape 20"/>
-          <p:cNvSpPr txBox="1"/>
+          <p:cNvSpPr txBox="1">
+            <a:spLocks noGrp="1"/>
+          </p:cNvSpPr>
           <p:nvPr>
             <p:ph type="title"/>
           </p:nvPr>
@@ -2625,7 +2827,7 @@
           </a:prstGeom>
         </p:spPr>
         <p:txBody>
-          <a:bodyPr anchorCtr="0" anchor="t" bIns="91425" lIns="91425" rIns="91425" tIns="91425"/>
+          <a:bodyPr lIns="91425" tIns="91425" rIns="91425" bIns="91425" anchor="t" anchorCtr="0"/>
           <a:lstStyle>
             <a:lvl1pPr lvl="0">
               <a:spcBef>
@@ -2682,15 +2884,19 @@
               <a:defRPr/>
             </a:lvl9pPr>
           </a:lstStyle>
-          <a:p/>
+          <a:p>
+            <a:endParaRPr/>
+          </a:p>
         </p:txBody>
       </p:sp>
       <p:sp>
         <p:nvSpPr>
           <p:cNvPr id="21" name="Shape 21"/>
-          <p:cNvSpPr txBox="1"/>
+          <p:cNvSpPr txBox="1">
+            <a:spLocks noGrp="1"/>
+          </p:cNvSpPr>
           <p:nvPr>
-            <p:ph idx="1" type="body"/>
+            <p:ph type="body" idx="1"/>
           </p:nvPr>
         </p:nvSpPr>
         <p:spPr>
@@ -2703,7 +2909,7 @@
           </a:prstGeom>
         </p:spPr>
         <p:txBody>
-          <a:bodyPr anchorCtr="0" anchor="t" bIns="91425" lIns="91425" rIns="91425" tIns="91425"/>
+          <a:bodyPr lIns="91425" tIns="91425" rIns="91425" bIns="91425" anchor="t" anchorCtr="0"/>
           <a:lstStyle>
             <a:lvl1pPr lvl="0">
               <a:spcBef>
@@ -2760,15 +2966,19 @@
               <a:defRPr/>
             </a:lvl9pPr>
           </a:lstStyle>
-          <a:p/>
+          <a:p>
+            <a:endParaRPr/>
+          </a:p>
         </p:txBody>
       </p:sp>
       <p:sp>
         <p:nvSpPr>
           <p:cNvPr id="22" name="Shape 22"/>
-          <p:cNvSpPr txBox="1"/>
+          <p:cNvSpPr txBox="1">
+            <a:spLocks noGrp="1"/>
+          </p:cNvSpPr>
           <p:nvPr>
-            <p:ph idx="12" type="sldNum"/>
+            <p:ph type="sldNum" idx="12"/>
           </p:nvPr>
         </p:nvSpPr>
         <p:spPr>
@@ -2781,7 +2991,7 @@
           </a:prstGeom>
         </p:spPr>
         <p:txBody>
-          <a:bodyPr anchorCtr="0" anchor="ctr" bIns="91425" lIns="91425" rIns="91425" tIns="91425">
+          <a:bodyPr lIns="91425" tIns="91425" rIns="91425" bIns="91425" anchor="ctr" anchorCtr="0">
             <a:noAutofit/>
           </a:bodyPr>
           <a:lstStyle/>
@@ -2796,6 +3006,7 @@
               <a:rPr lang="en"/>
               <a:t>‹#›</a:t>
             </a:fld>
+            <a:endParaRPr lang="en"/>
           </a:p>
         </p:txBody>
       </p:sp>
@@ -2808,11 +3019,11 @@
 </file>
 
 <file path=ppt/slideLayouts/slideLayout4.xml><?xml version="1.0" encoding="utf-8"?>
-<p:sldLayout xmlns:a="http://schemas.openxmlformats.org/drawingml/2006/main" xmlns:r="http://schemas.openxmlformats.org/officeDocument/2006/relationships" xmlns:mc="http://schemas.openxmlformats.org/markup-compatibility/2006" xmlns:mv="urn:schemas-microsoft-com:mac:vml" xmlns:p="http://schemas.openxmlformats.org/presentationml/2006/main" xmlns:c="http://schemas.openxmlformats.org/drawingml/2006/chart" xmlns:dgm="http://schemas.openxmlformats.org/drawingml/2006/diagram" xmlns:o="urn:schemas-microsoft-com:office:office" xmlns:v="urn:schemas-microsoft-com:vml" xmlns:pvml="urn:schemas-microsoft-com:office:powerpoint" xmlns:com="http://schemas.openxmlformats.org/drawingml/2006/compatibility" xmlns:p14="http://schemas.microsoft.com/office/powerpoint/2010/main" type="twoColTx">
+<p:sldLayout xmlns:a="http://schemas.openxmlformats.org/drawingml/2006/main" xmlns:r="http://schemas.openxmlformats.org/officeDocument/2006/relationships" xmlns:p="http://schemas.openxmlformats.org/presentationml/2006/main" type="twoColTx">
   <p:cSld name="Title and two columns">
     <p:spTree>
       <p:nvGrpSpPr>
-        <p:cNvPr id="23" name="Shape 23"/>
+        <p:cNvPr id="1" name="Shape 23"/>
         <p:cNvGrpSpPr/>
         <p:nvPr/>
       </p:nvGrpSpPr>
@@ -2827,7 +3038,9 @@
       <p:sp>
         <p:nvSpPr>
           <p:cNvPr id="24" name="Shape 24"/>
-          <p:cNvSpPr txBox="1"/>
+          <p:cNvSpPr txBox="1">
+            <a:spLocks noGrp="1"/>
+          </p:cNvSpPr>
           <p:nvPr>
             <p:ph type="title"/>
           </p:nvPr>
@@ -2842,7 +3055,7 @@
           </a:prstGeom>
         </p:spPr>
         <p:txBody>
-          <a:bodyPr anchorCtr="0" anchor="t" bIns="91425" lIns="91425" rIns="91425" tIns="91425"/>
+          <a:bodyPr lIns="91425" tIns="91425" rIns="91425" bIns="91425" anchor="t" anchorCtr="0"/>
           <a:lstStyle>
             <a:lvl1pPr lvl="0">
               <a:spcBef>
@@ -2899,15 +3112,19 @@
               <a:defRPr/>
             </a:lvl9pPr>
           </a:lstStyle>
-          <a:p/>
+          <a:p>
+            <a:endParaRPr/>
+          </a:p>
         </p:txBody>
       </p:sp>
       <p:sp>
         <p:nvSpPr>
           <p:cNvPr id="25" name="Shape 25"/>
-          <p:cNvSpPr txBox="1"/>
+          <p:cNvSpPr txBox="1">
+            <a:spLocks noGrp="1"/>
+          </p:cNvSpPr>
           <p:nvPr>
-            <p:ph idx="1" type="body"/>
+            <p:ph type="body" idx="1"/>
           </p:nvPr>
         </p:nvSpPr>
         <p:spPr>
@@ -2920,7 +3137,7 @@
           </a:prstGeom>
         </p:spPr>
         <p:txBody>
-          <a:bodyPr anchorCtr="0" anchor="t" bIns="91425" lIns="91425" rIns="91425" tIns="91425"/>
+          <a:bodyPr lIns="91425" tIns="91425" rIns="91425" bIns="91425" anchor="t" anchorCtr="0"/>
           <a:lstStyle>
             <a:lvl1pPr lvl="0">
               <a:spcBef>
@@ -2986,15 +3203,19 @@
               <a:defRPr sz="1200"/>
             </a:lvl9pPr>
           </a:lstStyle>
-          <a:p/>
+          <a:p>
+            <a:endParaRPr/>
+          </a:p>
         </p:txBody>
       </p:sp>
       <p:sp>
         <p:nvSpPr>
           <p:cNvPr id="26" name="Shape 26"/>
-          <p:cNvSpPr txBox="1"/>
+          <p:cNvSpPr txBox="1">
+            <a:spLocks noGrp="1"/>
+          </p:cNvSpPr>
           <p:nvPr>
-            <p:ph idx="2" type="body"/>
+            <p:ph type="body" idx="2"/>
           </p:nvPr>
         </p:nvSpPr>
         <p:spPr>
@@ -3007,7 +3228,7 @@
           </a:prstGeom>
         </p:spPr>
         <p:txBody>
-          <a:bodyPr anchorCtr="0" anchor="t" bIns="91425" lIns="91425" rIns="91425" tIns="91425"/>
+          <a:bodyPr lIns="91425" tIns="91425" rIns="91425" bIns="91425" anchor="t" anchorCtr="0"/>
           <a:lstStyle>
             <a:lvl1pPr lvl="0">
               <a:spcBef>
@@ -3073,15 +3294,19 @@
               <a:defRPr sz="1200"/>
             </a:lvl9pPr>
           </a:lstStyle>
-          <a:p/>
+          <a:p>
+            <a:endParaRPr/>
+          </a:p>
         </p:txBody>
       </p:sp>
       <p:sp>
         <p:nvSpPr>
           <p:cNvPr id="27" name="Shape 27"/>
-          <p:cNvSpPr txBox="1"/>
+          <p:cNvSpPr txBox="1">
+            <a:spLocks noGrp="1"/>
+          </p:cNvSpPr>
           <p:nvPr>
-            <p:ph idx="12" type="sldNum"/>
+            <p:ph type="sldNum" idx="12"/>
           </p:nvPr>
         </p:nvSpPr>
         <p:spPr>
@@ -3094,7 +3319,7 @@
           </a:prstGeom>
         </p:spPr>
         <p:txBody>
-          <a:bodyPr anchorCtr="0" anchor="ctr" bIns="91425" lIns="91425" rIns="91425" tIns="91425">
+          <a:bodyPr lIns="91425" tIns="91425" rIns="91425" bIns="91425" anchor="ctr" anchorCtr="0">
             <a:noAutofit/>
           </a:bodyPr>
           <a:lstStyle/>
@@ -3109,6 +3334,7 @@
               <a:rPr lang="en"/>
               <a:t>‹#›</a:t>
             </a:fld>
+            <a:endParaRPr lang="en"/>
           </a:p>
         </p:txBody>
       </p:sp>
@@ -3121,11 +3347,11 @@
 </file>
 
 <file path=ppt/slideLayouts/slideLayout5.xml><?xml version="1.0" encoding="utf-8"?>
-<p:sldLayout xmlns:a="http://schemas.openxmlformats.org/drawingml/2006/main" xmlns:r="http://schemas.openxmlformats.org/officeDocument/2006/relationships" xmlns:mc="http://schemas.openxmlformats.org/markup-compatibility/2006" xmlns:mv="urn:schemas-microsoft-com:mac:vml" xmlns:p="http://schemas.openxmlformats.org/presentationml/2006/main" xmlns:c="http://schemas.openxmlformats.org/drawingml/2006/chart" xmlns:dgm="http://schemas.openxmlformats.org/drawingml/2006/diagram" xmlns:o="urn:schemas-microsoft-com:office:office" xmlns:v="urn:schemas-microsoft-com:vml" xmlns:pvml="urn:schemas-microsoft-com:office:powerpoint" xmlns:com="http://schemas.openxmlformats.org/drawingml/2006/compatibility" xmlns:p14="http://schemas.microsoft.com/office/powerpoint/2010/main" type="titleOnly">
+<p:sldLayout xmlns:a="http://schemas.openxmlformats.org/drawingml/2006/main" xmlns:r="http://schemas.openxmlformats.org/officeDocument/2006/relationships" xmlns:p="http://schemas.openxmlformats.org/presentationml/2006/main" type="titleOnly">
   <p:cSld name="Title only">
     <p:spTree>
       <p:nvGrpSpPr>
-        <p:cNvPr id="28" name="Shape 28"/>
+        <p:cNvPr id="1" name="Shape 28"/>
         <p:cNvGrpSpPr/>
         <p:nvPr/>
       </p:nvGrpSpPr>
@@ -3140,7 +3366,9 @@
       <p:sp>
         <p:nvSpPr>
           <p:cNvPr id="29" name="Shape 29"/>
-          <p:cNvSpPr txBox="1"/>
+          <p:cNvSpPr txBox="1">
+            <a:spLocks noGrp="1"/>
+          </p:cNvSpPr>
           <p:nvPr>
             <p:ph type="title"/>
           </p:nvPr>
@@ -3155,7 +3383,7 @@
           </a:prstGeom>
         </p:spPr>
         <p:txBody>
-          <a:bodyPr anchorCtr="0" anchor="t" bIns="91425" lIns="91425" rIns="91425" tIns="91425"/>
+          <a:bodyPr lIns="91425" tIns="91425" rIns="91425" bIns="91425" anchor="t" anchorCtr="0"/>
           <a:lstStyle>
             <a:lvl1pPr lvl="0">
               <a:spcBef>
@@ -3212,15 +3440,19 @@
               <a:defRPr/>
             </a:lvl9pPr>
           </a:lstStyle>
-          <a:p/>
+          <a:p>
+            <a:endParaRPr/>
+          </a:p>
         </p:txBody>
       </p:sp>
       <p:sp>
         <p:nvSpPr>
           <p:cNvPr id="30" name="Shape 30"/>
-          <p:cNvSpPr txBox="1"/>
+          <p:cNvSpPr txBox="1">
+            <a:spLocks noGrp="1"/>
+          </p:cNvSpPr>
           <p:nvPr>
-            <p:ph idx="12" type="sldNum"/>
+            <p:ph type="sldNum" idx="12"/>
           </p:nvPr>
         </p:nvSpPr>
         <p:spPr>
@@ -3233,7 +3465,7 @@
           </a:prstGeom>
         </p:spPr>
         <p:txBody>
-          <a:bodyPr anchorCtr="0" anchor="ctr" bIns="91425" lIns="91425" rIns="91425" tIns="91425">
+          <a:bodyPr lIns="91425" tIns="91425" rIns="91425" bIns="91425" anchor="ctr" anchorCtr="0">
             <a:noAutofit/>
           </a:bodyPr>
           <a:lstStyle/>
@@ -3248,6 +3480,7 @@
               <a:rPr lang="en"/>
               <a:t>‹#›</a:t>
             </a:fld>
+            <a:endParaRPr lang="en"/>
           </a:p>
         </p:txBody>
       </p:sp>
@@ -3260,11 +3493,11 @@
 </file>
 
 <file path=ppt/slideLayouts/slideLayout6.xml><?xml version="1.0" encoding="utf-8"?>
-<p:sldLayout xmlns:a="http://schemas.openxmlformats.org/drawingml/2006/main" xmlns:r="http://schemas.openxmlformats.org/officeDocument/2006/relationships" xmlns:mc="http://schemas.openxmlformats.org/markup-compatibility/2006" xmlns:mv="urn:schemas-microsoft-com:mac:vml" xmlns:p="http://schemas.openxmlformats.org/presentationml/2006/main" xmlns:c="http://schemas.openxmlformats.org/drawingml/2006/chart" xmlns:dgm="http://schemas.openxmlformats.org/drawingml/2006/diagram" xmlns:o="urn:schemas-microsoft-com:office:office" xmlns:v="urn:schemas-microsoft-com:vml" xmlns:pvml="urn:schemas-microsoft-com:office:powerpoint" xmlns:com="http://schemas.openxmlformats.org/drawingml/2006/compatibility" xmlns:p14="http://schemas.microsoft.com/office/powerpoint/2010/main">
+<p:sldLayout xmlns:a="http://schemas.openxmlformats.org/drawingml/2006/main" xmlns:r="http://schemas.openxmlformats.org/officeDocument/2006/relationships" xmlns:p="http://schemas.openxmlformats.org/presentationml/2006/main">
   <p:cSld name="One column text">
     <p:spTree>
       <p:nvGrpSpPr>
-        <p:cNvPr id="31" name="Shape 31"/>
+        <p:cNvPr id="1" name="Shape 31"/>
         <p:cNvGrpSpPr/>
         <p:nvPr/>
       </p:nvGrpSpPr>
@@ -3279,7 +3512,9 @@
       <p:sp>
         <p:nvSpPr>
           <p:cNvPr id="32" name="Shape 32"/>
-          <p:cNvSpPr txBox="1"/>
+          <p:cNvSpPr txBox="1">
+            <a:spLocks noGrp="1"/>
+          </p:cNvSpPr>
           <p:nvPr>
             <p:ph type="title"/>
           </p:nvPr>
@@ -3294,7 +3529,7 @@
           </a:prstGeom>
         </p:spPr>
         <p:txBody>
-          <a:bodyPr anchorCtr="0" anchor="b" bIns="91425" lIns="91425" rIns="91425" tIns="91425"/>
+          <a:bodyPr lIns="91425" tIns="91425" rIns="91425" bIns="91425" anchor="b" anchorCtr="0"/>
           <a:lstStyle>
             <a:lvl1pPr lvl="0">
               <a:spcBef>
@@ -3360,15 +3595,19 @@
               <a:defRPr sz="2400"/>
             </a:lvl9pPr>
           </a:lstStyle>
-          <a:p/>
+          <a:p>
+            <a:endParaRPr/>
+          </a:p>
         </p:txBody>
       </p:sp>
       <p:sp>
         <p:nvSpPr>
           <p:cNvPr id="33" name="Shape 33"/>
-          <p:cNvSpPr txBox="1"/>
+          <p:cNvSpPr txBox="1">
+            <a:spLocks noGrp="1"/>
+          </p:cNvSpPr>
           <p:nvPr>
-            <p:ph idx="1" type="body"/>
+            <p:ph type="body" idx="1"/>
           </p:nvPr>
         </p:nvSpPr>
         <p:spPr>
@@ -3381,7 +3620,7 @@
           </a:prstGeom>
         </p:spPr>
         <p:txBody>
-          <a:bodyPr anchorCtr="0" anchor="t" bIns="91425" lIns="91425" rIns="91425" tIns="91425"/>
+          <a:bodyPr lIns="91425" tIns="91425" rIns="91425" bIns="91425" anchor="t" anchorCtr="0"/>
           <a:lstStyle>
             <a:lvl1pPr lvl="0">
               <a:spcBef>
@@ -3447,15 +3686,19 @@
               <a:defRPr sz="1200"/>
             </a:lvl9pPr>
           </a:lstStyle>
-          <a:p/>
+          <a:p>
+            <a:endParaRPr/>
+          </a:p>
         </p:txBody>
       </p:sp>
       <p:sp>
         <p:nvSpPr>
           <p:cNvPr id="34" name="Shape 34"/>
-          <p:cNvSpPr txBox="1"/>
+          <p:cNvSpPr txBox="1">
+            <a:spLocks noGrp="1"/>
+          </p:cNvSpPr>
           <p:nvPr>
-            <p:ph idx="12" type="sldNum"/>
+            <p:ph type="sldNum" idx="12"/>
           </p:nvPr>
         </p:nvSpPr>
         <p:spPr>
@@ -3468,7 +3711,7 @@
           </a:prstGeom>
         </p:spPr>
         <p:txBody>
-          <a:bodyPr anchorCtr="0" anchor="ctr" bIns="91425" lIns="91425" rIns="91425" tIns="91425">
+          <a:bodyPr lIns="91425" tIns="91425" rIns="91425" bIns="91425" anchor="ctr" anchorCtr="0">
             <a:noAutofit/>
           </a:bodyPr>
           <a:lstStyle/>
@@ -3483,6 +3726,7 @@
               <a:rPr lang="en"/>
               <a:t>‹#›</a:t>
             </a:fld>
+            <a:endParaRPr lang="en"/>
           </a:p>
         </p:txBody>
       </p:sp>
@@ -3495,18 +3739,19 @@
 </file>
 
 <file path=ppt/slideLayouts/slideLayout7.xml><?xml version="1.0" encoding="utf-8"?>
-<p:sldLayout xmlns:a="http://schemas.openxmlformats.org/drawingml/2006/main" xmlns:r="http://schemas.openxmlformats.org/officeDocument/2006/relationships" xmlns:mc="http://schemas.openxmlformats.org/markup-compatibility/2006" xmlns:mv="urn:schemas-microsoft-com:mac:vml" xmlns:p="http://schemas.openxmlformats.org/presentationml/2006/main" xmlns:c="http://schemas.openxmlformats.org/drawingml/2006/chart" xmlns:dgm="http://schemas.openxmlformats.org/drawingml/2006/diagram" xmlns:o="urn:schemas-microsoft-com:office:office" xmlns:v="urn:schemas-microsoft-com:vml" xmlns:pvml="urn:schemas-microsoft-com:office:powerpoint" xmlns:com="http://schemas.openxmlformats.org/drawingml/2006/compatibility" xmlns:p14="http://schemas.microsoft.com/office/powerpoint/2010/main">
+<p:sldLayout xmlns:a="http://schemas.openxmlformats.org/drawingml/2006/main" xmlns:r="http://schemas.openxmlformats.org/officeDocument/2006/relationships" xmlns:p="http://schemas.openxmlformats.org/presentationml/2006/main">
   <p:cSld name="Main point">
     <p:bg>
       <p:bgPr>
         <a:solidFill>
           <a:schemeClr val="accent3"/>
         </a:solidFill>
+        <a:effectLst/>
       </p:bgPr>
     </p:bg>
     <p:spTree>
       <p:nvGrpSpPr>
-        <p:cNvPr id="35" name="Shape 35"/>
+        <p:cNvPr id="1" name="Shape 35"/>
         <p:cNvGrpSpPr/>
         <p:nvPr/>
       </p:nvGrpSpPr>
@@ -3521,7 +3766,9 @@
       <p:sp>
         <p:nvSpPr>
           <p:cNvPr id="36" name="Shape 36"/>
-          <p:cNvSpPr txBox="1"/>
+          <p:cNvSpPr txBox="1">
+            <a:spLocks noGrp="1"/>
+          </p:cNvSpPr>
           <p:nvPr>
             <p:ph type="title"/>
           </p:nvPr>
@@ -3536,7 +3783,7 @@
           </a:prstGeom>
         </p:spPr>
         <p:txBody>
-          <a:bodyPr anchorCtr="0" anchor="ctr" bIns="91425" lIns="91425" rIns="91425" tIns="91425"/>
+          <a:bodyPr lIns="91425" tIns="91425" rIns="91425" bIns="91425" anchor="ctr" anchorCtr="0"/>
           <a:lstStyle>
             <a:lvl1pPr lvl="0">
               <a:spcBef>
@@ -3710,15 +3957,19 @@
               </a:defRPr>
             </a:lvl9pPr>
           </a:lstStyle>
-          <a:p/>
+          <a:p>
+            <a:endParaRPr/>
+          </a:p>
         </p:txBody>
       </p:sp>
       <p:sp>
         <p:nvSpPr>
           <p:cNvPr id="37" name="Shape 37"/>
-          <p:cNvSpPr txBox="1"/>
+          <p:cNvSpPr txBox="1">
+            <a:spLocks noGrp="1"/>
+          </p:cNvSpPr>
           <p:nvPr>
-            <p:ph idx="12" type="sldNum"/>
+            <p:ph type="sldNum" idx="12"/>
           </p:nvPr>
         </p:nvSpPr>
         <p:spPr>
@@ -3731,7 +3982,7 @@
           </a:prstGeom>
         </p:spPr>
         <p:txBody>
-          <a:bodyPr anchorCtr="0" anchor="ctr" bIns="91425" lIns="91425" rIns="91425" tIns="91425">
+          <a:bodyPr lIns="91425" tIns="91425" rIns="91425" bIns="91425" anchor="ctr" anchorCtr="0">
             <a:noAutofit/>
           </a:bodyPr>
           <a:lstStyle/>
@@ -3750,6 +4001,11 @@
               </a:rPr>
               <a:t>‹#›</a:t>
             </a:fld>
+            <a:endParaRPr lang="en">
+              <a:solidFill>
+                <a:schemeClr val="lt1"/>
+              </a:solidFill>
+            </a:endParaRPr>
           </a:p>
         </p:txBody>
       </p:sp>
@@ -3762,11 +4018,11 @@
 </file>
 
 <file path=ppt/slideLayouts/slideLayout8.xml><?xml version="1.0" encoding="utf-8"?>
-<p:sldLayout xmlns:a="http://schemas.openxmlformats.org/drawingml/2006/main" xmlns:r="http://schemas.openxmlformats.org/officeDocument/2006/relationships" xmlns:mc="http://schemas.openxmlformats.org/markup-compatibility/2006" xmlns:mv="urn:schemas-microsoft-com:mac:vml" xmlns:p="http://schemas.openxmlformats.org/presentationml/2006/main" xmlns:c="http://schemas.openxmlformats.org/drawingml/2006/chart" xmlns:dgm="http://schemas.openxmlformats.org/drawingml/2006/diagram" xmlns:o="urn:schemas-microsoft-com:office:office" xmlns:v="urn:schemas-microsoft-com:vml" xmlns:pvml="urn:schemas-microsoft-com:office:powerpoint" xmlns:com="http://schemas.openxmlformats.org/drawingml/2006/compatibility" xmlns:p14="http://schemas.microsoft.com/office/powerpoint/2010/main">
+<p:sldLayout xmlns:a="http://schemas.openxmlformats.org/drawingml/2006/main" xmlns:r="http://schemas.openxmlformats.org/officeDocument/2006/relationships" xmlns:p="http://schemas.openxmlformats.org/presentationml/2006/main">
   <p:cSld name="Section title and description">
     <p:spTree>
       <p:nvGrpSpPr>
-        <p:cNvPr id="38" name="Shape 38"/>
+        <p:cNvPr id="1" name="Shape 38"/>
         <p:cNvGrpSpPr/>
         <p:nvPr/>
       </p:nvGrpSpPr>
@@ -3800,7 +4056,7 @@
           </a:ln>
         </p:spPr>
         <p:txBody>
-          <a:bodyPr anchorCtr="0" anchor="ctr" bIns="91425" lIns="91425" rIns="91425" tIns="91425">
+          <a:bodyPr lIns="91425" tIns="91425" rIns="91425" bIns="91425" anchor="ctr" anchorCtr="0">
             <a:noAutofit/>
           </a:bodyPr>
           <a:lstStyle/>
@@ -3811,9 +4067,6 @@
               </a:spcBef>
               <a:buNone/>
             </a:pPr>
-            <a:r>
-              <a:t/>
-            </a:r>
             <a:endParaRPr/>
           </a:p>
         </p:txBody>
@@ -3833,21 +4086,23 @@
             <a:avLst/>
           </a:prstGeom>
           <a:noFill/>
-          <a:ln cap="flat" cmpd="sng" w="19050">
+          <a:ln w="19050" cap="flat" cmpd="sng">
             <a:solidFill>
               <a:schemeClr val="dk2"/>
             </a:solidFill>
             <a:prstDash val="solid"/>
             <a:round/>
-            <a:headEnd len="med" w="med" type="none"/>
-            <a:tailEnd len="med" w="med" type="none"/>
+            <a:headEnd type="none" w="med" len="med"/>
+            <a:tailEnd type="none" w="med" len="med"/>
           </a:ln>
         </p:spPr>
       </p:cxnSp>
       <p:sp>
         <p:nvSpPr>
           <p:cNvPr id="41" name="Shape 41"/>
-          <p:cNvSpPr txBox="1"/>
+          <p:cNvSpPr txBox="1">
+            <a:spLocks noGrp="1"/>
+          </p:cNvSpPr>
           <p:nvPr>
             <p:ph type="title"/>
           </p:nvPr>
@@ -3862,7 +4117,7 @@
           </a:prstGeom>
         </p:spPr>
         <p:txBody>
-          <a:bodyPr anchorCtr="0" anchor="b" bIns="91425" lIns="91425" rIns="91425" tIns="91425"/>
+          <a:bodyPr lIns="91425" tIns="91425" rIns="91425" bIns="91425" anchor="b" anchorCtr="0"/>
           <a:lstStyle>
             <a:lvl1pPr lvl="0" algn="ctr">
               <a:spcBef>
@@ -3928,15 +4183,19 @@
               <a:defRPr sz="4200"/>
             </a:lvl9pPr>
           </a:lstStyle>
-          <a:p/>
+          <a:p>
+            <a:endParaRPr/>
+          </a:p>
         </p:txBody>
       </p:sp>
       <p:sp>
         <p:nvSpPr>
           <p:cNvPr id="42" name="Shape 42"/>
-          <p:cNvSpPr txBox="1"/>
+          <p:cNvSpPr txBox="1">
+            <a:spLocks noGrp="1"/>
+          </p:cNvSpPr>
           <p:nvPr>
-            <p:ph idx="1" type="subTitle"/>
+            <p:ph type="subTitle" idx="1"/>
           </p:nvPr>
         </p:nvSpPr>
         <p:spPr>
@@ -3949,7 +4208,7 @@
           </a:prstGeom>
         </p:spPr>
         <p:txBody>
-          <a:bodyPr anchorCtr="0" anchor="t" bIns="91425" lIns="91425" rIns="91425" tIns="91425"/>
+          <a:bodyPr lIns="91425" tIns="91425" rIns="91425" bIns="91425" anchor="t" anchorCtr="0"/>
           <a:lstStyle>
             <a:lvl1pPr lvl="0" algn="ctr">
               <a:lnSpc>
@@ -4078,15 +4337,19 @@
               <a:defRPr sz="2100"/>
             </a:lvl9pPr>
           </a:lstStyle>
-          <a:p/>
+          <a:p>
+            <a:endParaRPr/>
+          </a:p>
         </p:txBody>
       </p:sp>
       <p:sp>
         <p:nvSpPr>
           <p:cNvPr id="43" name="Shape 43"/>
-          <p:cNvSpPr txBox="1"/>
+          <p:cNvSpPr txBox="1">
+            <a:spLocks noGrp="1"/>
+          </p:cNvSpPr>
           <p:nvPr>
-            <p:ph idx="2" type="body"/>
+            <p:ph type="body" idx="2"/>
           </p:nvPr>
         </p:nvSpPr>
         <p:spPr>
@@ -4099,7 +4362,7 @@
           </a:prstGeom>
         </p:spPr>
         <p:txBody>
-          <a:bodyPr anchorCtr="0" anchor="ctr" bIns="91425" lIns="91425" rIns="91425" tIns="91425"/>
+          <a:bodyPr lIns="91425" tIns="91425" rIns="91425" bIns="91425" anchor="ctr" anchorCtr="0"/>
           <a:lstStyle>
             <a:lvl1pPr lvl="0">
               <a:spcBef>
@@ -4156,15 +4419,19 @@
               <a:defRPr/>
             </a:lvl9pPr>
           </a:lstStyle>
-          <a:p/>
+          <a:p>
+            <a:endParaRPr/>
+          </a:p>
         </p:txBody>
       </p:sp>
       <p:sp>
         <p:nvSpPr>
           <p:cNvPr id="44" name="Shape 44"/>
-          <p:cNvSpPr txBox="1"/>
+          <p:cNvSpPr txBox="1">
+            <a:spLocks noGrp="1"/>
+          </p:cNvSpPr>
           <p:nvPr>
-            <p:ph idx="12" type="sldNum"/>
+            <p:ph type="sldNum" idx="12"/>
           </p:nvPr>
         </p:nvSpPr>
         <p:spPr>
@@ -4177,7 +4444,7 @@
           </a:prstGeom>
         </p:spPr>
         <p:txBody>
-          <a:bodyPr anchorCtr="0" anchor="ctr" bIns="91425" lIns="91425" rIns="91425" tIns="91425">
+          <a:bodyPr lIns="91425" tIns="91425" rIns="91425" bIns="91425" anchor="ctr" anchorCtr="0">
             <a:noAutofit/>
           </a:bodyPr>
           <a:lstStyle/>
@@ -4192,6 +4459,7 @@
               <a:rPr lang="en"/>
               <a:t>‹#›</a:t>
             </a:fld>
+            <a:endParaRPr lang="en"/>
           </a:p>
         </p:txBody>
       </p:sp>
@@ -4204,11 +4472,11 @@
 </file>
 
 <file path=ppt/slideLayouts/slideLayout9.xml><?xml version="1.0" encoding="utf-8"?>
-<p:sldLayout xmlns:a="http://schemas.openxmlformats.org/drawingml/2006/main" xmlns:r="http://schemas.openxmlformats.org/officeDocument/2006/relationships" xmlns:mc="http://schemas.openxmlformats.org/markup-compatibility/2006" xmlns:mv="urn:schemas-microsoft-com:mac:vml" xmlns:p="http://schemas.openxmlformats.org/presentationml/2006/main" xmlns:c="http://schemas.openxmlformats.org/drawingml/2006/chart" xmlns:dgm="http://schemas.openxmlformats.org/drawingml/2006/diagram" xmlns:o="urn:schemas-microsoft-com:office:office" xmlns:v="urn:schemas-microsoft-com:vml" xmlns:pvml="urn:schemas-microsoft-com:office:powerpoint" xmlns:com="http://schemas.openxmlformats.org/drawingml/2006/compatibility" xmlns:p14="http://schemas.microsoft.com/office/powerpoint/2010/main">
+<p:sldLayout xmlns:a="http://schemas.openxmlformats.org/drawingml/2006/main" xmlns:r="http://schemas.openxmlformats.org/officeDocument/2006/relationships" xmlns:p="http://schemas.openxmlformats.org/presentationml/2006/main">
   <p:cSld name="Caption">
     <p:spTree>
       <p:nvGrpSpPr>
-        <p:cNvPr id="45" name="Shape 45"/>
+        <p:cNvPr id="1" name="Shape 45"/>
         <p:cNvGrpSpPr/>
         <p:nvPr/>
       </p:nvGrpSpPr>
@@ -4223,9 +4491,11 @@
       <p:sp>
         <p:nvSpPr>
           <p:cNvPr id="46" name="Shape 46"/>
-          <p:cNvSpPr txBox="1"/>
+          <p:cNvSpPr txBox="1">
+            <a:spLocks noGrp="1"/>
+          </p:cNvSpPr>
           <p:nvPr>
-            <p:ph idx="1" type="body"/>
+            <p:ph type="body" idx="1"/>
           </p:nvPr>
         </p:nvSpPr>
         <p:spPr>
@@ -4238,7 +4508,7 @@
           </a:prstGeom>
         </p:spPr>
         <p:txBody>
-          <a:bodyPr anchorCtr="0" anchor="ctr" bIns="91425" lIns="91425" rIns="91425" tIns="91425"/>
+          <a:bodyPr lIns="91425" tIns="91425" rIns="91425" bIns="91425" anchor="ctr" anchorCtr="0"/>
           <a:lstStyle>
             <a:lvl1pPr lvl="0">
               <a:lnSpc>
@@ -4254,15 +4524,19 @@
               <a:defRPr/>
             </a:lvl1pPr>
           </a:lstStyle>
-          <a:p/>
+          <a:p>
+            <a:endParaRPr/>
+          </a:p>
         </p:txBody>
       </p:sp>
       <p:sp>
         <p:nvSpPr>
           <p:cNvPr id="47" name="Shape 47"/>
-          <p:cNvSpPr txBox="1"/>
+          <p:cNvSpPr txBox="1">
+            <a:spLocks noGrp="1"/>
+          </p:cNvSpPr>
           <p:nvPr>
-            <p:ph idx="12" type="sldNum"/>
+            <p:ph type="sldNum" idx="12"/>
           </p:nvPr>
         </p:nvSpPr>
         <p:spPr>
@@ -4275,7 +4549,7 @@
           </a:prstGeom>
         </p:spPr>
         <p:txBody>
-          <a:bodyPr anchorCtr="0" anchor="ctr" bIns="91425" lIns="91425" rIns="91425" tIns="91425">
+          <a:bodyPr lIns="91425" tIns="91425" rIns="91425" bIns="91425" anchor="ctr" anchorCtr="0">
             <a:noAutofit/>
           </a:bodyPr>
           <a:lstStyle/>
@@ -4290,6 +4564,7 @@
               <a:rPr lang="en"/>
               <a:t>‹#›</a:t>
             </a:fld>
+            <a:endParaRPr lang="en"/>
           </a:p>
         </p:txBody>
       </p:sp>
@@ -4302,18 +4577,19 @@
 </file>
 
 <file path=ppt/slideMasters/slideMaster1.xml><?xml version="1.0" encoding="utf-8"?>
-<p:sldMaster xmlns:a="http://schemas.openxmlformats.org/drawingml/2006/main" xmlns:r="http://schemas.openxmlformats.org/officeDocument/2006/relationships" xmlns:mc="http://schemas.openxmlformats.org/markup-compatibility/2006" xmlns:mv="urn:schemas-microsoft-com:mac:vml" xmlns:p="http://schemas.openxmlformats.org/presentationml/2006/main" xmlns:c="http://schemas.openxmlformats.org/drawingml/2006/chart" xmlns:dgm="http://schemas.openxmlformats.org/drawingml/2006/diagram" xmlns:o="urn:schemas-microsoft-com:office:office" xmlns:v="urn:schemas-microsoft-com:vml" xmlns:pvml="urn:schemas-microsoft-com:office:powerpoint" xmlns:com="http://schemas.openxmlformats.org/drawingml/2006/compatibility" xmlns:p14="http://schemas.microsoft.com/office/powerpoint/2010/main">
+<p:sldMaster xmlns:a="http://schemas.openxmlformats.org/drawingml/2006/main" xmlns:r="http://schemas.openxmlformats.org/officeDocument/2006/relationships" xmlns:p="http://schemas.openxmlformats.org/presentationml/2006/main">
   <p:cSld>
     <p:bg>
       <p:bgPr>
         <a:solidFill>
           <a:schemeClr val="lt1"/>
         </a:solidFill>
+        <a:effectLst/>
       </p:bgPr>
     </p:bg>
     <p:spTree>
       <p:nvGrpSpPr>
-        <p:cNvPr id="5" name="Shape 5"/>
+        <p:cNvPr id="1" name="Shape 5"/>
         <p:cNvGrpSpPr/>
         <p:nvPr/>
       </p:nvGrpSpPr>
@@ -4328,7 +4604,9 @@
       <p:sp>
         <p:nvSpPr>
           <p:cNvPr id="6" name="Shape 6"/>
-          <p:cNvSpPr txBox="1"/>
+          <p:cNvSpPr txBox="1">
+            <a:spLocks noGrp="1"/>
+          </p:cNvSpPr>
           <p:nvPr>
             <p:ph type="title"/>
           </p:nvPr>
@@ -4347,7 +4625,7 @@
           </a:ln>
         </p:spPr>
         <p:txBody>
-          <a:bodyPr anchorCtr="0" anchor="t" bIns="91425" lIns="91425" rIns="91425" tIns="91425"/>
+          <a:bodyPr lIns="91425" tIns="91425" rIns="91425" bIns="91425" anchor="t" anchorCtr="0"/>
           <a:lstStyle>
             <a:lvl1pPr lvl="0">
               <a:spcBef>
@@ -4530,15 +4808,19 @@
               </a:defRPr>
             </a:lvl9pPr>
           </a:lstStyle>
-          <a:p/>
+          <a:p>
+            <a:endParaRPr/>
+          </a:p>
         </p:txBody>
       </p:sp>
       <p:sp>
         <p:nvSpPr>
           <p:cNvPr id="7" name="Shape 7"/>
-          <p:cNvSpPr txBox="1"/>
+          <p:cNvSpPr txBox="1">
+            <a:spLocks noGrp="1"/>
+          </p:cNvSpPr>
           <p:nvPr>
-            <p:ph idx="1" type="body"/>
+            <p:ph type="body" idx="1"/>
           </p:nvPr>
         </p:nvSpPr>
         <p:spPr>
@@ -4555,7 +4837,7 @@
           </a:ln>
         </p:spPr>
         <p:txBody>
-          <a:bodyPr anchorCtr="0" anchor="t" bIns="91425" lIns="91425" rIns="91425" tIns="91425"/>
+          <a:bodyPr lIns="91425" tIns="91425" rIns="91425" bIns="91425" anchor="t" anchorCtr="0"/>
           <a:lstStyle>
             <a:lvl1pPr lvl="0">
               <a:lnSpc>
@@ -4775,15 +5057,19 @@
               </a:defRPr>
             </a:lvl9pPr>
           </a:lstStyle>
-          <a:p/>
+          <a:p>
+            <a:endParaRPr/>
+          </a:p>
         </p:txBody>
       </p:sp>
       <p:sp>
         <p:nvSpPr>
           <p:cNvPr id="8" name="Shape 8"/>
-          <p:cNvSpPr txBox="1"/>
+          <p:cNvSpPr txBox="1">
+            <a:spLocks noGrp="1"/>
+          </p:cNvSpPr>
           <p:nvPr>
-            <p:ph idx="12" type="sldNum"/>
+            <p:ph type="sldNum" idx="12"/>
           </p:nvPr>
         </p:nvSpPr>
         <p:spPr>
@@ -4800,7 +5086,7 @@
           </a:ln>
         </p:spPr>
         <p:txBody>
-          <a:bodyPr anchorCtr="0" anchor="ctr" bIns="91425" lIns="91425" rIns="91425" tIns="91425">
+          <a:bodyPr lIns="91425" tIns="91425" rIns="91425" bIns="91425" anchor="ctr" anchorCtr="0">
             <a:noAutofit/>
           </a:bodyPr>
           <a:lstStyle/>
@@ -4823,12 +5109,21 @@
               </a:rPr>
               <a:t>‹#›</a:t>
             </a:fld>
+            <a:endParaRPr lang="en" sz="1000">
+              <a:solidFill>
+                <a:schemeClr val="dk2"/>
+              </a:solidFill>
+              <a:latin typeface="Playfair Display"/>
+              <a:ea typeface="Playfair Display"/>
+              <a:cs typeface="Playfair Display"/>
+              <a:sym typeface="Playfair Display"/>
+            </a:endParaRPr>
           </a:p>
         </p:txBody>
       </p:sp>
     </p:spTree>
   </p:cSld>
-  <p:clrMap accent1="accent1" accent2="accent2" accent3="accent3" accent4="accent4" accent5="accent5" accent6="accent6" bg1="lt1" bg2="dk2" tx1="dk1" tx2="lt2" folHlink="folHlink" hlink="hlink"/>
+  <p:clrMap bg1="lt1" tx1="dk1" bg2="dk2" tx2="lt2" accent1="accent1" accent2="accent2" accent3="accent3" accent4="accent4" accent5="accent5" accent6="accent6" hlink="hlink" folHlink="folHlink"/>
   <p:sldLayoutIdLst>
     <p:sldLayoutId id="2147483648" r:id="rId1"/>
     <p:sldLayoutId id="2147483649" r:id="rId2"/>
@@ -4842,10 +5137,10 @@
     <p:sldLayoutId id="2147483657" r:id="rId10"/>
     <p:sldLayoutId id="2147483658" r:id="rId11"/>
   </p:sldLayoutIdLst>
-  <p:hf dt="0" ftr="0" hdr="0" sldNum="0"/>
+  <p:hf sldNum="0" hdr="0" ftr="0" dt="0"/>
   <p:txStyles>
     <p:titleStyle>
-      <a:defPPr lvl="0" marR="0" rtl="0" algn="l">
+      <a:defPPr marR="0" lvl="0" algn="l" rtl="0">
         <a:lnSpc>
           <a:spcPct val="100000"/>
         </a:lnSpc>
@@ -4856,7 +5151,7 @@
           <a:spcPts val="0"/>
         </a:spcAft>
       </a:defPPr>
-      <a:lvl1pPr lvl="0" marR="0" rtl="0" algn="l">
+      <a:lvl1pPr marR="0" lvl="0" algn="l" rtl="0">
         <a:lnSpc>
           <a:spcPct val="100000"/>
         </a:lnSpc>
@@ -4867,7 +5162,7 @@
           <a:spcPts val="0"/>
         </a:spcAft>
         <a:buNone/>
-        <a:defRPr b="0" i="0" sz="1400" u="none" cap="none" strike="noStrike">
+        <a:defRPr sz="1400" b="0" i="0" u="none" strike="noStrike" cap="none">
           <a:solidFill>
             <a:srgbClr val="000000"/>
           </a:solidFill>
@@ -4879,7 +5174,7 @@
       </a:lvl1pPr>
     </p:titleStyle>
     <p:bodyStyle>
-      <a:defPPr lvl="0" marR="0" rtl="0" algn="l">
+      <a:defPPr marR="0" lvl="0" algn="l" rtl="0">
         <a:lnSpc>
           <a:spcPct val="100000"/>
         </a:lnSpc>
@@ -4890,7 +5185,7 @@
           <a:spcPts val="0"/>
         </a:spcAft>
       </a:defPPr>
-      <a:lvl1pPr lvl="0" marR="0" rtl="0" algn="l">
+      <a:lvl1pPr marR="0" lvl="0" algn="l" rtl="0">
         <a:lnSpc>
           <a:spcPct val="100000"/>
         </a:lnSpc>
@@ -4901,7 +5196,7 @@
           <a:spcPts val="0"/>
         </a:spcAft>
         <a:buNone/>
-        <a:defRPr b="0" i="0" sz="1400" u="none" cap="none" strike="noStrike">
+        <a:defRPr sz="1400" b="0" i="0" u="none" strike="noStrike" cap="none">
           <a:solidFill>
             <a:srgbClr val="000000"/>
           </a:solidFill>
@@ -4911,7 +5206,7 @@
           <a:sym typeface="Arial"/>
         </a:defRPr>
       </a:lvl1pPr>
-      <a:lvl2pPr lvl="1" marR="0" rtl="0" algn="l">
+      <a:lvl2pPr marR="0" lvl="1" algn="l" rtl="0">
         <a:lnSpc>
           <a:spcPct val="100000"/>
         </a:lnSpc>
@@ -4922,7 +5217,7 @@
           <a:spcPts val="0"/>
         </a:spcAft>
         <a:buNone/>
-        <a:defRPr b="0" i="0" sz="1400" u="none" cap="none" strike="noStrike">
+        <a:defRPr sz="1400" b="0" i="0" u="none" strike="noStrike" cap="none">
           <a:solidFill>
             <a:srgbClr val="000000"/>
           </a:solidFill>
@@ -4932,7 +5227,7 @@
           <a:sym typeface="Arial"/>
         </a:defRPr>
       </a:lvl2pPr>
-      <a:lvl3pPr lvl="2" marR="0" rtl="0" algn="l">
+      <a:lvl3pPr marR="0" lvl="2" algn="l" rtl="0">
         <a:lnSpc>
           <a:spcPct val="100000"/>
         </a:lnSpc>
@@ -4943,7 +5238,7 @@
           <a:spcPts val="0"/>
         </a:spcAft>
         <a:buNone/>
-        <a:defRPr b="0" i="0" sz="1400" u="none" cap="none" strike="noStrike">
+        <a:defRPr sz="1400" b="0" i="0" u="none" strike="noStrike" cap="none">
           <a:solidFill>
             <a:srgbClr val="000000"/>
           </a:solidFill>
@@ -4953,7 +5248,7 @@
           <a:sym typeface="Arial"/>
         </a:defRPr>
       </a:lvl3pPr>
-      <a:lvl4pPr lvl="3" marR="0" rtl="0" algn="l">
+      <a:lvl4pPr marR="0" lvl="3" algn="l" rtl="0">
         <a:lnSpc>
           <a:spcPct val="100000"/>
         </a:lnSpc>
@@ -4964,7 +5259,7 @@
           <a:spcPts val="0"/>
         </a:spcAft>
         <a:buNone/>
-        <a:defRPr b="0" i="0" sz="1400" u="none" cap="none" strike="noStrike">
+        <a:defRPr sz="1400" b="0" i="0" u="none" strike="noStrike" cap="none">
           <a:solidFill>
             <a:srgbClr val="000000"/>
           </a:solidFill>
@@ -4974,7 +5269,7 @@
           <a:sym typeface="Arial"/>
         </a:defRPr>
       </a:lvl4pPr>
-      <a:lvl5pPr lvl="4" marR="0" rtl="0" algn="l">
+      <a:lvl5pPr marR="0" lvl="4" algn="l" rtl="0">
         <a:lnSpc>
           <a:spcPct val="100000"/>
         </a:lnSpc>
@@ -4985,7 +5280,7 @@
           <a:spcPts val="0"/>
         </a:spcAft>
         <a:buNone/>
-        <a:defRPr b="0" i="0" sz="1400" u="none" cap="none" strike="noStrike">
+        <a:defRPr sz="1400" b="0" i="0" u="none" strike="noStrike" cap="none">
           <a:solidFill>
             <a:srgbClr val="000000"/>
           </a:solidFill>
@@ -4995,7 +5290,7 @@
           <a:sym typeface="Arial"/>
         </a:defRPr>
       </a:lvl5pPr>
-      <a:lvl6pPr lvl="5" marR="0" rtl="0" algn="l">
+      <a:lvl6pPr marR="0" lvl="5" algn="l" rtl="0">
         <a:lnSpc>
           <a:spcPct val="100000"/>
         </a:lnSpc>
@@ -5006,7 +5301,7 @@
           <a:spcPts val="0"/>
         </a:spcAft>
         <a:buNone/>
-        <a:defRPr b="0" i="0" sz="1400" u="none" cap="none" strike="noStrike">
+        <a:defRPr sz="1400" b="0" i="0" u="none" strike="noStrike" cap="none">
           <a:solidFill>
             <a:srgbClr val="000000"/>
           </a:solidFill>
@@ -5016,7 +5311,7 @@
           <a:sym typeface="Arial"/>
         </a:defRPr>
       </a:lvl6pPr>
-      <a:lvl7pPr lvl="6" marR="0" rtl="0" algn="l">
+      <a:lvl7pPr marR="0" lvl="6" algn="l" rtl="0">
         <a:lnSpc>
           <a:spcPct val="100000"/>
         </a:lnSpc>
@@ -5027,7 +5322,7 @@
           <a:spcPts val="0"/>
         </a:spcAft>
         <a:buNone/>
-        <a:defRPr b="0" i="0" sz="1400" u="none" cap="none" strike="noStrike">
+        <a:defRPr sz="1400" b="0" i="0" u="none" strike="noStrike" cap="none">
           <a:solidFill>
             <a:srgbClr val="000000"/>
           </a:solidFill>
@@ -5037,7 +5332,7 @@
           <a:sym typeface="Arial"/>
         </a:defRPr>
       </a:lvl7pPr>
-      <a:lvl8pPr lvl="7" marR="0" rtl="0" algn="l">
+      <a:lvl8pPr marR="0" lvl="7" algn="l" rtl="0">
         <a:lnSpc>
           <a:spcPct val="100000"/>
         </a:lnSpc>
@@ -5048,7 +5343,7 @@
           <a:spcPts val="0"/>
         </a:spcAft>
         <a:buNone/>
-        <a:defRPr b="0" i="0" sz="1400" u="none" cap="none" strike="noStrike">
+        <a:defRPr sz="1400" b="0" i="0" u="none" strike="noStrike" cap="none">
           <a:solidFill>
             <a:srgbClr val="000000"/>
           </a:solidFill>
@@ -5058,7 +5353,7 @@
           <a:sym typeface="Arial"/>
         </a:defRPr>
       </a:lvl8pPr>
-      <a:lvl9pPr lvl="8" marR="0" rtl="0" algn="l">
+      <a:lvl9pPr marR="0" lvl="8" algn="l" rtl="0">
         <a:lnSpc>
           <a:spcPct val="100000"/>
         </a:lnSpc>
@@ -5069,7 +5364,7 @@
           <a:spcPts val="0"/>
         </a:spcAft>
         <a:buNone/>
-        <a:defRPr b="0" i="0" sz="1400" u="none" cap="none" strike="noStrike">
+        <a:defRPr sz="1400" b="0" i="0" u="none" strike="noStrike" cap="none">
           <a:solidFill>
             <a:srgbClr val="000000"/>
           </a:solidFill>
@@ -5081,7 +5376,7 @@
       </a:lvl9pPr>
     </p:bodyStyle>
     <p:otherStyle>
-      <a:defPPr lvl="0" marR="0" rtl="0" algn="l">
+      <a:defPPr marR="0" lvl="0" algn="l" rtl="0">
         <a:lnSpc>
           <a:spcPct val="100000"/>
         </a:lnSpc>
@@ -5092,7 +5387,7 @@
           <a:spcPts val="0"/>
         </a:spcAft>
       </a:defPPr>
-      <a:lvl1pPr lvl="0" marR="0" rtl="0" algn="l">
+      <a:lvl1pPr marR="0" lvl="0" algn="l" rtl="0">
         <a:lnSpc>
           <a:spcPct val="100000"/>
         </a:lnSpc>
@@ -5103,7 +5398,7 @@
           <a:spcPts val="0"/>
         </a:spcAft>
         <a:buNone/>
-        <a:defRPr b="0" i="0" sz="1400" u="none" cap="none" strike="noStrike">
+        <a:defRPr sz="1400" b="0" i="0" u="none" strike="noStrike" cap="none">
           <a:solidFill>
             <a:srgbClr val="000000"/>
           </a:solidFill>
@@ -5113,7 +5408,7 @@
           <a:sym typeface="Arial"/>
         </a:defRPr>
       </a:lvl1pPr>
-      <a:lvl2pPr lvl="1" marR="0" rtl="0" algn="l">
+      <a:lvl2pPr marR="0" lvl="1" algn="l" rtl="0">
         <a:lnSpc>
           <a:spcPct val="100000"/>
         </a:lnSpc>
@@ -5124,7 +5419,7 @@
           <a:spcPts val="0"/>
         </a:spcAft>
         <a:buNone/>
-        <a:defRPr b="0" i="0" sz="1400" u="none" cap="none" strike="noStrike">
+        <a:defRPr sz="1400" b="0" i="0" u="none" strike="noStrike" cap="none">
           <a:solidFill>
             <a:srgbClr val="000000"/>
           </a:solidFill>
@@ -5134,7 +5429,7 @@
           <a:sym typeface="Arial"/>
         </a:defRPr>
       </a:lvl2pPr>
-      <a:lvl3pPr lvl="2" marR="0" rtl="0" algn="l">
+      <a:lvl3pPr marR="0" lvl="2" algn="l" rtl="0">
         <a:lnSpc>
           <a:spcPct val="100000"/>
         </a:lnSpc>
@@ -5145,7 +5440,7 @@
           <a:spcPts val="0"/>
         </a:spcAft>
         <a:buNone/>
-        <a:defRPr b="0" i="0" sz="1400" u="none" cap="none" strike="noStrike">
+        <a:defRPr sz="1400" b="0" i="0" u="none" strike="noStrike" cap="none">
           <a:solidFill>
             <a:srgbClr val="000000"/>
           </a:solidFill>
@@ -5155,7 +5450,7 @@
           <a:sym typeface="Arial"/>
         </a:defRPr>
       </a:lvl3pPr>
-      <a:lvl4pPr lvl="3" marR="0" rtl="0" algn="l">
+      <a:lvl4pPr marR="0" lvl="3" algn="l" rtl="0">
         <a:lnSpc>
           <a:spcPct val="100000"/>
         </a:lnSpc>
@@ -5166,7 +5461,7 @@
           <a:spcPts val="0"/>
         </a:spcAft>
         <a:buNone/>
-        <a:defRPr b="0" i="0" sz="1400" u="none" cap="none" strike="noStrike">
+        <a:defRPr sz="1400" b="0" i="0" u="none" strike="noStrike" cap="none">
           <a:solidFill>
             <a:srgbClr val="000000"/>
           </a:solidFill>
@@ -5176,7 +5471,7 @@
           <a:sym typeface="Arial"/>
         </a:defRPr>
       </a:lvl4pPr>
-      <a:lvl5pPr lvl="4" marR="0" rtl="0" algn="l">
+      <a:lvl5pPr marR="0" lvl="4" algn="l" rtl="0">
         <a:lnSpc>
           <a:spcPct val="100000"/>
         </a:lnSpc>
@@ -5187,7 +5482,7 @@
           <a:spcPts val="0"/>
         </a:spcAft>
         <a:buNone/>
-        <a:defRPr b="0" i="0" sz="1400" u="none" cap="none" strike="noStrike">
+        <a:defRPr sz="1400" b="0" i="0" u="none" strike="noStrike" cap="none">
           <a:solidFill>
             <a:srgbClr val="000000"/>
           </a:solidFill>
@@ -5197,7 +5492,7 @@
           <a:sym typeface="Arial"/>
         </a:defRPr>
       </a:lvl5pPr>
-      <a:lvl6pPr lvl="5" marR="0" rtl="0" algn="l">
+      <a:lvl6pPr marR="0" lvl="5" algn="l" rtl="0">
         <a:lnSpc>
           <a:spcPct val="100000"/>
         </a:lnSpc>
@@ -5208,7 +5503,7 @@
           <a:spcPts val="0"/>
         </a:spcAft>
         <a:buNone/>
-        <a:defRPr b="0" i="0" sz="1400" u="none" cap="none" strike="noStrike">
+        <a:defRPr sz="1400" b="0" i="0" u="none" strike="noStrike" cap="none">
           <a:solidFill>
             <a:srgbClr val="000000"/>
           </a:solidFill>
@@ -5218,7 +5513,7 @@
           <a:sym typeface="Arial"/>
         </a:defRPr>
       </a:lvl6pPr>
-      <a:lvl7pPr lvl="6" marR="0" rtl="0" algn="l">
+      <a:lvl7pPr marR="0" lvl="6" algn="l" rtl="0">
         <a:lnSpc>
           <a:spcPct val="100000"/>
         </a:lnSpc>
@@ -5229,7 +5524,7 @@
           <a:spcPts val="0"/>
         </a:spcAft>
         <a:buNone/>
-        <a:defRPr b="0" i="0" sz="1400" u="none" cap="none" strike="noStrike">
+        <a:defRPr sz="1400" b="0" i="0" u="none" strike="noStrike" cap="none">
           <a:solidFill>
             <a:srgbClr val="000000"/>
           </a:solidFill>
@@ -5239,7 +5534,7 @@
           <a:sym typeface="Arial"/>
         </a:defRPr>
       </a:lvl7pPr>
-      <a:lvl8pPr lvl="7" marR="0" rtl="0" algn="l">
+      <a:lvl8pPr marR="0" lvl="7" algn="l" rtl="0">
         <a:lnSpc>
           <a:spcPct val="100000"/>
         </a:lnSpc>
@@ -5250,7 +5545,7 @@
           <a:spcPts val="0"/>
         </a:spcAft>
         <a:buNone/>
-        <a:defRPr b="0" i="0" sz="1400" u="none" cap="none" strike="noStrike">
+        <a:defRPr sz="1400" b="0" i="0" u="none" strike="noStrike" cap="none">
           <a:solidFill>
             <a:srgbClr val="000000"/>
           </a:solidFill>
@@ -5260,7 +5555,7 @@
           <a:sym typeface="Arial"/>
         </a:defRPr>
       </a:lvl8pPr>
-      <a:lvl9pPr lvl="8" marR="0" rtl="0" algn="l">
+      <a:lvl9pPr marR="0" lvl="8" algn="l" rtl="0">
         <a:lnSpc>
           <a:spcPct val="100000"/>
         </a:lnSpc>
@@ -5271,7 +5566,7 @@
           <a:spcPts val="0"/>
         </a:spcAft>
         <a:buNone/>
-        <a:defRPr b="0" i="0" sz="1400" u="none" cap="none" strike="noStrike">
+        <a:defRPr sz="1400" b="0" i="0" u="none" strike="noStrike" cap="none">
           <a:solidFill>
             <a:srgbClr val="000000"/>
           </a:solidFill>
@@ -5287,11 +5582,11 @@
 </file>
 
 <file path=ppt/slides/slide1.xml><?xml version="1.0" encoding="utf-8"?>
-<p:sld xmlns:a="http://schemas.openxmlformats.org/drawingml/2006/main" xmlns:r="http://schemas.openxmlformats.org/officeDocument/2006/relationships" xmlns:mc="http://schemas.openxmlformats.org/markup-compatibility/2006" xmlns:mv="urn:schemas-microsoft-com:mac:vml" xmlns:p="http://schemas.openxmlformats.org/presentationml/2006/main" xmlns:c="http://schemas.openxmlformats.org/drawingml/2006/chart" xmlns:dgm="http://schemas.openxmlformats.org/drawingml/2006/diagram" xmlns:o="urn:schemas-microsoft-com:office:office" xmlns:v="urn:schemas-microsoft-com:vml" xmlns:pvml="urn:schemas-microsoft-com:office:powerpoint" xmlns:com="http://schemas.openxmlformats.org/drawingml/2006/compatibility" xmlns:p14="http://schemas.microsoft.com/office/powerpoint/2010/main">
+<p:sld xmlns:a="http://schemas.openxmlformats.org/drawingml/2006/main" xmlns:r="http://schemas.openxmlformats.org/officeDocument/2006/relationships" xmlns:p="http://schemas.openxmlformats.org/presentationml/2006/main">
   <p:cSld>
     <p:spTree>
       <p:nvGrpSpPr>
-        <p:cNvPr id="57" name="Shape 57"/>
+        <p:cNvPr id="1" name="Shape 57"/>
         <p:cNvGrpSpPr/>
         <p:nvPr/>
       </p:nvGrpSpPr>
@@ -5306,7 +5601,9 @@
       <p:sp>
         <p:nvSpPr>
           <p:cNvPr id="58" name="Shape 58"/>
-          <p:cNvSpPr txBox="1"/>
+          <p:cNvSpPr txBox="1">
+            <a:spLocks noGrp="1"/>
+          </p:cNvSpPr>
           <p:nvPr>
             <p:ph type="ctrTitle"/>
           </p:nvPr>
@@ -5321,7 +5618,7 @@
           </a:prstGeom>
         </p:spPr>
         <p:txBody>
-          <a:bodyPr anchorCtr="0" anchor="ctr" bIns="91425" lIns="91425" rIns="91425" tIns="91425">
+          <a:bodyPr lIns="91425" tIns="91425" rIns="91425" bIns="91425" anchor="ctr" anchorCtr="0">
             <a:noAutofit/>
           </a:bodyPr>
           <a:lstStyle/>
@@ -5342,22 +5639,24 @@
       <p:sp>
         <p:nvSpPr>
           <p:cNvPr id="59" name="Shape 59"/>
-          <p:cNvSpPr txBox="1"/>
+          <p:cNvSpPr txBox="1">
+            <a:spLocks noGrp="1"/>
+          </p:cNvSpPr>
           <p:nvPr>
-            <p:ph idx="1" type="subTitle"/>
+            <p:ph type="subTitle" idx="1"/>
           </p:nvPr>
         </p:nvSpPr>
         <p:spPr>
           <a:xfrm>
-            <a:off x="344250" y="3250800"/>
-            <a:ext cx="4910100" cy="877500"/>
+            <a:off x="344249" y="3250800"/>
+            <a:ext cx="5108899" cy="877500"/>
           </a:xfrm>
           <a:prstGeom prst="rect">
             <a:avLst/>
           </a:prstGeom>
         </p:spPr>
         <p:txBody>
-          <a:bodyPr anchorCtr="0" anchor="ctr" bIns="91425" lIns="91425" rIns="91425" tIns="91425">
+          <a:bodyPr lIns="91425" tIns="91425" rIns="91425" bIns="91425" anchor="ctr" anchorCtr="0">
             <a:noAutofit/>
           </a:bodyPr>
           <a:lstStyle/>
@@ -5369,9 +5668,44 @@
               <a:buNone/>
             </a:pPr>
             <a:r>
-              <a:rPr lang="en" sz="1800"/>
-              <a:t>Presented by: Chase Marsh, Michael Kasper, Aaron Stahley, and Payal Pandit</a:t>
+              <a:rPr lang="en" sz="1800" dirty="0">
+                <a:latin typeface="+mj-lt"/>
+              </a:rPr>
+              <a:t>Presented by: Chase Marsh, Michael Kasper, Aaron </a:t>
             </a:r>
+            <a:r>
+              <a:rPr lang="en" sz="1800" dirty="0" err="1">
+                <a:latin typeface="+mj-lt"/>
+              </a:rPr>
+              <a:t>Stahley</a:t>
+            </a:r>
+            <a:r>
+              <a:rPr lang="en" sz="1800" dirty="0">
+                <a:latin typeface="+mj-lt"/>
+              </a:rPr>
+              <a:t>, and </a:t>
+            </a:r>
+            <a:r>
+              <a:rPr lang="en" sz="1800" dirty="0" err="1">
+                <a:latin typeface="+mj-lt"/>
+              </a:rPr>
+              <a:t>Payal</a:t>
+            </a:r>
+            <a:r>
+              <a:rPr lang="en" sz="1800" dirty="0">
+                <a:latin typeface="+mj-lt"/>
+              </a:rPr>
+              <a:t> </a:t>
+            </a:r>
+            <a:r>
+              <a:rPr lang="en" sz="1800" dirty="0" err="1">
+                <a:latin typeface="+mj-lt"/>
+              </a:rPr>
+              <a:t>Pandit</a:t>
+            </a:r>
+            <a:endParaRPr lang="en" sz="1800" dirty="0">
+              <a:latin typeface="+mj-lt"/>
+            </a:endParaRPr>
           </a:p>
           <a:p>
             <a:pPr lvl="0" rtl="0">
@@ -5380,10 +5714,7 @@
               </a:spcBef>
               <a:buNone/>
             </a:pPr>
-            <a:r>
-              <a:t/>
-            </a:r>
-            <a:endParaRPr/>
+            <a:endParaRPr dirty="0"/>
           </a:p>
         </p:txBody>
       </p:sp>
@@ -5392,15 +5723,22 @@
   <p:clrMapOvr>
     <a:masterClrMapping/>
   </p:clrMapOvr>
+  <p:timing>
+    <p:tnLst>
+      <p:par>
+        <p:cTn id="1" dur="indefinite" restart="never" nodeType="tmRoot"/>
+      </p:par>
+    </p:tnLst>
+  </p:timing>
 </p:sld>
 </file>
 
 <file path=ppt/slides/slide10.xml><?xml version="1.0" encoding="utf-8"?>
-<p:sld xmlns:a="http://schemas.openxmlformats.org/drawingml/2006/main" xmlns:r="http://schemas.openxmlformats.org/officeDocument/2006/relationships" xmlns:mc="http://schemas.openxmlformats.org/markup-compatibility/2006" xmlns:mv="urn:schemas-microsoft-com:mac:vml" xmlns:p="http://schemas.openxmlformats.org/presentationml/2006/main" xmlns:c="http://schemas.openxmlformats.org/drawingml/2006/chart" xmlns:dgm="http://schemas.openxmlformats.org/drawingml/2006/diagram" xmlns:o="urn:schemas-microsoft-com:office:office" xmlns:v="urn:schemas-microsoft-com:vml" xmlns:pvml="urn:schemas-microsoft-com:office:powerpoint" xmlns:com="http://schemas.openxmlformats.org/drawingml/2006/compatibility" xmlns:p14="http://schemas.microsoft.com/office/powerpoint/2010/main">
+<p:sld xmlns:a="http://schemas.openxmlformats.org/drawingml/2006/main" xmlns:r="http://schemas.openxmlformats.org/officeDocument/2006/relationships" xmlns:p="http://schemas.openxmlformats.org/presentationml/2006/main">
   <p:cSld>
     <p:spTree>
       <p:nvGrpSpPr>
-        <p:cNvPr id="111" name="Shape 111"/>
+        <p:cNvPr id="1" name="Shape 111"/>
         <p:cNvGrpSpPr/>
         <p:nvPr/>
       </p:nvGrpSpPr>
@@ -5414,8 +5752,53 @@
       </p:grpSpPr>
       <p:sp>
         <p:nvSpPr>
+          <p:cNvPr id="4" name="Rectangle 3"/>
+          <p:cNvSpPr/>
+          <p:nvPr/>
+        </p:nvSpPr>
+        <p:spPr>
+          <a:xfrm>
+            <a:off x="0" y="590203"/>
+            <a:ext cx="5918662" cy="402583"/>
+          </a:xfrm>
+          <a:prstGeom prst="rect">
+            <a:avLst/>
+          </a:prstGeom>
+          <a:ln>
+            <a:noFill/>
+          </a:ln>
+        </p:spPr>
+        <p:style>
+          <a:lnRef idx="2">
+            <a:schemeClr val="dk1">
+              <a:shade val="50000"/>
+            </a:schemeClr>
+          </a:lnRef>
+          <a:fillRef idx="1">
+            <a:schemeClr val="dk1"/>
+          </a:fillRef>
+          <a:effectRef idx="0">
+            <a:schemeClr val="dk1"/>
+          </a:effectRef>
+          <a:fontRef idx="minor">
+            <a:schemeClr val="lt1"/>
+          </a:fontRef>
+        </p:style>
+        <p:txBody>
+          <a:bodyPr rtlCol="0" anchor="ctr"/>
+          <a:lstStyle/>
+          <a:p>
+            <a:pPr algn="ctr"/>
+            <a:endParaRPr lang="en-US"/>
+          </a:p>
+        </p:txBody>
+      </p:sp>
+      <p:sp>
+        <p:nvSpPr>
           <p:cNvPr id="112" name="Shape 112"/>
-          <p:cNvSpPr txBox="1"/>
+          <p:cNvSpPr txBox="1">
+            <a:spLocks noGrp="1"/>
+          </p:cNvSpPr>
           <p:nvPr>
             <p:ph type="title"/>
           </p:nvPr>
@@ -5430,7 +5813,7 @@
           </a:prstGeom>
         </p:spPr>
         <p:txBody>
-          <a:bodyPr anchorCtr="0" anchor="t" bIns="91425" lIns="91425" rIns="91425" tIns="91425">
+          <a:bodyPr lIns="91425" tIns="91425" rIns="91425" bIns="91425" anchor="t" anchorCtr="0">
             <a:noAutofit/>
           </a:bodyPr>
           <a:lstStyle/>
@@ -5453,9 +5836,6 @@
               </a:spcBef>
               <a:buNone/>
             </a:pPr>
-            <a:r>
-              <a:t/>
-            </a:r>
             <a:endParaRPr/>
           </a:p>
         </p:txBody>
@@ -5463,9 +5843,11 @@
       <p:sp>
         <p:nvSpPr>
           <p:cNvPr id="113" name="Shape 113"/>
-          <p:cNvSpPr txBox="1"/>
+          <p:cNvSpPr txBox="1">
+            <a:spLocks noGrp="1"/>
+          </p:cNvSpPr>
           <p:nvPr>
-            <p:ph idx="1" type="body"/>
+            <p:ph type="body" idx="1"/>
           </p:nvPr>
         </p:nvSpPr>
         <p:spPr>
@@ -5478,58 +5860,90 @@
           </a:prstGeom>
         </p:spPr>
         <p:txBody>
-          <a:bodyPr anchorCtr="0" anchor="t" bIns="91425" lIns="91425" rIns="91425" tIns="91425">
+          <a:bodyPr lIns="91425" tIns="91425" rIns="91425" bIns="91425" anchor="t" anchorCtr="0">
             <a:noAutofit/>
           </a:bodyPr>
           <a:lstStyle/>
           <a:p>
-            <a:pPr indent="-419100" lvl="0" marL="457200" rtl="0">
-              <a:spcBef>
-                <a:spcPts val="0"/>
-              </a:spcBef>
-              <a:buSzPct val="100000"/>
+            <a:pPr marL="495300" lvl="0" indent="-457200" rtl="0">
+              <a:lnSpc>
+                <a:spcPct val="100000"/>
+              </a:lnSpc>
+              <a:spcBef>
+                <a:spcPts val="0"/>
+              </a:spcBef>
+              <a:buSzPct val="100000"/>
+              <a:buFont typeface="Arial" charset="0"/>
+              <a:buChar char="•"/>
             </a:pPr>
             <a:r>
-              <a:rPr lang="en" sz="3000"/>
+              <a:rPr lang="en" sz="3000" dirty="0" smtClean="0"/>
               <a:t>Animation</a:t>
             </a:r>
           </a:p>
           <a:p>
-            <a:pPr indent="-381000" lvl="1" marL="914400">
-              <a:spcBef>
-                <a:spcPts val="0"/>
-              </a:spcBef>
-              <a:buSzPct val="100000"/>
+            <a:pPr marL="914400" lvl="1" indent="-381000">
+              <a:lnSpc>
+                <a:spcPct val="100000"/>
+              </a:lnSpc>
+              <a:spcBef>
+                <a:spcPts val="0"/>
+              </a:spcBef>
+              <a:buSzPct val="100000"/>
+              <a:buFont typeface="Arial" charset="0"/>
+              <a:buChar char="•"/>
             </a:pPr>
             <a:r>
-              <a:rPr lang="en" sz="2400"/>
+              <a:rPr lang="en" sz="2000" dirty="0" smtClean="0"/>
               <a:t>Stones animate as the move from one pit to another</a:t>
             </a:r>
             <a:br>
-              <a:rPr lang="en" sz="2400"/>
+              <a:rPr lang="en" sz="2000" dirty="0" smtClean="0"/>
             </a:br>
-          </a:p>
-          <a:p>
-            <a:pPr indent="-419100" lvl="0" marL="457200" rtl="0">
-              <a:spcBef>
-                <a:spcPts val="0"/>
-              </a:spcBef>
-              <a:buSzPct val="100000"/>
+            <a:r>
+              <a:rPr lang="en-US" sz="2000" dirty="0" smtClean="0"/>
+              <a:t/>
+            </a:r>
+            <a:br>
+              <a:rPr lang="en-US" sz="2000" dirty="0" smtClean="0"/>
+            </a:br>
+            <a:endParaRPr lang="en" sz="2000" dirty="0" smtClean="0"/>
+          </a:p>
+          <a:p>
+            <a:pPr marL="495300" lvl="0" indent="-457200" rtl="0">
+              <a:lnSpc>
+                <a:spcPct val="100000"/>
+              </a:lnSpc>
+              <a:spcBef>
+                <a:spcPts val="0"/>
+              </a:spcBef>
+              <a:buSzPct val="100000"/>
+              <a:buFont typeface="Arial" charset="0"/>
+              <a:buChar char="•"/>
             </a:pPr>
             <a:r>
-              <a:rPr lang="en" sz="3000"/>
-              <a:t>Different board layouts</a:t>
+              <a:rPr lang="en" sz="3000" dirty="0" smtClean="0"/>
+              <a:t>Different </a:t>
             </a:r>
-          </a:p>
-          <a:p>
-            <a:pPr indent="-381000" lvl="1" marL="914400">
-              <a:spcBef>
-                <a:spcPts val="0"/>
-              </a:spcBef>
-              <a:buSzPct val="100000"/>
+            <a:r>
+              <a:rPr lang="en" sz="3000" dirty="0"/>
+              <a:t>board layouts</a:t>
+            </a:r>
+          </a:p>
+          <a:p>
+            <a:pPr marL="914400" lvl="1" indent="-381000">
+              <a:lnSpc>
+                <a:spcPct val="100000"/>
+              </a:lnSpc>
+              <a:spcBef>
+                <a:spcPts val="0"/>
+              </a:spcBef>
+              <a:buSzPct val="100000"/>
+              <a:buFont typeface="Arial" charset="0"/>
+              <a:buChar char="•"/>
             </a:pPr>
             <a:r>
-              <a:rPr lang="en" sz="2400"/>
+              <a:rPr lang="en" sz="2000" dirty="0"/>
               <a:t>User can select different looking boards</a:t>
             </a:r>
           </a:p>
@@ -5540,15 +5954,22 @@
   <p:clrMapOvr>
     <a:masterClrMapping/>
   </p:clrMapOvr>
+  <p:timing>
+    <p:tnLst>
+      <p:par>
+        <p:cTn id="1" dur="indefinite" restart="never" nodeType="tmRoot"/>
+      </p:par>
+    </p:tnLst>
+  </p:timing>
 </p:sld>
 </file>
 
 <file path=ppt/slides/slide11.xml><?xml version="1.0" encoding="utf-8"?>
-<p:sld xmlns:a="http://schemas.openxmlformats.org/drawingml/2006/main" xmlns:r="http://schemas.openxmlformats.org/officeDocument/2006/relationships" xmlns:mc="http://schemas.openxmlformats.org/markup-compatibility/2006" xmlns:mv="urn:schemas-microsoft-com:mac:vml" xmlns:p="http://schemas.openxmlformats.org/presentationml/2006/main" xmlns:c="http://schemas.openxmlformats.org/drawingml/2006/chart" xmlns:dgm="http://schemas.openxmlformats.org/drawingml/2006/diagram" xmlns:o="urn:schemas-microsoft-com:office:office" xmlns:v="urn:schemas-microsoft-com:vml" xmlns:pvml="urn:schemas-microsoft-com:office:powerpoint" xmlns:com="http://schemas.openxmlformats.org/drawingml/2006/compatibility" xmlns:p14="http://schemas.microsoft.com/office/powerpoint/2010/main">
+<p:sld xmlns:a="http://schemas.openxmlformats.org/drawingml/2006/main" xmlns:r="http://schemas.openxmlformats.org/officeDocument/2006/relationships" xmlns:p="http://schemas.openxmlformats.org/presentationml/2006/main">
   <p:cSld>
     <p:spTree>
       <p:nvGrpSpPr>
-        <p:cNvPr id="117" name="Shape 117"/>
+        <p:cNvPr id="1" name="Shape 117"/>
         <p:cNvGrpSpPr/>
         <p:nvPr/>
       </p:nvGrpSpPr>
@@ -5562,8 +5983,53 @@
       </p:grpSpPr>
       <p:sp>
         <p:nvSpPr>
+          <p:cNvPr id="3" name="Rectangle 2"/>
+          <p:cNvSpPr/>
+          <p:nvPr/>
+        </p:nvSpPr>
+        <p:spPr>
+          <a:xfrm>
+            <a:off x="0" y="615142"/>
+            <a:ext cx="4921135" cy="402583"/>
+          </a:xfrm>
+          <a:prstGeom prst="rect">
+            <a:avLst/>
+          </a:prstGeom>
+          <a:ln>
+            <a:noFill/>
+          </a:ln>
+        </p:spPr>
+        <p:style>
+          <a:lnRef idx="2">
+            <a:schemeClr val="dk1">
+              <a:shade val="50000"/>
+            </a:schemeClr>
+          </a:lnRef>
+          <a:fillRef idx="1">
+            <a:schemeClr val="dk1"/>
+          </a:fillRef>
+          <a:effectRef idx="0">
+            <a:schemeClr val="dk1"/>
+          </a:effectRef>
+          <a:fontRef idx="minor">
+            <a:schemeClr val="lt1"/>
+          </a:fontRef>
+        </p:style>
+        <p:txBody>
+          <a:bodyPr rtlCol="0" anchor="ctr"/>
+          <a:lstStyle/>
+          <a:p>
+            <a:pPr algn="ctr"/>
+            <a:endParaRPr lang="en-US"/>
+          </a:p>
+        </p:txBody>
+      </p:sp>
+      <p:sp>
+        <p:nvSpPr>
           <p:cNvPr id="118" name="Shape 118"/>
-          <p:cNvSpPr txBox="1"/>
+          <p:cNvSpPr txBox="1">
+            <a:spLocks noGrp="1"/>
+          </p:cNvSpPr>
           <p:nvPr>
             <p:ph type="title"/>
           </p:nvPr>
@@ -5578,7 +6044,7 @@
           </a:prstGeom>
         </p:spPr>
         <p:txBody>
-          <a:bodyPr anchorCtr="0" anchor="t" bIns="91425" lIns="91425" rIns="91425" tIns="91425">
+          <a:bodyPr lIns="91425" tIns="91425" rIns="91425" bIns="91425" anchor="t" anchorCtr="0">
             <a:noAutofit/>
           </a:bodyPr>
           <a:lstStyle/>
@@ -5601,15 +6067,22 @@
   <p:clrMapOvr>
     <a:masterClrMapping/>
   </p:clrMapOvr>
+  <p:timing>
+    <p:tnLst>
+      <p:par>
+        <p:cTn id="1" dur="indefinite" restart="never" nodeType="tmRoot"/>
+      </p:par>
+    </p:tnLst>
+  </p:timing>
 </p:sld>
 </file>
 
 <file path=ppt/slides/slide2.xml><?xml version="1.0" encoding="utf-8"?>
-<p:sld xmlns:a="http://schemas.openxmlformats.org/drawingml/2006/main" xmlns:r="http://schemas.openxmlformats.org/officeDocument/2006/relationships" xmlns:mc="http://schemas.openxmlformats.org/markup-compatibility/2006" xmlns:mv="urn:schemas-microsoft-com:mac:vml" xmlns:p="http://schemas.openxmlformats.org/presentationml/2006/main" xmlns:c="http://schemas.openxmlformats.org/drawingml/2006/chart" xmlns:dgm="http://schemas.openxmlformats.org/drawingml/2006/diagram" xmlns:o="urn:schemas-microsoft-com:office:office" xmlns:v="urn:schemas-microsoft-com:vml" xmlns:pvml="urn:schemas-microsoft-com:office:powerpoint" xmlns:com="http://schemas.openxmlformats.org/drawingml/2006/compatibility" xmlns:p14="http://schemas.microsoft.com/office/powerpoint/2010/main">
+<p:sld xmlns:a="http://schemas.openxmlformats.org/drawingml/2006/main" xmlns:r="http://schemas.openxmlformats.org/officeDocument/2006/relationships" xmlns:p="http://schemas.openxmlformats.org/presentationml/2006/main">
   <p:cSld>
     <p:spTree>
       <p:nvGrpSpPr>
-        <p:cNvPr id="63" name="Shape 63"/>
+        <p:cNvPr id="1" name="Shape 63"/>
         <p:cNvGrpSpPr/>
         <p:nvPr/>
       </p:nvGrpSpPr>
@@ -5623,8 +6096,53 @@
       </p:grpSpPr>
       <p:sp>
         <p:nvSpPr>
+          <p:cNvPr id="2" name="Rectangle 1"/>
+          <p:cNvSpPr/>
+          <p:nvPr/>
+        </p:nvSpPr>
+        <p:spPr>
+          <a:xfrm>
+            <a:off x="0" y="615142"/>
+            <a:ext cx="4921135" cy="402583"/>
+          </a:xfrm>
+          <a:prstGeom prst="rect">
+            <a:avLst/>
+          </a:prstGeom>
+          <a:ln>
+            <a:noFill/>
+          </a:ln>
+        </p:spPr>
+        <p:style>
+          <a:lnRef idx="2">
+            <a:schemeClr val="dk1">
+              <a:shade val="50000"/>
+            </a:schemeClr>
+          </a:lnRef>
+          <a:fillRef idx="1">
+            <a:schemeClr val="dk1"/>
+          </a:fillRef>
+          <a:effectRef idx="0">
+            <a:schemeClr val="dk1"/>
+          </a:effectRef>
+          <a:fontRef idx="minor">
+            <a:schemeClr val="lt1"/>
+          </a:fontRef>
+        </p:style>
+        <p:txBody>
+          <a:bodyPr rtlCol="0" anchor="ctr"/>
+          <a:lstStyle/>
+          <a:p>
+            <a:pPr algn="ctr"/>
+            <a:endParaRPr lang="en-US"/>
+          </a:p>
+        </p:txBody>
+      </p:sp>
+      <p:sp>
+        <p:nvSpPr>
           <p:cNvPr id="64" name="Shape 64"/>
-          <p:cNvSpPr txBox="1"/>
+          <p:cNvSpPr txBox="1">
+            <a:spLocks noGrp="1"/>
+          </p:cNvSpPr>
           <p:nvPr>
             <p:ph type="title"/>
           </p:nvPr>
@@ -5639,7 +6157,7 @@
           </a:prstGeom>
         </p:spPr>
         <p:txBody>
-          <a:bodyPr anchorCtr="0" anchor="t" bIns="91425" lIns="91425" rIns="91425" tIns="91425">
+          <a:bodyPr lIns="91425" tIns="91425" rIns="91425" bIns="91425" anchor="t" anchorCtr="0">
             <a:noAutofit/>
           </a:bodyPr>
           <a:lstStyle/>
@@ -5660,9 +6178,11 @@
       <p:sp>
         <p:nvSpPr>
           <p:cNvPr id="65" name="Shape 65"/>
-          <p:cNvSpPr txBox="1"/>
+          <p:cNvSpPr txBox="1">
+            <a:spLocks noGrp="1"/>
+          </p:cNvSpPr>
           <p:nvPr>
-            <p:ph idx="1" type="body"/>
+            <p:ph type="body" idx="1"/>
           </p:nvPr>
         </p:nvSpPr>
         <p:spPr>
@@ -5675,62 +6195,97 @@
           </a:prstGeom>
         </p:spPr>
         <p:txBody>
-          <a:bodyPr anchorCtr="0" anchor="t" bIns="91425" lIns="91425" rIns="91425" tIns="91425">
+          <a:bodyPr lIns="91425" tIns="91425" rIns="91425" bIns="91425" anchor="t" anchorCtr="0">
             <a:noAutofit/>
           </a:bodyPr>
           <a:lstStyle/>
           <a:p>
-            <a:pPr indent="-228600" lvl="0" marL="457200" rtl="0">
-              <a:spcBef>
-                <a:spcPts val="0"/>
-              </a:spcBef>
+            <a:pPr marL="514350" lvl="0" indent="-285750" rtl="0">
+              <a:lnSpc>
+                <a:spcPct val="100000"/>
+              </a:lnSpc>
+              <a:spcBef>
+                <a:spcPts val="0"/>
+              </a:spcBef>
+              <a:buFont typeface="Arial" charset="0"/>
+              <a:buChar char="•"/>
             </a:pPr>
             <a:r>
-              <a:rPr lang="en"/>
+              <a:rPr lang="en" sz="1600" dirty="0">
+                <a:latin typeface="+mn-lt"/>
+              </a:rPr>
               <a:t>Two players</a:t>
             </a:r>
           </a:p>
           <a:p>
-            <a:pPr indent="-228600" lvl="0" marL="457200" rtl="0">
-              <a:spcBef>
-                <a:spcPts val="0"/>
-              </a:spcBef>
+            <a:pPr marL="514350" lvl="0" indent="-285750" rtl="0">
+              <a:lnSpc>
+                <a:spcPct val="100000"/>
+              </a:lnSpc>
+              <a:spcBef>
+                <a:spcPts val="0"/>
+              </a:spcBef>
+              <a:buFont typeface="Arial" charset="0"/>
+              <a:buChar char="•"/>
             </a:pPr>
             <a:r>
-              <a:rPr lang="en"/>
+              <a:rPr lang="en" sz="1600" dirty="0">
+                <a:latin typeface="+mn-lt"/>
+              </a:rPr>
               <a:t>A board with a series of holes arranged in 2 rows (6 pits in each row)</a:t>
             </a:r>
           </a:p>
           <a:p>
-            <a:pPr indent="-228600" lvl="0" marL="457200" rtl="0">
-              <a:spcBef>
-                <a:spcPts val="0"/>
-              </a:spcBef>
+            <a:pPr marL="514350" lvl="0" indent="-285750" rtl="0">
+              <a:lnSpc>
+                <a:spcPct val="100000"/>
+              </a:lnSpc>
+              <a:spcBef>
+                <a:spcPts val="0"/>
+              </a:spcBef>
+              <a:buFont typeface="Arial" charset="0"/>
+              <a:buChar char="•"/>
             </a:pPr>
             <a:r>
-              <a:rPr lang="en"/>
+              <a:rPr lang="en" sz="1600" dirty="0">
+                <a:latin typeface="+mn-lt"/>
+              </a:rPr>
               <a:t>Two scores (pit for scoring, one at each end of the board)</a:t>
             </a:r>
           </a:p>
           <a:p>
-            <a:pPr indent="-228600" lvl="0" marL="457200" rtl="0">
-              <a:spcBef>
-                <a:spcPts val="0"/>
-              </a:spcBef>
+            <a:pPr marL="514350" lvl="0" indent="-285750" rtl="0">
+              <a:lnSpc>
+                <a:spcPct val="100000"/>
+              </a:lnSpc>
+              <a:spcBef>
+                <a:spcPts val="0"/>
+              </a:spcBef>
+              <a:buFont typeface="Arial" charset="0"/>
+              <a:buChar char="•"/>
             </a:pPr>
             <a:r>
-              <a:rPr lang="en"/>
+              <a:rPr lang="en" sz="1600" dirty="0">
+                <a:latin typeface="+mn-lt"/>
+              </a:rPr>
               <a:t>Playing pieces (stones in our case)</a:t>
             </a:r>
           </a:p>
           <a:p>
-            <a:pPr indent="-228600" lvl="0" marL="457200">
-              <a:spcBef>
-                <a:spcPts val="0"/>
-              </a:spcBef>
+            <a:pPr marL="514350" lvl="0" indent="-285750">
+              <a:lnSpc>
+                <a:spcPct val="100000"/>
+              </a:lnSpc>
+              <a:spcBef>
+                <a:spcPts val="0"/>
+              </a:spcBef>
+              <a:buFont typeface="Arial" charset="0"/>
+              <a:buChar char="•"/>
             </a:pPr>
             <a:r>
-              <a:rPr lang="en"/>
+              <a:rPr lang="en" sz="1600" dirty="0">
+                <a:latin typeface="+mn-lt"/>
+              </a:rPr>
               <a:t>With a two-rank board, players usually are considered to control their respective sides of the board, although moves often are made into the opponent's side.</a:t>
             </a:r>
           </a:p>
@@ -5738,7 +6293,7 @@
       </p:sp>
       <p:pic>
         <p:nvPicPr>
-          <p:cNvPr descr="Open ..." id="66" name="Shape 66"/>
+          <p:cNvPr id="66" name="Shape 66" descr="Open ..."/>
           <p:cNvPicPr preferRelativeResize="0"/>
           <p:nvPr/>
         </p:nvPicPr>
@@ -5752,7 +6307,7 @@
         </p:blipFill>
         <p:spPr>
           <a:xfrm>
-            <a:off x="3350425" y="3499599"/>
+            <a:off x="4572000" y="3699601"/>
             <a:ext cx="4336050" cy="1443899"/>
           </a:xfrm>
           <a:prstGeom prst="rect">
@@ -5769,15 +6324,22 @@
   <p:clrMapOvr>
     <a:masterClrMapping/>
   </p:clrMapOvr>
+  <p:timing>
+    <p:tnLst>
+      <p:par>
+        <p:cTn id="1" dur="indefinite" restart="never" nodeType="tmRoot"/>
+      </p:par>
+    </p:tnLst>
+  </p:timing>
 </p:sld>
 </file>
 
 <file path=ppt/slides/slide3.xml><?xml version="1.0" encoding="utf-8"?>
-<p:sld xmlns:a="http://schemas.openxmlformats.org/drawingml/2006/main" xmlns:r="http://schemas.openxmlformats.org/officeDocument/2006/relationships" xmlns:mc="http://schemas.openxmlformats.org/markup-compatibility/2006" xmlns:mv="urn:schemas-microsoft-com:mac:vml" xmlns:p="http://schemas.openxmlformats.org/presentationml/2006/main" xmlns:c="http://schemas.openxmlformats.org/drawingml/2006/chart" xmlns:dgm="http://schemas.openxmlformats.org/drawingml/2006/diagram" xmlns:o="urn:schemas-microsoft-com:office:office" xmlns:v="urn:schemas-microsoft-com:vml" xmlns:pvml="urn:schemas-microsoft-com:office:powerpoint" xmlns:com="http://schemas.openxmlformats.org/drawingml/2006/compatibility" xmlns:p14="http://schemas.microsoft.com/office/powerpoint/2010/main">
+<p:sld xmlns:a="http://schemas.openxmlformats.org/drawingml/2006/main" xmlns:r="http://schemas.openxmlformats.org/officeDocument/2006/relationships" xmlns:p="http://schemas.openxmlformats.org/presentationml/2006/main">
   <p:cSld>
     <p:spTree>
       <p:nvGrpSpPr>
-        <p:cNvPr id="70" name="Shape 70"/>
+        <p:cNvPr id="1" name="Shape 70"/>
         <p:cNvGrpSpPr/>
         <p:nvPr/>
       </p:nvGrpSpPr>
@@ -5791,8 +6353,53 @@
       </p:grpSpPr>
       <p:sp>
         <p:nvSpPr>
+          <p:cNvPr id="4" name="Rectangle 3"/>
+          <p:cNvSpPr/>
+          <p:nvPr/>
+        </p:nvSpPr>
+        <p:spPr>
+          <a:xfrm>
+            <a:off x="0" y="590203"/>
+            <a:ext cx="4921135" cy="402583"/>
+          </a:xfrm>
+          <a:prstGeom prst="rect">
+            <a:avLst/>
+          </a:prstGeom>
+          <a:ln>
+            <a:noFill/>
+          </a:ln>
+        </p:spPr>
+        <p:style>
+          <a:lnRef idx="2">
+            <a:schemeClr val="dk1">
+              <a:shade val="50000"/>
+            </a:schemeClr>
+          </a:lnRef>
+          <a:fillRef idx="1">
+            <a:schemeClr val="dk1"/>
+          </a:fillRef>
+          <a:effectRef idx="0">
+            <a:schemeClr val="dk1"/>
+          </a:effectRef>
+          <a:fontRef idx="minor">
+            <a:schemeClr val="lt1"/>
+          </a:fontRef>
+        </p:style>
+        <p:txBody>
+          <a:bodyPr rtlCol="0" anchor="ctr"/>
+          <a:lstStyle/>
+          <a:p>
+            <a:pPr algn="ctr"/>
+            <a:endParaRPr lang="en-US"/>
+          </a:p>
+        </p:txBody>
+      </p:sp>
+      <p:sp>
+        <p:nvSpPr>
           <p:cNvPr id="71" name="Shape 71"/>
-          <p:cNvSpPr txBox="1"/>
+          <p:cNvSpPr txBox="1">
+            <a:spLocks noGrp="1"/>
+          </p:cNvSpPr>
           <p:nvPr>
             <p:ph type="title"/>
           </p:nvPr>
@@ -5807,7 +6414,7 @@
           </a:prstGeom>
         </p:spPr>
         <p:txBody>
-          <a:bodyPr anchorCtr="0" anchor="t" bIns="91425" lIns="91425" rIns="91425" tIns="91425">
+          <a:bodyPr lIns="91425" tIns="91425" rIns="91425" bIns="91425" anchor="t" anchorCtr="0">
             <a:noAutofit/>
           </a:bodyPr>
           <a:lstStyle/>
@@ -5819,7 +6426,7 @@
               <a:buNone/>
             </a:pPr>
             <a:r>
-              <a:rPr lang="en"/>
+              <a:rPr lang="en" dirty="0"/>
               <a:t>Rules of the Game</a:t>
             </a:r>
           </a:p>
@@ -5828,14 +6435,16 @@
       <p:sp>
         <p:nvSpPr>
           <p:cNvPr id="72" name="Shape 72"/>
-          <p:cNvSpPr txBox="1"/>
+          <p:cNvSpPr txBox="1">
+            <a:spLocks noGrp="1"/>
+          </p:cNvSpPr>
           <p:nvPr>
-            <p:ph idx="1" type="body"/>
+            <p:ph type="body" idx="1"/>
           </p:nvPr>
         </p:nvSpPr>
         <p:spPr>
           <a:xfrm>
-            <a:off x="311700" y="1234075"/>
+            <a:off x="311700" y="1017725"/>
             <a:ext cx="8520600" cy="3334800"/>
           </a:xfrm>
           <a:prstGeom prst="rect">
@@ -5843,12 +6452,15 @@
           </a:prstGeom>
         </p:spPr>
         <p:txBody>
-          <a:bodyPr anchorCtr="0" anchor="t" bIns="91425" lIns="91425" rIns="91425" tIns="91425">
+          <a:bodyPr lIns="91425" tIns="91425" rIns="91425" bIns="91425" anchor="t" anchorCtr="0">
             <a:noAutofit/>
           </a:bodyPr>
           <a:lstStyle/>
           <a:p>
-            <a:pPr indent="-317500" lvl="0" marL="457200" rtl="0">
+            <a:pPr marL="457200" lvl="0" indent="-317500" rtl="0">
+              <a:lnSpc>
+                <a:spcPct val="100000"/>
+              </a:lnSpc>
               <a:spcBef>
                 <a:spcPts val="0"/>
               </a:spcBef>
@@ -5856,9 +6468,11 @@
                 <a:srgbClr val="000000"/>
               </a:buClr>
               <a:buSzPct val="100000"/>
+              <a:buFont typeface="Arial" charset="0"/>
+              <a:buChar char="•"/>
             </a:pPr>
             <a:r>
-              <a:rPr lang="en" sz="1400">
+              <a:rPr lang="en" sz="1400" dirty="0">
                 <a:solidFill>
                   <a:srgbClr val="000000"/>
                 </a:solidFill>
@@ -5871,7 +6485,10 @@
             </a:r>
           </a:p>
           <a:p>
-            <a:pPr indent="-317500" lvl="0" marL="457200" rtl="0">
+            <a:pPr marL="457200" lvl="0" indent="-317500" rtl="0">
+              <a:lnSpc>
+                <a:spcPct val="100000"/>
+              </a:lnSpc>
               <a:spcBef>
                 <a:spcPts val="0"/>
               </a:spcBef>
@@ -5879,10 +6496,11 @@
                 <a:srgbClr val="000000"/>
               </a:buClr>
               <a:buSzPct val="100000"/>
-              <a:buFont typeface="Times New Roman"/>
+              <a:buFont typeface="Arial" charset="0"/>
+              <a:buChar char="•"/>
             </a:pPr>
             <a:r>
-              <a:rPr lang="en" sz="1400">
+              <a:rPr lang="en" sz="1400" dirty="0">
                 <a:solidFill>
                   <a:srgbClr val="000000"/>
                 </a:solidFill>
@@ -5895,7 +6513,10 @@
             </a:r>
           </a:p>
           <a:p>
-            <a:pPr indent="-317500" lvl="0" marL="457200" rtl="0">
+            <a:pPr marL="457200" lvl="0" indent="-317500" rtl="0">
+              <a:lnSpc>
+                <a:spcPct val="100000"/>
+              </a:lnSpc>
               <a:spcBef>
                 <a:spcPts val="0"/>
               </a:spcBef>
@@ -5906,10 +6527,11 @@
                 <a:srgbClr val="000000"/>
               </a:buClr>
               <a:buSzPct val="100000"/>
-              <a:buFont typeface="Times New Roman"/>
+              <a:buFont typeface="Arial" charset="0"/>
+              <a:buChar char="•"/>
             </a:pPr>
             <a:r>
-              <a:rPr lang="en" sz="1400">
+              <a:rPr lang="en" sz="1400" dirty="0">
                 <a:solidFill>
                   <a:srgbClr val="000000"/>
                 </a:solidFill>
@@ -5922,7 +6544,10 @@
             </a:r>
           </a:p>
           <a:p>
-            <a:pPr indent="-317500" lvl="0" marL="457200" rtl="0">
+            <a:pPr marL="457200" lvl="0" indent="-317500" rtl="0">
+              <a:lnSpc>
+                <a:spcPct val="100000"/>
+              </a:lnSpc>
               <a:spcBef>
                 <a:spcPts val="0"/>
               </a:spcBef>
@@ -5930,10 +6555,11 @@
                 <a:srgbClr val="000000"/>
               </a:buClr>
               <a:buSzPct val="100000"/>
-              <a:buFont typeface="Times New Roman"/>
+              <a:buFont typeface="Arial" charset="0"/>
+              <a:buChar char="•"/>
             </a:pPr>
             <a:r>
-              <a:rPr lang="en" sz="1400">
+              <a:rPr lang="en" sz="1400" dirty="0">
                 <a:solidFill>
                   <a:srgbClr val="000000"/>
                 </a:solidFill>
@@ -5946,7 +6572,10 @@
             </a:r>
           </a:p>
           <a:p>
-            <a:pPr indent="-317500" lvl="0" marL="457200" rtl="0">
+            <a:pPr marL="457200" lvl="0" indent="-317500" rtl="0">
+              <a:lnSpc>
+                <a:spcPct val="100000"/>
+              </a:lnSpc>
               <a:spcBef>
                 <a:spcPts val="0"/>
               </a:spcBef>
@@ -5954,10 +6583,11 @@
                 <a:srgbClr val="000000"/>
               </a:buClr>
               <a:buSzPct val="100000"/>
-              <a:buFont typeface="Times New Roman"/>
+              <a:buFont typeface="Arial" charset="0"/>
+              <a:buChar char="•"/>
             </a:pPr>
             <a:r>
-              <a:rPr lang="en" sz="1400">
+              <a:rPr lang="en" sz="1400" dirty="0">
                 <a:solidFill>
                   <a:srgbClr val="000000"/>
                 </a:solidFill>
@@ -5970,7 +6600,10 @@
             </a:r>
           </a:p>
           <a:p>
-            <a:pPr indent="-317500" lvl="0" marL="457200" rtl="0">
+            <a:pPr marL="457200" lvl="0" indent="-317500" rtl="0">
+              <a:lnSpc>
+                <a:spcPct val="100000"/>
+              </a:lnSpc>
               <a:spcBef>
                 <a:spcPts val="0"/>
               </a:spcBef>
@@ -5978,10 +6611,11 @@
                 <a:srgbClr val="000000"/>
               </a:buClr>
               <a:buSzPct val="100000"/>
-              <a:buFont typeface="Times New Roman"/>
+              <a:buFont typeface="Arial" charset="0"/>
+              <a:buChar char="•"/>
             </a:pPr>
             <a:r>
-              <a:rPr lang="en" sz="1400">
+              <a:rPr lang="en" sz="1400" dirty="0">
                 <a:solidFill>
                   <a:srgbClr val="000000"/>
                 </a:solidFill>
@@ -5994,7 +6628,10 @@
             </a:r>
           </a:p>
           <a:p>
-            <a:pPr indent="-317500" lvl="0" marL="457200" rtl="0">
+            <a:pPr marL="457200" lvl="0" indent="-317500" rtl="0">
+              <a:lnSpc>
+                <a:spcPct val="100000"/>
+              </a:lnSpc>
               <a:spcBef>
                 <a:spcPts val="0"/>
               </a:spcBef>
@@ -6002,10 +6639,11 @@
                 <a:srgbClr val="000000"/>
               </a:buClr>
               <a:buSzPct val="100000"/>
-              <a:buFont typeface="Times New Roman"/>
+              <a:buFont typeface="Arial" charset="0"/>
+              <a:buChar char="•"/>
             </a:pPr>
             <a:r>
-              <a:rPr lang="en" sz="1400">
+              <a:rPr lang="en" sz="1400" dirty="0">
                 <a:solidFill>
                   <a:srgbClr val="000000"/>
                 </a:solidFill>
@@ -6018,7 +6656,10 @@
             </a:r>
           </a:p>
           <a:p>
-            <a:pPr indent="-317500" lvl="0" marL="457200" rtl="0">
+            <a:pPr marL="457200" lvl="0" indent="-317500" rtl="0">
+              <a:lnSpc>
+                <a:spcPct val="100000"/>
+              </a:lnSpc>
               <a:spcBef>
                 <a:spcPts val="0"/>
               </a:spcBef>
@@ -6029,10 +6670,11 @@
                 <a:srgbClr val="000000"/>
               </a:buClr>
               <a:buSzPct val="100000"/>
-              <a:buFont typeface="Times New Roman"/>
+              <a:buFont typeface="Arial" charset="0"/>
+              <a:buChar char="•"/>
             </a:pPr>
             <a:r>
-              <a:rPr lang="en" sz="1400">
+              <a:rPr lang="en" sz="1400" dirty="0">
                 <a:solidFill>
                   <a:srgbClr val="000000"/>
                 </a:solidFill>
@@ -6045,16 +6687,17 @@
             </a:r>
           </a:p>
           <a:p>
-            <a:pPr lvl="0" rtl="0">
-              <a:spcBef>
-                <a:spcPts val="0"/>
-              </a:spcBef>
-              <a:buNone/>
+            <a:pPr marL="285750" lvl="0" indent="-285750" rtl="0">
+              <a:lnSpc>
+                <a:spcPct val="100000"/>
+              </a:lnSpc>
+              <a:spcBef>
+                <a:spcPts val="0"/>
+              </a:spcBef>
+              <a:buFont typeface="Arial" charset="0"/>
+              <a:buChar char="•"/>
             </a:pPr>
-            <a:r>
-              <a:t/>
-            </a:r>
-            <a:endParaRPr sz="1400">
+            <a:endParaRPr sz="1400" dirty="0">
               <a:solidFill>
                 <a:srgbClr val="333333"/>
               </a:solidFill>
@@ -6071,15 +6714,22 @@
   <p:clrMapOvr>
     <a:masterClrMapping/>
   </p:clrMapOvr>
+  <p:timing>
+    <p:tnLst>
+      <p:par>
+        <p:cTn id="1" dur="indefinite" restart="never" nodeType="tmRoot"/>
+      </p:par>
+    </p:tnLst>
+  </p:timing>
 </p:sld>
 </file>
 
 <file path=ppt/slides/slide4.xml><?xml version="1.0" encoding="utf-8"?>
-<p:sld xmlns:a="http://schemas.openxmlformats.org/drawingml/2006/main" xmlns:r="http://schemas.openxmlformats.org/officeDocument/2006/relationships" xmlns:mc="http://schemas.openxmlformats.org/markup-compatibility/2006" xmlns:mv="urn:schemas-microsoft-com:mac:vml" xmlns:p="http://schemas.openxmlformats.org/presentationml/2006/main" xmlns:c="http://schemas.openxmlformats.org/drawingml/2006/chart" xmlns:dgm="http://schemas.openxmlformats.org/drawingml/2006/diagram" xmlns:o="urn:schemas-microsoft-com:office:office" xmlns:v="urn:schemas-microsoft-com:vml" xmlns:pvml="urn:schemas-microsoft-com:office:powerpoint" xmlns:com="http://schemas.openxmlformats.org/drawingml/2006/compatibility" xmlns:p14="http://schemas.microsoft.com/office/powerpoint/2010/main">
+<p:sld xmlns:a="http://schemas.openxmlformats.org/drawingml/2006/main" xmlns:r="http://schemas.openxmlformats.org/officeDocument/2006/relationships" xmlns:p="http://schemas.openxmlformats.org/presentationml/2006/main">
   <p:cSld>
     <p:spTree>
       <p:nvGrpSpPr>
-        <p:cNvPr id="76" name="Shape 76"/>
+        <p:cNvPr id="1" name="Shape 76"/>
         <p:cNvGrpSpPr/>
         <p:nvPr/>
       </p:nvGrpSpPr>
@@ -6093,8 +6743,53 @@
       </p:grpSpPr>
       <p:sp>
         <p:nvSpPr>
+          <p:cNvPr id="4" name="Rectangle 3"/>
+          <p:cNvSpPr/>
+          <p:nvPr/>
+        </p:nvSpPr>
+        <p:spPr>
+          <a:xfrm>
+            <a:off x="0" y="615142"/>
+            <a:ext cx="4921135" cy="402583"/>
+          </a:xfrm>
+          <a:prstGeom prst="rect">
+            <a:avLst/>
+          </a:prstGeom>
+          <a:ln>
+            <a:noFill/>
+          </a:ln>
+        </p:spPr>
+        <p:style>
+          <a:lnRef idx="2">
+            <a:schemeClr val="dk1">
+              <a:shade val="50000"/>
+            </a:schemeClr>
+          </a:lnRef>
+          <a:fillRef idx="1">
+            <a:schemeClr val="dk1"/>
+          </a:fillRef>
+          <a:effectRef idx="0">
+            <a:schemeClr val="dk1"/>
+          </a:effectRef>
+          <a:fontRef idx="minor">
+            <a:schemeClr val="lt1"/>
+          </a:fontRef>
+        </p:style>
+        <p:txBody>
+          <a:bodyPr rtlCol="0" anchor="ctr"/>
+          <a:lstStyle/>
+          <a:p>
+            <a:pPr algn="ctr"/>
+            <a:endParaRPr lang="en-US"/>
+          </a:p>
+        </p:txBody>
+      </p:sp>
+      <p:sp>
+        <p:nvSpPr>
           <p:cNvPr id="77" name="Shape 77"/>
-          <p:cNvSpPr txBox="1"/>
+          <p:cNvSpPr txBox="1">
+            <a:spLocks noGrp="1"/>
+          </p:cNvSpPr>
           <p:nvPr>
             <p:ph type="title"/>
           </p:nvPr>
@@ -6109,7 +6804,7 @@
           </a:prstGeom>
         </p:spPr>
         <p:txBody>
-          <a:bodyPr anchorCtr="0" anchor="t" bIns="91425" lIns="91425" rIns="91425" tIns="91425">
+          <a:bodyPr lIns="91425" tIns="91425" rIns="91425" bIns="91425" anchor="t" anchorCtr="0">
             <a:noAutofit/>
           </a:bodyPr>
           <a:lstStyle/>
@@ -6129,7 +6824,7 @@
       </p:sp>
       <p:pic>
         <p:nvPicPr>
-          <p:cNvPr descr="MancalaUseCaseImage.jpg" id="78" name="Shape 78"/>
+          <p:cNvPr id="78" name="Shape 78" descr="MancalaUseCaseImage.jpg"/>
           <p:cNvPicPr preferRelativeResize="0"/>
           <p:nvPr/>
         </p:nvPicPr>
@@ -6160,15 +6855,22 @@
   <p:clrMapOvr>
     <a:masterClrMapping/>
   </p:clrMapOvr>
+  <p:timing>
+    <p:tnLst>
+      <p:par>
+        <p:cTn id="1" dur="indefinite" restart="never" nodeType="tmRoot"/>
+      </p:par>
+    </p:tnLst>
+  </p:timing>
 </p:sld>
 </file>
 
 <file path=ppt/slides/slide5.xml><?xml version="1.0" encoding="utf-8"?>
-<p:sld xmlns:a="http://schemas.openxmlformats.org/drawingml/2006/main" xmlns:r="http://schemas.openxmlformats.org/officeDocument/2006/relationships" xmlns:mc="http://schemas.openxmlformats.org/markup-compatibility/2006" xmlns:mv="urn:schemas-microsoft-com:mac:vml" xmlns:p="http://schemas.openxmlformats.org/presentationml/2006/main" xmlns:c="http://schemas.openxmlformats.org/drawingml/2006/chart" xmlns:dgm="http://schemas.openxmlformats.org/drawingml/2006/diagram" xmlns:o="urn:schemas-microsoft-com:office:office" xmlns:v="urn:schemas-microsoft-com:vml" xmlns:pvml="urn:schemas-microsoft-com:office:powerpoint" xmlns:com="http://schemas.openxmlformats.org/drawingml/2006/compatibility" xmlns:p14="http://schemas.microsoft.com/office/powerpoint/2010/main">
+<p:sld xmlns:a="http://schemas.openxmlformats.org/drawingml/2006/main" xmlns:r="http://schemas.openxmlformats.org/officeDocument/2006/relationships" xmlns:p="http://schemas.openxmlformats.org/presentationml/2006/main">
   <p:cSld>
     <p:spTree>
       <p:nvGrpSpPr>
-        <p:cNvPr id="82" name="Shape 82"/>
+        <p:cNvPr id="1" name="Shape 82"/>
         <p:cNvGrpSpPr/>
         <p:nvPr/>
       </p:nvGrpSpPr>
@@ -6182,8 +6884,53 @@
       </p:grpSpPr>
       <p:sp>
         <p:nvSpPr>
+          <p:cNvPr id="4" name="Rectangle 3"/>
+          <p:cNvSpPr/>
+          <p:nvPr/>
+        </p:nvSpPr>
+        <p:spPr>
+          <a:xfrm>
+            <a:off x="0" y="581890"/>
+            <a:ext cx="4921135" cy="402583"/>
+          </a:xfrm>
+          <a:prstGeom prst="rect">
+            <a:avLst/>
+          </a:prstGeom>
+          <a:ln>
+            <a:noFill/>
+          </a:ln>
+        </p:spPr>
+        <p:style>
+          <a:lnRef idx="2">
+            <a:schemeClr val="dk1">
+              <a:shade val="50000"/>
+            </a:schemeClr>
+          </a:lnRef>
+          <a:fillRef idx="1">
+            <a:schemeClr val="dk1"/>
+          </a:fillRef>
+          <a:effectRef idx="0">
+            <a:schemeClr val="dk1"/>
+          </a:effectRef>
+          <a:fontRef idx="minor">
+            <a:schemeClr val="lt1"/>
+          </a:fontRef>
+        </p:style>
+        <p:txBody>
+          <a:bodyPr rtlCol="0" anchor="ctr"/>
+          <a:lstStyle/>
+          <a:p>
+            <a:pPr algn="ctr"/>
+            <a:endParaRPr lang="en-US"/>
+          </a:p>
+        </p:txBody>
+      </p:sp>
+      <p:sp>
+        <p:nvSpPr>
           <p:cNvPr id="83" name="Shape 83"/>
-          <p:cNvSpPr txBox="1"/>
+          <p:cNvSpPr txBox="1">
+            <a:spLocks noGrp="1"/>
+          </p:cNvSpPr>
           <p:nvPr>
             <p:ph type="title"/>
           </p:nvPr>
@@ -6198,7 +6945,7 @@
           </a:prstGeom>
         </p:spPr>
         <p:txBody>
-          <a:bodyPr anchorCtr="0" anchor="t" bIns="91425" lIns="91425" rIns="91425" tIns="91425">
+          <a:bodyPr lIns="91425" tIns="91425" rIns="91425" bIns="91425" anchor="t" anchorCtr="0">
             <a:noAutofit/>
           </a:bodyPr>
           <a:lstStyle/>
@@ -6249,15 +6996,22 @@
   <p:clrMapOvr>
     <a:masterClrMapping/>
   </p:clrMapOvr>
+  <p:timing>
+    <p:tnLst>
+      <p:par>
+        <p:cTn id="1" dur="indefinite" restart="never" nodeType="tmRoot"/>
+      </p:par>
+    </p:tnLst>
+  </p:timing>
 </p:sld>
 </file>
 
 <file path=ppt/slides/slide6.xml><?xml version="1.0" encoding="utf-8"?>
-<p:sld xmlns:a="http://schemas.openxmlformats.org/drawingml/2006/main" xmlns:r="http://schemas.openxmlformats.org/officeDocument/2006/relationships" xmlns:mc="http://schemas.openxmlformats.org/markup-compatibility/2006" xmlns:mv="urn:schemas-microsoft-com:mac:vml" xmlns:p="http://schemas.openxmlformats.org/presentationml/2006/main" xmlns:c="http://schemas.openxmlformats.org/drawingml/2006/chart" xmlns:dgm="http://schemas.openxmlformats.org/drawingml/2006/diagram" xmlns:o="urn:schemas-microsoft-com:office:office" xmlns:v="urn:schemas-microsoft-com:vml" xmlns:pvml="urn:schemas-microsoft-com:office:powerpoint" xmlns:com="http://schemas.openxmlformats.org/drawingml/2006/compatibility" xmlns:p14="http://schemas.microsoft.com/office/powerpoint/2010/main">
+<p:sld xmlns:a="http://schemas.openxmlformats.org/drawingml/2006/main" xmlns:r="http://schemas.openxmlformats.org/officeDocument/2006/relationships" xmlns:p="http://schemas.openxmlformats.org/presentationml/2006/main">
   <p:cSld>
     <p:spTree>
       <p:nvGrpSpPr>
-        <p:cNvPr id="88" name="Shape 88"/>
+        <p:cNvPr id="1" name="Shape 88"/>
         <p:cNvGrpSpPr/>
         <p:nvPr/>
       </p:nvGrpSpPr>
@@ -6299,8 +7053,53 @@
       </p:pic>
       <p:sp>
         <p:nvSpPr>
+          <p:cNvPr id="4" name="Rectangle 3"/>
+          <p:cNvSpPr/>
+          <p:nvPr/>
+        </p:nvSpPr>
+        <p:spPr>
+          <a:xfrm>
+            <a:off x="5128953" y="49875"/>
+            <a:ext cx="3549534" cy="402583"/>
+          </a:xfrm>
+          <a:prstGeom prst="rect">
+            <a:avLst/>
+          </a:prstGeom>
+          <a:ln>
+            <a:noFill/>
+          </a:ln>
+        </p:spPr>
+        <p:style>
+          <a:lnRef idx="2">
+            <a:schemeClr val="dk1">
+              <a:shade val="50000"/>
+            </a:schemeClr>
+          </a:lnRef>
+          <a:fillRef idx="1">
+            <a:schemeClr val="dk1"/>
+          </a:fillRef>
+          <a:effectRef idx="0">
+            <a:schemeClr val="dk1"/>
+          </a:effectRef>
+          <a:fontRef idx="minor">
+            <a:schemeClr val="lt1"/>
+          </a:fontRef>
+        </p:style>
+        <p:txBody>
+          <a:bodyPr rtlCol="0" anchor="ctr"/>
+          <a:lstStyle/>
+          <a:p>
+            <a:pPr algn="ctr"/>
+            <a:endParaRPr lang="en-US"/>
+          </a:p>
+        </p:txBody>
+      </p:sp>
+      <p:sp>
+        <p:nvSpPr>
           <p:cNvPr id="90" name="Shape 90"/>
-          <p:cNvSpPr txBox="1"/>
+          <p:cNvSpPr txBox="1">
+            <a:spLocks noGrp="1"/>
+          </p:cNvSpPr>
           <p:nvPr>
             <p:ph type="title"/>
           </p:nvPr>
@@ -6315,7 +7114,7 @@
           </a:prstGeom>
         </p:spPr>
         <p:txBody>
-          <a:bodyPr anchorCtr="0" anchor="t" bIns="91425" lIns="91425" rIns="91425" tIns="91425">
+          <a:bodyPr lIns="91425" tIns="91425" rIns="91425" bIns="91425" anchor="t" anchorCtr="0">
             <a:noAutofit/>
           </a:bodyPr>
           <a:lstStyle/>
@@ -6338,15 +7137,22 @@
   <p:clrMapOvr>
     <a:masterClrMapping/>
   </p:clrMapOvr>
+  <p:timing>
+    <p:tnLst>
+      <p:par>
+        <p:cTn id="1" dur="indefinite" restart="never" nodeType="tmRoot"/>
+      </p:par>
+    </p:tnLst>
+  </p:timing>
 </p:sld>
 </file>
 
 <file path=ppt/slides/slide7.xml><?xml version="1.0" encoding="utf-8"?>
-<p:sld xmlns:a="http://schemas.openxmlformats.org/drawingml/2006/main" xmlns:r="http://schemas.openxmlformats.org/officeDocument/2006/relationships" xmlns:mc="http://schemas.openxmlformats.org/markup-compatibility/2006" xmlns:mv="urn:schemas-microsoft-com:mac:vml" xmlns:p="http://schemas.openxmlformats.org/presentationml/2006/main" xmlns:c="http://schemas.openxmlformats.org/drawingml/2006/chart" xmlns:dgm="http://schemas.openxmlformats.org/drawingml/2006/diagram" xmlns:o="urn:schemas-microsoft-com:office:office" xmlns:v="urn:schemas-microsoft-com:vml" xmlns:pvml="urn:schemas-microsoft-com:office:powerpoint" xmlns:com="http://schemas.openxmlformats.org/drawingml/2006/compatibility" xmlns:p14="http://schemas.microsoft.com/office/powerpoint/2010/main">
+<p:sld xmlns:a="http://schemas.openxmlformats.org/drawingml/2006/main" xmlns:r="http://schemas.openxmlformats.org/officeDocument/2006/relationships" xmlns:p="http://schemas.openxmlformats.org/presentationml/2006/main">
   <p:cSld>
     <p:spTree>
       <p:nvGrpSpPr>
-        <p:cNvPr id="94" name="Shape 94"/>
+        <p:cNvPr id="1" name="Shape 94"/>
         <p:cNvGrpSpPr/>
         <p:nvPr/>
       </p:nvGrpSpPr>
@@ -6360,8 +7166,53 @@
       </p:grpSpPr>
       <p:sp>
         <p:nvSpPr>
+          <p:cNvPr id="3" name="Rectangle 2"/>
+          <p:cNvSpPr/>
+          <p:nvPr/>
+        </p:nvSpPr>
+        <p:spPr>
+          <a:xfrm>
+            <a:off x="0" y="590203"/>
+            <a:ext cx="4921135" cy="402583"/>
+          </a:xfrm>
+          <a:prstGeom prst="rect">
+            <a:avLst/>
+          </a:prstGeom>
+          <a:ln>
+            <a:noFill/>
+          </a:ln>
+        </p:spPr>
+        <p:style>
+          <a:lnRef idx="2">
+            <a:schemeClr val="dk1">
+              <a:shade val="50000"/>
+            </a:schemeClr>
+          </a:lnRef>
+          <a:fillRef idx="1">
+            <a:schemeClr val="dk1"/>
+          </a:fillRef>
+          <a:effectRef idx="0">
+            <a:schemeClr val="dk1"/>
+          </a:effectRef>
+          <a:fontRef idx="minor">
+            <a:schemeClr val="lt1"/>
+          </a:fontRef>
+        </p:style>
+        <p:txBody>
+          <a:bodyPr rtlCol="0" anchor="ctr"/>
+          <a:lstStyle/>
+          <a:p>
+            <a:pPr algn="ctr"/>
+            <a:endParaRPr lang="en-US"/>
+          </a:p>
+        </p:txBody>
+      </p:sp>
+      <p:sp>
+        <p:nvSpPr>
           <p:cNvPr id="95" name="Shape 95"/>
-          <p:cNvSpPr txBox="1"/>
+          <p:cNvSpPr txBox="1">
+            <a:spLocks noGrp="1"/>
+          </p:cNvSpPr>
           <p:nvPr>
             <p:ph type="title"/>
           </p:nvPr>
@@ -6376,7 +7227,7 @@
           </a:prstGeom>
         </p:spPr>
         <p:txBody>
-          <a:bodyPr anchorCtr="0" anchor="t" bIns="91425" lIns="91425" rIns="91425" tIns="91425">
+          <a:bodyPr lIns="91425" tIns="91425" rIns="91425" bIns="91425" anchor="t" anchorCtr="0">
             <a:noAutofit/>
           </a:bodyPr>
           <a:lstStyle/>
@@ -6399,15 +7250,22 @@
   <p:clrMapOvr>
     <a:masterClrMapping/>
   </p:clrMapOvr>
+  <p:timing>
+    <p:tnLst>
+      <p:par>
+        <p:cTn id="1" dur="indefinite" restart="never" nodeType="tmRoot"/>
+      </p:par>
+    </p:tnLst>
+  </p:timing>
 </p:sld>
 </file>
 
 <file path=ppt/slides/slide8.xml><?xml version="1.0" encoding="utf-8"?>
-<p:sld xmlns:a="http://schemas.openxmlformats.org/drawingml/2006/main" xmlns:r="http://schemas.openxmlformats.org/officeDocument/2006/relationships" xmlns:mc="http://schemas.openxmlformats.org/markup-compatibility/2006" xmlns:mv="urn:schemas-microsoft-com:mac:vml" xmlns:p="http://schemas.openxmlformats.org/presentationml/2006/main" xmlns:c="http://schemas.openxmlformats.org/drawingml/2006/chart" xmlns:dgm="http://schemas.openxmlformats.org/drawingml/2006/diagram" xmlns:o="urn:schemas-microsoft-com:office:office" xmlns:v="urn:schemas-microsoft-com:vml" xmlns:pvml="urn:schemas-microsoft-com:office:powerpoint" xmlns:com="http://schemas.openxmlformats.org/drawingml/2006/compatibility" xmlns:p14="http://schemas.microsoft.com/office/powerpoint/2010/main">
+<p:sld xmlns:a="http://schemas.openxmlformats.org/drawingml/2006/main" xmlns:r="http://schemas.openxmlformats.org/officeDocument/2006/relationships" xmlns:p="http://schemas.openxmlformats.org/presentationml/2006/main">
   <p:cSld>
     <p:spTree>
       <p:nvGrpSpPr>
-        <p:cNvPr id="99" name="Shape 99"/>
+        <p:cNvPr id="1" name="Shape 99"/>
         <p:cNvGrpSpPr/>
         <p:nvPr/>
       </p:nvGrpSpPr>
@@ -6421,8 +7279,53 @@
       </p:grpSpPr>
       <p:sp>
         <p:nvSpPr>
+          <p:cNvPr id="4" name="Rectangle 3"/>
+          <p:cNvSpPr/>
+          <p:nvPr/>
+        </p:nvSpPr>
+        <p:spPr>
+          <a:xfrm>
+            <a:off x="0" y="606829"/>
+            <a:ext cx="4921135" cy="402583"/>
+          </a:xfrm>
+          <a:prstGeom prst="rect">
+            <a:avLst/>
+          </a:prstGeom>
+          <a:ln>
+            <a:noFill/>
+          </a:ln>
+        </p:spPr>
+        <p:style>
+          <a:lnRef idx="2">
+            <a:schemeClr val="dk1">
+              <a:shade val="50000"/>
+            </a:schemeClr>
+          </a:lnRef>
+          <a:fillRef idx="1">
+            <a:schemeClr val="dk1"/>
+          </a:fillRef>
+          <a:effectRef idx="0">
+            <a:schemeClr val="dk1"/>
+          </a:effectRef>
+          <a:fontRef idx="minor">
+            <a:schemeClr val="lt1"/>
+          </a:fontRef>
+        </p:style>
+        <p:txBody>
+          <a:bodyPr rtlCol="0" anchor="ctr"/>
+          <a:lstStyle/>
+          <a:p>
+            <a:pPr algn="ctr"/>
+            <a:endParaRPr lang="en-US"/>
+          </a:p>
+        </p:txBody>
+      </p:sp>
+      <p:sp>
+        <p:nvSpPr>
           <p:cNvPr id="100" name="Shape 100"/>
-          <p:cNvSpPr txBox="1"/>
+          <p:cNvSpPr txBox="1">
+            <a:spLocks noGrp="1"/>
+          </p:cNvSpPr>
           <p:nvPr>
             <p:ph type="title"/>
           </p:nvPr>
@@ -6437,7 +7340,7 @@
           </a:prstGeom>
         </p:spPr>
         <p:txBody>
-          <a:bodyPr anchorCtr="0" anchor="t" bIns="91425" lIns="91425" rIns="91425" tIns="91425">
+          <a:bodyPr lIns="91425" tIns="91425" rIns="91425" bIns="91425" anchor="t" anchorCtr="0">
             <a:noAutofit/>
           </a:bodyPr>
           <a:lstStyle/>
@@ -6458,9 +7361,11 @@
       <p:sp>
         <p:nvSpPr>
           <p:cNvPr id="101" name="Shape 101"/>
-          <p:cNvSpPr txBox="1"/>
+          <p:cNvSpPr txBox="1">
+            <a:spLocks noGrp="1"/>
+          </p:cNvSpPr>
           <p:nvPr>
-            <p:ph idx="1" type="body"/>
+            <p:ph type="body" idx="1"/>
           </p:nvPr>
         </p:nvSpPr>
         <p:spPr>
@@ -6473,67 +7378,77 @@
           </a:prstGeom>
         </p:spPr>
         <p:txBody>
-          <a:bodyPr anchorCtr="0" anchor="t" bIns="91425" lIns="91425" rIns="91425" tIns="91425">
+          <a:bodyPr lIns="91425" tIns="91425" rIns="91425" bIns="91425" anchor="t" anchorCtr="0">
             <a:noAutofit/>
           </a:bodyPr>
           <a:lstStyle/>
           <a:p>
-            <a:pPr indent="-419100" lvl="0" marL="457200" rtl="0">
-              <a:spcBef>
-                <a:spcPts val="0"/>
-              </a:spcBef>
-              <a:buSzPct val="100000"/>
+            <a:pPr marL="495300" lvl="0" indent="-457200" rtl="0">
+              <a:spcBef>
+                <a:spcPts val="0"/>
+              </a:spcBef>
+              <a:buSzPct val="100000"/>
+              <a:buFont typeface="Arial" charset="0"/>
+              <a:buChar char="•"/>
             </a:pPr>
             <a:r>
-              <a:rPr lang="en" sz="3000"/>
+              <a:rPr lang="en" sz="3000" dirty="0"/>
               <a:t>Planning: Done</a:t>
             </a:r>
           </a:p>
           <a:p>
-            <a:pPr indent="-419100" lvl="0" marL="457200" rtl="0">
-              <a:spcBef>
-                <a:spcPts val="0"/>
-              </a:spcBef>
-              <a:buSzPct val="100000"/>
+            <a:pPr marL="495300" lvl="0" indent="-457200" rtl="0">
+              <a:spcBef>
+                <a:spcPts val="0"/>
+              </a:spcBef>
+              <a:buSzPct val="100000"/>
+              <a:buFont typeface="Arial" charset="0"/>
+              <a:buChar char="•"/>
             </a:pPr>
             <a:r>
-              <a:rPr lang="en" sz="3000"/>
+              <a:rPr lang="en" sz="3000" dirty="0"/>
               <a:t>Design: Done</a:t>
             </a:r>
           </a:p>
           <a:p>
-            <a:pPr indent="-419100" lvl="0" marL="457200" rtl="0">
-              <a:spcBef>
-                <a:spcPts val="0"/>
-              </a:spcBef>
-              <a:buSzPct val="100000"/>
+            <a:pPr marL="495300" lvl="0" indent="-457200" rtl="0">
+              <a:spcBef>
+                <a:spcPts val="0"/>
+              </a:spcBef>
+              <a:buSzPct val="100000"/>
+              <a:buFont typeface="Arial" charset="0"/>
+              <a:buChar char="•"/>
             </a:pPr>
             <a:r>
-              <a:rPr lang="en" sz="3000"/>
+              <a:rPr lang="en" sz="3000" dirty="0"/>
               <a:t>Coding/Compiling: Done</a:t>
             </a:r>
           </a:p>
           <a:p>
-            <a:pPr indent="-419100" lvl="0" marL="457200" rtl="0">
-              <a:spcBef>
-                <a:spcPts val="0"/>
-              </a:spcBef>
-              <a:buSzPct val="100000"/>
+            <a:pPr marL="495300" lvl="0" indent="-457200" rtl="0">
+              <a:spcBef>
+                <a:spcPts val="0"/>
+              </a:spcBef>
+              <a:buSzPct val="100000"/>
+              <a:buFont typeface="Arial" charset="0"/>
+              <a:buChar char="•"/>
             </a:pPr>
             <a:r>
-              <a:rPr lang="en" sz="3000"/>
+              <a:rPr lang="en" sz="3000" dirty="0"/>
               <a:t>Testing: In Progress</a:t>
             </a:r>
           </a:p>
           <a:p>
-            <a:pPr indent="-419100" lvl="0" marL="457200">
-              <a:spcBef>
-                <a:spcPts val="0"/>
-              </a:spcBef>
-              <a:buSzPct val="100000"/>
+            <a:pPr marL="495300" lvl="0" indent="-457200">
+              <a:spcBef>
+                <a:spcPts val="0"/>
+              </a:spcBef>
+              <a:buSzPct val="100000"/>
+              <a:buFont typeface="Arial" charset="0"/>
+              <a:buChar char="•"/>
             </a:pPr>
             <a:r>
-              <a:rPr lang="en" sz="3000"/>
+              <a:rPr lang="en" sz="3000" dirty="0"/>
               <a:t>Final Release: Not Complete</a:t>
             </a:r>
           </a:p>
@@ -6544,15 +7459,22 @@
   <p:clrMapOvr>
     <a:masterClrMapping/>
   </p:clrMapOvr>
+  <p:timing>
+    <p:tnLst>
+      <p:par>
+        <p:cTn id="1" dur="indefinite" restart="never" nodeType="tmRoot"/>
+      </p:par>
+    </p:tnLst>
+  </p:timing>
 </p:sld>
 </file>
 
 <file path=ppt/slides/slide9.xml><?xml version="1.0" encoding="utf-8"?>
-<p:sld xmlns:a="http://schemas.openxmlformats.org/drawingml/2006/main" xmlns:r="http://schemas.openxmlformats.org/officeDocument/2006/relationships" xmlns:mc="http://schemas.openxmlformats.org/markup-compatibility/2006" xmlns:mv="urn:schemas-microsoft-com:mac:vml" xmlns:p="http://schemas.openxmlformats.org/presentationml/2006/main" xmlns:c="http://schemas.openxmlformats.org/drawingml/2006/chart" xmlns:dgm="http://schemas.openxmlformats.org/drawingml/2006/diagram" xmlns:o="urn:schemas-microsoft-com:office:office" xmlns:v="urn:schemas-microsoft-com:vml" xmlns:pvml="urn:schemas-microsoft-com:office:powerpoint" xmlns:com="http://schemas.openxmlformats.org/drawingml/2006/compatibility" xmlns:p14="http://schemas.microsoft.com/office/powerpoint/2010/main">
+<p:sld xmlns:a="http://schemas.openxmlformats.org/drawingml/2006/main" xmlns:r="http://schemas.openxmlformats.org/officeDocument/2006/relationships" xmlns:p="http://schemas.openxmlformats.org/presentationml/2006/main">
   <p:cSld>
     <p:spTree>
       <p:nvGrpSpPr>
-        <p:cNvPr id="105" name="Shape 105"/>
+        <p:cNvPr id="1" name="Shape 105"/>
         <p:cNvGrpSpPr/>
         <p:nvPr/>
       </p:nvGrpSpPr>
@@ -6566,8 +7488,53 @@
       </p:grpSpPr>
       <p:sp>
         <p:nvSpPr>
+          <p:cNvPr id="4" name="Rectangle 3"/>
+          <p:cNvSpPr/>
+          <p:nvPr/>
+        </p:nvSpPr>
+        <p:spPr>
+          <a:xfrm>
+            <a:off x="0" y="590203"/>
+            <a:ext cx="4921135" cy="402583"/>
+          </a:xfrm>
+          <a:prstGeom prst="rect">
+            <a:avLst/>
+          </a:prstGeom>
+          <a:ln>
+            <a:noFill/>
+          </a:ln>
+        </p:spPr>
+        <p:style>
+          <a:lnRef idx="2">
+            <a:schemeClr val="dk1">
+              <a:shade val="50000"/>
+            </a:schemeClr>
+          </a:lnRef>
+          <a:fillRef idx="1">
+            <a:schemeClr val="dk1"/>
+          </a:fillRef>
+          <a:effectRef idx="0">
+            <a:schemeClr val="dk1"/>
+          </a:effectRef>
+          <a:fontRef idx="minor">
+            <a:schemeClr val="lt1"/>
+          </a:fontRef>
+        </p:style>
+        <p:txBody>
+          <a:bodyPr rtlCol="0" anchor="ctr"/>
+          <a:lstStyle/>
+          <a:p>
+            <a:pPr algn="ctr"/>
+            <a:endParaRPr lang="en-US"/>
+          </a:p>
+        </p:txBody>
+      </p:sp>
+      <p:sp>
+        <p:nvSpPr>
           <p:cNvPr id="106" name="Shape 106"/>
-          <p:cNvSpPr txBox="1"/>
+          <p:cNvSpPr txBox="1">
+            <a:spLocks noGrp="1"/>
+          </p:cNvSpPr>
           <p:nvPr>
             <p:ph type="title"/>
           </p:nvPr>
@@ -6582,7 +7549,7 @@
           </a:prstGeom>
         </p:spPr>
         <p:txBody>
-          <a:bodyPr anchorCtr="0" anchor="t" bIns="91425" lIns="91425" rIns="91425" tIns="91425">
+          <a:bodyPr lIns="91425" tIns="91425" rIns="91425" bIns="91425" anchor="t" anchorCtr="0">
             <a:noAutofit/>
           </a:bodyPr>
           <a:lstStyle/>
@@ -6603,9 +7570,11 @@
       <p:sp>
         <p:nvSpPr>
           <p:cNvPr id="107" name="Shape 107"/>
-          <p:cNvSpPr txBox="1"/>
+          <p:cNvSpPr txBox="1">
+            <a:spLocks noGrp="1"/>
+          </p:cNvSpPr>
           <p:nvPr>
-            <p:ph idx="1" type="body"/>
+            <p:ph type="body" idx="1"/>
           </p:nvPr>
         </p:nvSpPr>
         <p:spPr>
@@ -6618,57 +7587,121 @@
           </a:prstGeom>
         </p:spPr>
         <p:txBody>
-          <a:bodyPr anchorCtr="0" anchor="t" bIns="91425" lIns="91425" rIns="91425" tIns="91425">
+          <a:bodyPr lIns="91425" tIns="91425" rIns="91425" bIns="91425" anchor="t" anchorCtr="0">
             <a:noAutofit/>
           </a:bodyPr>
           <a:lstStyle/>
           <a:p>
-            <a:pPr indent="-419100" lvl="0" marL="457200" rtl="0">
-              <a:spcBef>
-                <a:spcPts val="0"/>
-              </a:spcBef>
-              <a:buSzPct val="100000"/>
+            <a:pPr marL="495300" lvl="0" indent="-457200" rtl="0">
+              <a:spcBef>
+                <a:spcPts val="0"/>
+              </a:spcBef>
+              <a:buSzPct val="100000"/>
+              <a:buFont typeface="Arial" charset="0"/>
+              <a:buChar char="•"/>
             </a:pPr>
             <a:r>
-              <a:rPr lang="en" sz="3000"/>
-              <a:t>Aaron Stahley: GUI/Client</a:t>
+              <a:rPr lang="en" sz="3000" dirty="0"/>
+              <a:t>Aaron </a:t>
             </a:r>
-          </a:p>
-          <a:p>
-            <a:pPr indent="-419100" lvl="0" marL="457200" rtl="0">
-              <a:spcBef>
-                <a:spcPts val="0"/>
-              </a:spcBef>
-              <a:buSzPct val="100000"/>
+            <a:r>
+              <a:rPr lang="en" sz="3000" dirty="0" err="1"/>
+              <a:t>Stahley</a:t>
+            </a:r>
+            <a:r>
+              <a:rPr lang="en" sz="3000" dirty="0"/>
+              <a:t>: </a:t>
+            </a:r>
+            <a:r>
+              <a:rPr lang="en" sz="3000" dirty="0" smtClean="0"/>
+              <a:t>GUI/Client</a:t>
+            </a:r>
+            <a:r>
+              <a:rPr lang="en-US" sz="3000" dirty="0" smtClean="0"/>
+              <a:t>, Tester</a:t>
+            </a:r>
+            <a:endParaRPr lang="en" sz="3000" dirty="0"/>
+          </a:p>
+          <a:p>
+            <a:pPr marL="495300" indent="-457200">
+              <a:buFont typeface="Arial" charset="0"/>
+              <a:buChar char="•"/>
             </a:pPr>
             <a:r>
-              <a:rPr lang="en" sz="3000"/>
-              <a:t>Michael Kasper: Server/Game Engine</a:t>
+              <a:rPr lang="en" sz="3000" dirty="0"/>
+              <a:t>Michael Kasper: Server/Game </a:t>
             </a:r>
-          </a:p>
-          <a:p>
-            <a:pPr indent="-419100" lvl="0" marL="457200" rtl="0">
-              <a:spcBef>
-                <a:spcPts val="0"/>
-              </a:spcBef>
-              <a:buSzPct val="100000"/>
+            <a:r>
+              <a:rPr lang="en" sz="3000" dirty="0" smtClean="0"/>
+              <a:t>Engine</a:t>
+            </a:r>
+            <a:r>
+              <a:rPr lang="en-US" sz="3000" dirty="0"/>
+              <a:t>, </a:t>
+            </a:r>
+            <a:r>
+              <a:rPr lang="en-US" sz="3000" dirty="0" smtClean="0"/>
+              <a:t>Tester</a:t>
+            </a:r>
+            <a:endParaRPr lang="en" sz="3000" dirty="0"/>
+          </a:p>
+          <a:p>
+            <a:pPr marL="495300" indent="-457200">
+              <a:buFont typeface="Arial" charset="0"/>
+              <a:buChar char="•"/>
             </a:pPr>
             <a:r>
-              <a:rPr lang="en" sz="3000"/>
-              <a:t>Payal Pandit: Server/Game Engine</a:t>
+              <a:rPr lang="en" sz="3000" dirty="0" err="1"/>
+              <a:t>Payal</a:t>
             </a:r>
-          </a:p>
-          <a:p>
-            <a:pPr indent="-419100" lvl="0" marL="457200">
-              <a:spcBef>
-                <a:spcPts val="0"/>
-              </a:spcBef>
-              <a:buSzPct val="100000"/>
+            <a:r>
+              <a:rPr lang="en" sz="3000" dirty="0"/>
+              <a:t> </a:t>
+            </a:r>
+            <a:r>
+              <a:rPr lang="en" sz="3000" dirty="0" err="1"/>
+              <a:t>Pandit</a:t>
+            </a:r>
+            <a:r>
+              <a:rPr lang="en" sz="3000" dirty="0"/>
+              <a:t>: Server/Game </a:t>
+            </a:r>
+            <a:r>
+              <a:rPr lang="en" sz="3000" dirty="0" smtClean="0"/>
+              <a:t>Engine</a:t>
+            </a:r>
+            <a:r>
+              <a:rPr lang="en-US" sz="3000" dirty="0"/>
+              <a:t>, </a:t>
+            </a:r>
+            <a:r>
+              <a:rPr lang="en-US" sz="3000" dirty="0" smtClean="0"/>
+              <a:t>Tester</a:t>
+            </a:r>
+            <a:endParaRPr lang="en" sz="3000" dirty="0"/>
+          </a:p>
+          <a:p>
+            <a:pPr marL="495300" indent="-457200">
+              <a:buFont typeface="Arial" charset="0"/>
+              <a:buChar char="•"/>
             </a:pPr>
             <a:r>
-              <a:rPr lang="en" sz="3000"/>
-              <a:t>Chase Marsh: Client</a:t>
+              <a:rPr lang="en" sz="3000" dirty="0"/>
+              <a:t>Chase Marsh: </a:t>
             </a:r>
+            <a:r>
+              <a:rPr lang="en" sz="3000" dirty="0" smtClean="0"/>
+              <a:t>Client</a:t>
+            </a:r>
+            <a:r>
+              <a:rPr lang="en-US" sz="3000" dirty="0"/>
+              <a:t>, </a:t>
+            </a:r>
+            <a:r>
+              <a:rPr lang="en-US" sz="3000" dirty="0" smtClean="0"/>
+              <a:t>Tester</a:t>
+            </a:r>
+            <a:endParaRPr lang="en" sz="3000" dirty="0"/>
           </a:p>
         </p:txBody>
       </p:sp>
@@ -6677,11 +7710,18 @@
   <p:clrMapOvr>
     <a:masterClrMapping/>
   </p:clrMapOvr>
+  <p:timing>
+    <p:tnLst>
+      <p:par>
+        <p:cTn id="1" dur="indefinite" restart="never" nodeType="tmRoot"/>
+      </p:par>
+    </p:tnLst>
+  </p:timing>
 </p:sld>
 </file>
 
 <file path=ppt/theme/theme1.xml><?xml version="1.0" encoding="utf-8"?>
-<a:theme xmlns:a="http://schemas.openxmlformats.org/drawingml/2006/main" xmlns:r="http://schemas.openxmlformats.org/officeDocument/2006/relationships" name="pop">
+<a:theme xmlns:a="http://schemas.openxmlformats.org/drawingml/2006/main" name="pop">
   <a:themeElements>
     <a:clrScheme name="Pop">
       <a:dk1>
@@ -6956,11 +7996,13 @@
       </a:bgFillStyleLst>
     </a:fmtScheme>
   </a:themeElements>
+  <a:objectDefaults/>
+  <a:extraClrSchemeLst/>
 </a:theme>
 </file>
 
 <file path=ppt/theme/theme2.xml><?xml version="1.0" encoding="utf-8"?>
-<a:theme xmlns:a="http://schemas.openxmlformats.org/drawingml/2006/main" xmlns:r="http://schemas.openxmlformats.org/officeDocument/2006/relationships" name="Custom Theme">
+<a:theme xmlns:a="http://schemas.openxmlformats.org/drawingml/2006/main" name="Custom Theme">
   <a:themeElements>
     <a:clrScheme name="Default">
       <a:dk1>
@@ -7235,5 +8277,7 @@
       </a:bgFillStyleLst>
     </a:fmtScheme>
   </a:themeElements>
+  <a:objectDefaults/>
+  <a:extraClrSchemeLst/>
 </a:theme>
 </file>
--- a/Presentation/Mancala Presentation.pptx
+++ b/Presentation/Mancala Presentation.pptx
@@ -5,7 +5,7 @@
     <p:sldMasterId id="2147483659" r:id="rId1"/>
   </p:sldMasterIdLst>
   <p:notesMasterIdLst>
-    <p:notesMasterId r:id="rId13"/>
+    <p:notesMasterId r:id="rId14"/>
   </p:notesMasterIdLst>
   <p:sldIdLst>
     <p:sldId id="256" r:id="rId2"/>
@@ -18,7 +18,8 @@
     <p:sldId id="263" r:id="rId9"/>
     <p:sldId id="264" r:id="rId10"/>
     <p:sldId id="265" r:id="rId11"/>
-    <p:sldId id="266" r:id="rId12"/>
+    <p:sldId id="267" r:id="rId12"/>
+    <p:sldId id="266" r:id="rId13"/>
   </p:sldIdLst>
   <p:sldSz cx="9144000" cy="5143500" type="screen16x9"/>
   <p:notesSz cx="6858000" cy="9144000"/>
@@ -703,6 +704,112 @@
 </file>
 
 <file path=ppt/notesSlides/notesSlide11.xml><?xml version="1.0" encoding="utf-8"?>
+<p:notes xmlns:a="http://schemas.openxmlformats.org/drawingml/2006/main" xmlns:r="http://schemas.openxmlformats.org/officeDocument/2006/relationships" xmlns:p="http://schemas.openxmlformats.org/presentationml/2006/main" showMasterSp="0" showMasterPhAnim="0">
+  <p:cSld>
+    <p:spTree>
+      <p:nvGrpSpPr>
+        <p:cNvPr id="1" name="Shape 108"/>
+        <p:cNvGrpSpPr/>
+        <p:nvPr/>
+      </p:nvGrpSpPr>
+      <p:grpSpPr>
+        <a:xfrm>
+          <a:off x="0" y="0"/>
+          <a:ext cx="0" cy="0"/>
+          <a:chOff x="0" y="0"/>
+          <a:chExt cx="0" cy="0"/>
+        </a:xfrm>
+      </p:grpSpPr>
+      <p:sp>
+        <p:nvSpPr>
+          <p:cNvPr id="109" name="Shape 109"/>
+          <p:cNvSpPr>
+            <a:spLocks noGrp="1" noRot="1" noChangeAspect="1"/>
+          </p:cNvSpPr>
+          <p:nvPr>
+            <p:ph type="sldImg" idx="2"/>
+          </p:nvPr>
+        </p:nvSpPr>
+        <p:spPr>
+          <a:xfrm>
+            <a:off x="381000" y="685800"/>
+            <a:ext cx="6096000" cy="3429000"/>
+          </a:xfrm>
+          <a:custGeom>
+            <a:avLst/>
+            <a:gdLst/>
+            <a:ahLst/>
+            <a:cxnLst/>
+            <a:rect l="0" t="0" r="0" b="0"/>
+            <a:pathLst>
+              <a:path w="120000" h="120000" extrusionOk="0">
+                <a:moveTo>
+                  <a:pt x="0" y="0"/>
+                </a:moveTo>
+                <a:lnTo>
+                  <a:pt x="120000" y="0"/>
+                </a:lnTo>
+                <a:lnTo>
+                  <a:pt x="120000" y="120000"/>
+                </a:lnTo>
+                <a:lnTo>
+                  <a:pt x="0" y="120000"/>
+                </a:lnTo>
+                <a:close/>
+              </a:path>
+            </a:pathLst>
+          </a:custGeom>
+        </p:spPr>
+      </p:sp>
+      <p:sp>
+        <p:nvSpPr>
+          <p:cNvPr id="110" name="Shape 110"/>
+          <p:cNvSpPr txBox="1">
+            <a:spLocks noGrp="1"/>
+          </p:cNvSpPr>
+          <p:nvPr>
+            <p:ph type="body" idx="1"/>
+          </p:nvPr>
+        </p:nvSpPr>
+        <p:spPr>
+          <a:xfrm>
+            <a:off x="685800" y="4343400"/>
+            <a:ext cx="5486400" cy="4114800"/>
+          </a:xfrm>
+          <a:prstGeom prst="rect">
+            <a:avLst/>
+          </a:prstGeom>
+        </p:spPr>
+        <p:txBody>
+          <a:bodyPr lIns="91425" tIns="91425" rIns="91425" bIns="91425" anchor="t" anchorCtr="0">
+            <a:noAutofit/>
+          </a:bodyPr>
+          <a:lstStyle/>
+          <a:p>
+            <a:pPr lvl="0">
+              <a:spcBef>
+                <a:spcPts val="0"/>
+              </a:spcBef>
+              <a:buNone/>
+            </a:pPr>
+            <a:endParaRPr/>
+          </a:p>
+        </p:txBody>
+      </p:sp>
+    </p:spTree>
+    <p:extLst>
+      <p:ext uri="{BB962C8B-B14F-4D97-AF65-F5344CB8AC3E}">
+        <p14:creationId xmlns:p14="http://schemas.microsoft.com/office/powerpoint/2010/main" val="1213807173"/>
+      </p:ext>
+    </p:extLst>
+  </p:cSld>
+  <p:clrMapOvr>
+    <a:masterClrMapping/>
+  </p:clrMapOvr>
+</p:notes>
+</file>
+
+<file path=ppt/notesSlides/notesSlide12.xml><?xml version="1.0" encoding="utf-8"?>
 <p:notes xmlns:a="http://schemas.openxmlformats.org/drawingml/2006/main" xmlns:r="http://schemas.openxmlformats.org/officeDocument/2006/relationships" xmlns:p="http://schemas.openxmlformats.org/presentationml/2006/main" showMasterSp="0" showMasterPhAnim="0">
   <p:cSld>
     <p:spTree>
@@ -5965,6 +6072,190 @@
 </file>
 
 <file path=ppt/slides/slide11.xml><?xml version="1.0" encoding="utf-8"?>
+<p:sld xmlns:a="http://schemas.openxmlformats.org/drawingml/2006/main" xmlns:r="http://schemas.openxmlformats.org/officeDocument/2006/relationships" xmlns:p="http://schemas.openxmlformats.org/presentationml/2006/main">
+  <p:cSld>
+    <p:spTree>
+      <p:nvGrpSpPr>
+        <p:cNvPr id="1" name="Shape 111"/>
+        <p:cNvGrpSpPr/>
+        <p:nvPr/>
+      </p:nvGrpSpPr>
+      <p:grpSpPr>
+        <a:xfrm>
+          <a:off x="0" y="0"/>
+          <a:ext cx="0" cy="0"/>
+          <a:chOff x="0" y="0"/>
+          <a:chExt cx="0" cy="0"/>
+        </a:xfrm>
+      </p:grpSpPr>
+      <p:sp>
+        <p:nvSpPr>
+          <p:cNvPr id="4" name="Rectangle 3"/>
+          <p:cNvSpPr/>
+          <p:nvPr/>
+        </p:nvSpPr>
+        <p:spPr>
+          <a:xfrm>
+            <a:off x="0" y="581890"/>
+            <a:ext cx="5918662" cy="402583"/>
+          </a:xfrm>
+          <a:prstGeom prst="rect">
+            <a:avLst/>
+          </a:prstGeom>
+          <a:ln>
+            <a:noFill/>
+          </a:ln>
+        </p:spPr>
+        <p:style>
+          <a:lnRef idx="2">
+            <a:schemeClr val="dk1">
+              <a:shade val="50000"/>
+            </a:schemeClr>
+          </a:lnRef>
+          <a:fillRef idx="1">
+            <a:schemeClr val="dk1"/>
+          </a:fillRef>
+          <a:effectRef idx="0">
+            <a:schemeClr val="dk1"/>
+          </a:effectRef>
+          <a:fontRef idx="minor">
+            <a:schemeClr val="lt1"/>
+          </a:fontRef>
+        </p:style>
+        <p:txBody>
+          <a:bodyPr rtlCol="0" anchor="ctr"/>
+          <a:lstStyle/>
+          <a:p>
+            <a:pPr algn="ctr"/>
+            <a:endParaRPr lang="en-US"/>
+          </a:p>
+        </p:txBody>
+      </p:sp>
+      <p:sp>
+        <p:nvSpPr>
+          <p:cNvPr id="112" name="Shape 112"/>
+          <p:cNvSpPr txBox="1">
+            <a:spLocks noGrp="1"/>
+          </p:cNvSpPr>
+          <p:nvPr>
+            <p:ph type="title"/>
+          </p:nvPr>
+        </p:nvSpPr>
+        <p:spPr>
+          <a:xfrm>
+            <a:off x="311700" y="445025"/>
+            <a:ext cx="8520600" cy="572700"/>
+          </a:xfrm>
+          <a:prstGeom prst="rect">
+            <a:avLst/>
+          </a:prstGeom>
+        </p:spPr>
+        <p:txBody>
+          <a:bodyPr lIns="91425" tIns="91425" rIns="91425" bIns="91425" anchor="t" anchorCtr="0">
+            <a:noAutofit/>
+          </a:bodyPr>
+          <a:lstStyle/>
+          <a:p>
+            <a:pPr lvl="0">
+              <a:spcBef>
+                <a:spcPts val="0"/>
+              </a:spcBef>
+              <a:buNone/>
+            </a:pPr>
+            <a:r>
+              <a:rPr lang="en-US" dirty="0" smtClean="0"/>
+              <a:t>GitHub</a:t>
+            </a:r>
+            <a:endParaRPr lang="en" dirty="0"/>
+          </a:p>
+          <a:p>
+            <a:pPr lvl="0">
+              <a:spcBef>
+                <a:spcPts val="0"/>
+              </a:spcBef>
+              <a:buNone/>
+            </a:pPr>
+            <a:endParaRPr dirty="0"/>
+          </a:p>
+        </p:txBody>
+      </p:sp>
+      <p:sp>
+        <p:nvSpPr>
+          <p:cNvPr id="113" name="Shape 113"/>
+          <p:cNvSpPr txBox="1">
+            <a:spLocks noGrp="1"/>
+          </p:cNvSpPr>
+          <p:nvPr>
+            <p:ph type="body" idx="1"/>
+          </p:nvPr>
+        </p:nvSpPr>
+        <p:spPr>
+          <a:xfrm>
+            <a:off x="311700" y="1234075"/>
+            <a:ext cx="8520600" cy="3334800"/>
+          </a:xfrm>
+          <a:prstGeom prst="rect">
+            <a:avLst/>
+          </a:prstGeom>
+        </p:spPr>
+        <p:txBody>
+          <a:bodyPr lIns="91425" tIns="91425" rIns="91425" bIns="91425" anchor="t" anchorCtr="0">
+            <a:noAutofit/>
+          </a:bodyPr>
+          <a:lstStyle/>
+          <a:p>
+            <a:pPr marL="495300" lvl="0" indent="-457200">
+              <a:lnSpc>
+                <a:spcPct val="100000"/>
+              </a:lnSpc>
+              <a:buFont typeface="Arial" charset="0"/>
+              <a:buChar char="•"/>
+            </a:pPr>
+            <a:r>
+              <a:rPr lang="en" sz="2000" dirty="0"/>
+              <a:t>https://</a:t>
+            </a:r>
+            <a:r>
+              <a:rPr lang="en" sz="2000" dirty="0" err="1"/>
+              <a:t>github.com</a:t>
+            </a:r>
+            <a:r>
+              <a:rPr lang="en" sz="2000" dirty="0"/>
+              <a:t>/</a:t>
+            </a:r>
+            <a:r>
+              <a:rPr lang="en" sz="2000" dirty="0" err="1"/>
+              <a:t>AaronStahley</a:t>
+            </a:r>
+            <a:r>
+              <a:rPr lang="en" sz="2000" dirty="0"/>
+              <a:t>/SER215</a:t>
+            </a:r>
+            <a:endParaRPr lang="en" sz="2000" dirty="0"/>
+          </a:p>
+        </p:txBody>
+      </p:sp>
+    </p:spTree>
+    <p:extLst>
+      <p:ext uri="{BB962C8B-B14F-4D97-AF65-F5344CB8AC3E}">
+        <p14:creationId xmlns:p14="http://schemas.microsoft.com/office/powerpoint/2010/main" val="934988496"/>
+      </p:ext>
+    </p:extLst>
+  </p:cSld>
+  <p:clrMapOvr>
+    <a:masterClrMapping/>
+  </p:clrMapOvr>
+  <p:timing>
+    <p:tnLst>
+      <p:par>
+        <p:cTn id="1" dur="indefinite" restart="never" nodeType="tmRoot"/>
+      </p:par>
+    </p:tnLst>
+  </p:timing>
+</p:sld>
+</file>
+
+<file path=ppt/slides/slide12.xml><?xml version="1.0" encoding="utf-8"?>
 <p:sld xmlns:a="http://schemas.openxmlformats.org/drawingml/2006/main" xmlns:r="http://schemas.openxmlformats.org/officeDocument/2006/relationships" xmlns:p="http://schemas.openxmlformats.org/presentationml/2006/main">
   <p:cSld>
     <p:spTree>
